--- a/PalMod2022/docs/ppt/4_ESM-Tools terminology.pptx
+++ b/PalMod2022/docs/ppt/4_ESM-Tools terminology.pptx
@@ -4,6 +4,9 @@
   <p:sldMasterIdLst>
     <p:sldMasterId id="2147483648" r:id="rId1"/>
   </p:sldMasterIdLst>
+  <p:notesMasterIdLst>
+    <p:notesMasterId r:id="rId14"/>
+  </p:notesMasterIdLst>
   <p:sldIdLst>
     <p:sldId id="274" r:id="rId2"/>
     <p:sldId id="263" r:id="rId3"/>
@@ -12,9 +15,9 @@
     <p:sldId id="265" r:id="rId6"/>
     <p:sldId id="266" r:id="rId7"/>
     <p:sldId id="264" r:id="rId8"/>
-    <p:sldId id="269" r:id="rId9"/>
-    <p:sldId id="271" r:id="rId10"/>
-    <p:sldId id="275" r:id="rId11"/>
+    <p:sldId id="275" r:id="rId9"/>
+    <p:sldId id="269" r:id="rId10"/>
+    <p:sldId id="271" r:id="rId11"/>
     <p:sldId id="268" r:id="rId12"/>
     <p:sldId id="276" r:id="rId13"/>
   </p:sldIdLst>
@@ -121,6 +124,440 @@
     </p:ext>
   </p:extLst>
 </p:presentation>
+</file>
+
+<file path=ppt/notesMasters/notesMaster1.xml><?xml version="1.0" encoding="utf-8"?>
+<p:notesMaster xmlns:a="http://schemas.openxmlformats.org/drawingml/2006/main" xmlns:r="http://schemas.openxmlformats.org/officeDocument/2006/relationships" xmlns:p="http://schemas.openxmlformats.org/presentationml/2006/main">
+  <p:cSld>
+    <p:bg>
+      <p:bgRef idx="1001">
+        <a:schemeClr val="bg1"/>
+      </p:bgRef>
+    </p:bg>
+    <p:spTree>
+      <p:nvGrpSpPr>
+        <p:cNvPr id="1" name=""/>
+        <p:cNvGrpSpPr/>
+        <p:nvPr/>
+      </p:nvGrpSpPr>
+      <p:grpSpPr>
+        <a:xfrm>
+          <a:off x="0" y="0"/>
+          <a:ext cx="0" cy="0"/>
+          <a:chOff x="0" y="0"/>
+          <a:chExt cx="0" cy="0"/>
+        </a:xfrm>
+      </p:grpSpPr>
+      <p:sp>
+        <p:nvSpPr>
+          <p:cNvPr id="2" name="Header Placeholder 1"/>
+          <p:cNvSpPr>
+            <a:spLocks noGrp="1"/>
+          </p:cNvSpPr>
+          <p:nvPr>
+            <p:ph type="hdr" sz="quarter"/>
+          </p:nvPr>
+        </p:nvSpPr>
+        <p:spPr>
+          <a:xfrm>
+            <a:off x="0" y="0"/>
+            <a:ext cx="2971800" cy="458788"/>
+          </a:xfrm>
+          <a:prstGeom prst="rect">
+            <a:avLst/>
+          </a:prstGeom>
+        </p:spPr>
+        <p:txBody>
+          <a:bodyPr vert="horz" lIns="91440" tIns="45720" rIns="91440" bIns="45720" rtlCol="0"/>
+          <a:lstStyle>
+            <a:lvl1pPr algn="l">
+              <a:defRPr sz="1200"/>
+            </a:lvl1pPr>
+          </a:lstStyle>
+          <a:p>
+            <a:endParaRPr lang="en-GB"/>
+          </a:p>
+        </p:txBody>
+      </p:sp>
+      <p:sp>
+        <p:nvSpPr>
+          <p:cNvPr id="3" name="Date Placeholder 2"/>
+          <p:cNvSpPr>
+            <a:spLocks noGrp="1"/>
+          </p:cNvSpPr>
+          <p:nvPr>
+            <p:ph type="dt" idx="1"/>
+          </p:nvPr>
+        </p:nvSpPr>
+        <p:spPr>
+          <a:xfrm>
+            <a:off x="3884613" y="0"/>
+            <a:ext cx="2971800" cy="458788"/>
+          </a:xfrm>
+          <a:prstGeom prst="rect">
+            <a:avLst/>
+          </a:prstGeom>
+        </p:spPr>
+        <p:txBody>
+          <a:bodyPr vert="horz" lIns="91440" tIns="45720" rIns="91440" bIns="45720" rtlCol="0"/>
+          <a:lstStyle>
+            <a:lvl1pPr algn="r">
+              <a:defRPr sz="1200"/>
+            </a:lvl1pPr>
+          </a:lstStyle>
+          <a:p>
+            <a:fld id="{DE9EF5A0-6346-0C44-9EA8-61CC488D9E11}" type="datetimeFigureOut">
+              <a:rPr lang="en-GB" smtClean="0"/>
+              <a:t>19/04/2022</a:t>
+            </a:fld>
+            <a:endParaRPr lang="en-GB"/>
+          </a:p>
+        </p:txBody>
+      </p:sp>
+      <p:sp>
+        <p:nvSpPr>
+          <p:cNvPr id="4" name="Slide Image Placeholder 3"/>
+          <p:cNvSpPr>
+            <a:spLocks noGrp="1" noRot="1" noChangeAspect="1"/>
+          </p:cNvSpPr>
+          <p:nvPr>
+            <p:ph type="sldImg" idx="2"/>
+          </p:nvPr>
+        </p:nvSpPr>
+        <p:spPr>
+          <a:xfrm>
+            <a:off x="685800" y="1143000"/>
+            <a:ext cx="5486400" cy="3086100"/>
+          </a:xfrm>
+          <a:prstGeom prst="rect">
+            <a:avLst/>
+          </a:prstGeom>
+          <a:noFill/>
+          <a:ln w="12700">
+            <a:solidFill>
+              <a:prstClr val="black"/>
+            </a:solidFill>
+          </a:ln>
+        </p:spPr>
+        <p:txBody>
+          <a:bodyPr vert="horz" lIns="91440" tIns="45720" rIns="91440" bIns="45720" rtlCol="0" anchor="ctr"/>
+          <a:lstStyle/>
+          <a:p>
+            <a:endParaRPr lang="en-GB"/>
+          </a:p>
+        </p:txBody>
+      </p:sp>
+      <p:sp>
+        <p:nvSpPr>
+          <p:cNvPr id="5" name="Notes Placeholder 4"/>
+          <p:cNvSpPr>
+            <a:spLocks noGrp="1"/>
+          </p:cNvSpPr>
+          <p:nvPr>
+            <p:ph type="body" sz="quarter" idx="3"/>
+          </p:nvPr>
+        </p:nvSpPr>
+        <p:spPr>
+          <a:xfrm>
+            <a:off x="685800" y="4400550"/>
+            <a:ext cx="5486400" cy="3600450"/>
+          </a:xfrm>
+          <a:prstGeom prst="rect">
+            <a:avLst/>
+          </a:prstGeom>
+        </p:spPr>
+        <p:txBody>
+          <a:bodyPr vert="horz" lIns="91440" tIns="45720" rIns="91440" bIns="45720" rtlCol="0"/>
+          <a:lstStyle/>
+          <a:p>
+            <a:pPr lvl="0"/>
+            <a:r>
+              <a:rPr lang="en-US"/>
+              <a:t>Click to edit Master text styles</a:t>
+            </a:r>
+          </a:p>
+          <a:p>
+            <a:pPr lvl="1"/>
+            <a:r>
+              <a:rPr lang="en-US"/>
+              <a:t>Second level</a:t>
+            </a:r>
+          </a:p>
+          <a:p>
+            <a:pPr lvl="2"/>
+            <a:r>
+              <a:rPr lang="en-US"/>
+              <a:t>Third level</a:t>
+            </a:r>
+          </a:p>
+          <a:p>
+            <a:pPr lvl="3"/>
+            <a:r>
+              <a:rPr lang="en-US"/>
+              <a:t>Fourth level</a:t>
+            </a:r>
+          </a:p>
+          <a:p>
+            <a:pPr lvl="4"/>
+            <a:r>
+              <a:rPr lang="en-US"/>
+              <a:t>Fifth level</a:t>
+            </a:r>
+            <a:endParaRPr lang="en-GB"/>
+          </a:p>
+        </p:txBody>
+      </p:sp>
+      <p:sp>
+        <p:nvSpPr>
+          <p:cNvPr id="6" name="Footer Placeholder 5"/>
+          <p:cNvSpPr>
+            <a:spLocks noGrp="1"/>
+          </p:cNvSpPr>
+          <p:nvPr>
+            <p:ph type="ftr" sz="quarter" idx="4"/>
+          </p:nvPr>
+        </p:nvSpPr>
+        <p:spPr>
+          <a:xfrm>
+            <a:off x="0" y="8685213"/>
+            <a:ext cx="2971800" cy="458787"/>
+          </a:xfrm>
+          <a:prstGeom prst="rect">
+            <a:avLst/>
+          </a:prstGeom>
+        </p:spPr>
+        <p:txBody>
+          <a:bodyPr vert="horz" lIns="91440" tIns="45720" rIns="91440" bIns="45720" rtlCol="0" anchor="b"/>
+          <a:lstStyle>
+            <a:lvl1pPr algn="l">
+              <a:defRPr sz="1200"/>
+            </a:lvl1pPr>
+          </a:lstStyle>
+          <a:p>
+            <a:endParaRPr lang="en-GB"/>
+          </a:p>
+        </p:txBody>
+      </p:sp>
+      <p:sp>
+        <p:nvSpPr>
+          <p:cNvPr id="7" name="Slide Number Placeholder 6"/>
+          <p:cNvSpPr>
+            <a:spLocks noGrp="1"/>
+          </p:cNvSpPr>
+          <p:nvPr>
+            <p:ph type="sldNum" sz="quarter" idx="5"/>
+          </p:nvPr>
+        </p:nvSpPr>
+        <p:spPr>
+          <a:xfrm>
+            <a:off x="3884613" y="8685213"/>
+            <a:ext cx="2971800" cy="458787"/>
+          </a:xfrm>
+          <a:prstGeom prst="rect">
+            <a:avLst/>
+          </a:prstGeom>
+        </p:spPr>
+        <p:txBody>
+          <a:bodyPr vert="horz" lIns="91440" tIns="45720" rIns="91440" bIns="45720" rtlCol="0" anchor="b"/>
+          <a:lstStyle>
+            <a:lvl1pPr algn="r">
+              <a:defRPr sz="1200"/>
+            </a:lvl1pPr>
+          </a:lstStyle>
+          <a:p>
+            <a:fld id="{0681987D-BD87-1142-81C6-93F6B8B624B5}" type="slidenum">
+              <a:rPr lang="en-GB" smtClean="0"/>
+              <a:t>‹#›</a:t>
+            </a:fld>
+            <a:endParaRPr lang="en-GB"/>
+          </a:p>
+        </p:txBody>
+      </p:sp>
+    </p:spTree>
+    <p:extLst>
+      <p:ext uri="{BB962C8B-B14F-4D97-AF65-F5344CB8AC3E}">
+        <p14:creationId xmlns:p14="http://schemas.microsoft.com/office/powerpoint/2010/main" val="639350115"/>
+      </p:ext>
+    </p:extLst>
+  </p:cSld>
+  <p:clrMap bg1="lt1" tx1="dk1" bg2="lt2" tx2="dk2" accent1="accent1" accent2="accent2" accent3="accent3" accent4="accent4" accent5="accent5" accent6="accent6" hlink="hlink" folHlink="folHlink"/>
+  <p:notesStyle>
+    <a:lvl1pPr marL="0" algn="l" defTabSz="914400" rtl="0" eaLnBrk="1" latinLnBrk="0" hangingPunct="1">
+      <a:defRPr sz="1200" kern="1200">
+        <a:solidFill>
+          <a:schemeClr val="tx1"/>
+        </a:solidFill>
+        <a:latin typeface="+mn-lt"/>
+        <a:ea typeface="+mn-ea"/>
+        <a:cs typeface="+mn-cs"/>
+      </a:defRPr>
+    </a:lvl1pPr>
+    <a:lvl2pPr marL="457200" algn="l" defTabSz="914400" rtl="0" eaLnBrk="1" latinLnBrk="0" hangingPunct="1">
+      <a:defRPr sz="1200" kern="1200">
+        <a:solidFill>
+          <a:schemeClr val="tx1"/>
+        </a:solidFill>
+        <a:latin typeface="+mn-lt"/>
+        <a:ea typeface="+mn-ea"/>
+        <a:cs typeface="+mn-cs"/>
+      </a:defRPr>
+    </a:lvl2pPr>
+    <a:lvl3pPr marL="914400" algn="l" defTabSz="914400" rtl="0" eaLnBrk="1" latinLnBrk="0" hangingPunct="1">
+      <a:defRPr sz="1200" kern="1200">
+        <a:solidFill>
+          <a:schemeClr val="tx1"/>
+        </a:solidFill>
+        <a:latin typeface="+mn-lt"/>
+        <a:ea typeface="+mn-ea"/>
+        <a:cs typeface="+mn-cs"/>
+      </a:defRPr>
+    </a:lvl3pPr>
+    <a:lvl4pPr marL="1371600" algn="l" defTabSz="914400" rtl="0" eaLnBrk="1" latinLnBrk="0" hangingPunct="1">
+      <a:defRPr sz="1200" kern="1200">
+        <a:solidFill>
+          <a:schemeClr val="tx1"/>
+        </a:solidFill>
+        <a:latin typeface="+mn-lt"/>
+        <a:ea typeface="+mn-ea"/>
+        <a:cs typeface="+mn-cs"/>
+      </a:defRPr>
+    </a:lvl4pPr>
+    <a:lvl5pPr marL="1828800" algn="l" defTabSz="914400" rtl="0" eaLnBrk="1" latinLnBrk="0" hangingPunct="1">
+      <a:defRPr sz="1200" kern="1200">
+        <a:solidFill>
+          <a:schemeClr val="tx1"/>
+        </a:solidFill>
+        <a:latin typeface="+mn-lt"/>
+        <a:ea typeface="+mn-ea"/>
+        <a:cs typeface="+mn-cs"/>
+      </a:defRPr>
+    </a:lvl5pPr>
+    <a:lvl6pPr marL="2286000" algn="l" defTabSz="914400" rtl="0" eaLnBrk="1" latinLnBrk="0" hangingPunct="1">
+      <a:defRPr sz="1200" kern="1200">
+        <a:solidFill>
+          <a:schemeClr val="tx1"/>
+        </a:solidFill>
+        <a:latin typeface="+mn-lt"/>
+        <a:ea typeface="+mn-ea"/>
+        <a:cs typeface="+mn-cs"/>
+      </a:defRPr>
+    </a:lvl6pPr>
+    <a:lvl7pPr marL="2743200" algn="l" defTabSz="914400" rtl="0" eaLnBrk="1" latinLnBrk="0" hangingPunct="1">
+      <a:defRPr sz="1200" kern="1200">
+        <a:solidFill>
+          <a:schemeClr val="tx1"/>
+        </a:solidFill>
+        <a:latin typeface="+mn-lt"/>
+        <a:ea typeface="+mn-ea"/>
+        <a:cs typeface="+mn-cs"/>
+      </a:defRPr>
+    </a:lvl7pPr>
+    <a:lvl8pPr marL="3200400" algn="l" defTabSz="914400" rtl="0" eaLnBrk="1" latinLnBrk="0" hangingPunct="1">
+      <a:defRPr sz="1200" kern="1200">
+        <a:solidFill>
+          <a:schemeClr val="tx1"/>
+        </a:solidFill>
+        <a:latin typeface="+mn-lt"/>
+        <a:ea typeface="+mn-ea"/>
+        <a:cs typeface="+mn-cs"/>
+      </a:defRPr>
+    </a:lvl8pPr>
+    <a:lvl9pPr marL="3657600" algn="l" defTabSz="914400" rtl="0" eaLnBrk="1" latinLnBrk="0" hangingPunct="1">
+      <a:defRPr sz="1200" kern="1200">
+        <a:solidFill>
+          <a:schemeClr val="tx1"/>
+        </a:solidFill>
+        <a:latin typeface="+mn-lt"/>
+        <a:ea typeface="+mn-ea"/>
+        <a:cs typeface="+mn-cs"/>
+      </a:defRPr>
+    </a:lvl9pPr>
+  </p:notesStyle>
+</p:notesMaster>
+</file>
+
+<file path=ppt/notesSlides/notesSlide1.xml><?xml version="1.0" encoding="utf-8"?>
+<p:notes xmlns:a="http://schemas.openxmlformats.org/drawingml/2006/main" xmlns:r="http://schemas.openxmlformats.org/officeDocument/2006/relationships" xmlns:p="http://schemas.openxmlformats.org/presentationml/2006/main">
+  <p:cSld>
+    <p:spTree>
+      <p:nvGrpSpPr>
+        <p:cNvPr id="1" name=""/>
+        <p:cNvGrpSpPr/>
+        <p:nvPr/>
+      </p:nvGrpSpPr>
+      <p:grpSpPr>
+        <a:xfrm>
+          <a:off x="0" y="0"/>
+          <a:ext cx="0" cy="0"/>
+          <a:chOff x="0" y="0"/>
+          <a:chExt cx="0" cy="0"/>
+        </a:xfrm>
+      </p:grpSpPr>
+      <p:sp>
+        <p:nvSpPr>
+          <p:cNvPr id="2" name="Slide Image Placeholder 1"/>
+          <p:cNvSpPr>
+            <a:spLocks noGrp="1" noRot="1" noChangeAspect="1"/>
+          </p:cNvSpPr>
+          <p:nvPr>
+            <p:ph type="sldImg"/>
+          </p:nvPr>
+        </p:nvSpPr>
+        <p:spPr/>
+      </p:sp>
+      <p:sp>
+        <p:nvSpPr>
+          <p:cNvPr id="3" name="Notes Placeholder 2"/>
+          <p:cNvSpPr>
+            <a:spLocks noGrp="1"/>
+          </p:cNvSpPr>
+          <p:nvPr>
+            <p:ph type="body" idx="1"/>
+          </p:nvPr>
+        </p:nvSpPr>
+        <p:spPr/>
+        <p:txBody>
+          <a:bodyPr/>
+          <a:lstStyle/>
+          <a:p>
+            <a:endParaRPr lang="en-GB" dirty="0"/>
+          </a:p>
+        </p:txBody>
+      </p:sp>
+      <p:sp>
+        <p:nvSpPr>
+          <p:cNvPr id="4" name="Slide Number Placeholder 3"/>
+          <p:cNvSpPr>
+            <a:spLocks noGrp="1"/>
+          </p:cNvSpPr>
+          <p:nvPr>
+            <p:ph type="sldNum" sz="quarter" idx="5"/>
+          </p:nvPr>
+        </p:nvSpPr>
+        <p:spPr/>
+        <p:txBody>
+          <a:bodyPr/>
+          <a:lstStyle/>
+          <a:p>
+            <a:fld id="{0681987D-BD87-1142-81C6-93F6B8B624B5}" type="slidenum">
+              <a:rPr lang="en-GB" smtClean="0"/>
+              <a:t>1</a:t>
+            </a:fld>
+            <a:endParaRPr lang="en-GB"/>
+          </a:p>
+        </p:txBody>
+      </p:sp>
+    </p:spTree>
+    <p:extLst>
+      <p:ext uri="{BB962C8B-B14F-4D97-AF65-F5344CB8AC3E}">
+        <p14:creationId xmlns:p14="http://schemas.microsoft.com/office/powerpoint/2010/main" val="242132719"/>
+      </p:ext>
+    </p:extLst>
+  </p:cSld>
+  <p:clrMapOvr>
+    <a:masterClrMapping/>
+  </p:clrMapOvr>
+</p:notes>
 </file>
 
 <file path=ppt/slideLayouts/slideLayout1.xml><?xml version="1.0" encoding="utf-8"?>
@@ -3270,86 +3707,7 @@
       </p:grpSpPr>
       <p:sp>
         <p:nvSpPr>
-          <p:cNvPr id="14" name="Slide Number Placeholder 4"/>
-          <p:cNvSpPr>
-            <a:spLocks noGrp="1"/>
-          </p:cNvSpPr>
-          <p:nvPr>
-            <p:ph type="sldNum" sz="quarter" idx="12"/>
-          </p:nvPr>
-        </p:nvSpPr>
-        <p:spPr>
-          <a:xfrm>
-            <a:off x="11623040" y="6485550"/>
-            <a:ext cx="568960" cy="372450"/>
-          </a:xfrm>
-          <a:solidFill>
-            <a:schemeClr val="bg2"/>
-          </a:solidFill>
-        </p:spPr>
-        <p:txBody>
-          <a:bodyPr/>
-          <a:lstStyle/>
-          <a:p>
-            <a:pPr algn="ctr"/>
-            <a:r>
-              <a:rPr lang="tr-TR" sz="1000" dirty="0"/>
-              <a:t>10 / 12</a:t>
-            </a:r>
-          </a:p>
-        </p:txBody>
-      </p:sp>
-      <p:pic>
-        <p:nvPicPr>
-          <p:cNvPr id="1026" name="Picture 2" descr="ESM-Tools configuration files hierarchy"/>
-          <p:cNvPicPr>
-            <a:picLocks noChangeAspect="1" noChangeArrowheads="1"/>
-          </p:cNvPicPr>
-          <p:nvPr/>
-        </p:nvPicPr>
-        <p:blipFill>
-          <a:blip r:embed="rId2">
-            <a:extLst>
-              <a:ext uri="{28A0092B-C50C-407E-A947-70E740481C1C}">
-                <a14:useLocalDpi xmlns:a14="http://schemas.microsoft.com/office/drawing/2010/main" val="0"/>
-              </a:ext>
-            </a:extLst>
-          </a:blip>
-          <a:srcRect/>
-          <a:stretch>
-            <a:fillRect/>
-          </a:stretch>
-        </p:blipFill>
-        <p:spPr bwMode="auto">
-          <a:xfrm>
-            <a:off x="8975164" y="1962646"/>
-            <a:ext cx="3026582" cy="4007612"/>
-          </a:xfrm>
-          <a:prstGeom prst="rect">
-            <a:avLst/>
-          </a:prstGeom>
-          <a:noFill/>
-          <a:ln>
-            <a:solidFill>
-              <a:schemeClr val="bg2">
-                <a:lumMod val="75000"/>
-              </a:schemeClr>
-            </a:solidFill>
-          </a:ln>
-          <a:extLst>
-            <a:ext uri="{909E8E84-426E-40DD-AFC4-6F175D3DCCD1}">
-              <a14:hiddenFill xmlns:a14="http://schemas.microsoft.com/office/drawing/2010/main">
-                <a:solidFill>
-                  <a:srgbClr val="FFFFFF"/>
-                </a:solidFill>
-              </a14:hiddenFill>
-            </a:ext>
-          </a:extLst>
-        </p:spPr>
-      </p:pic>
-      <p:sp>
-        <p:nvSpPr>
-          <p:cNvPr id="35" name="Rectangle 34"/>
+          <p:cNvPr id="2" name="Rectangle 1"/>
           <p:cNvSpPr/>
           <p:nvPr/>
         </p:nvSpPr>
@@ -3389,31 +3747,1369 @@
           <a:lstStyle/>
           <a:p>
             <a:r>
-              <a:rPr lang="tr-TR" sz="4800" b="1" dirty="0"/>
-              <a:t>      </a:t>
-            </a:r>
-            <a:r>
-              <a:rPr lang="tr-TR" sz="4800" b="1" dirty="0" err="1"/>
-              <a:t>Terminology</a:t>
-            </a:r>
-            <a:r>
-              <a:rPr lang="tr-TR" sz="4800" b="1" dirty="0"/>
-              <a:t> – </a:t>
-            </a:r>
-            <a:r>
-              <a:rPr lang="tr-TR" sz="4800" b="1" dirty="0" err="1"/>
-              <a:t>finished_config</a:t>
-            </a:r>
-            <a:r>
-              <a:rPr lang="tr-TR" sz="4800" b="1" dirty="0"/>
-              <a:t> file</a:t>
+              <a:rPr lang="en-GB" sz="4800" b="1" dirty="0"/>
+              <a:t>      Terminology –*.run files</a:t>
             </a:r>
           </a:p>
         </p:txBody>
       </p:sp>
       <p:sp>
         <p:nvSpPr>
-          <p:cNvPr id="36" name="Oval 35"/>
+          <p:cNvPr id="7" name="Isosceles Triangle 6"/>
+          <p:cNvSpPr/>
+          <p:nvPr/>
+        </p:nvSpPr>
+        <p:spPr>
+          <a:xfrm rot="5400000">
+            <a:off x="348693" y="1536407"/>
+            <a:ext cx="457812" cy="394666"/>
+          </a:xfrm>
+          <a:prstGeom prst="triangle">
+            <a:avLst/>
+          </a:prstGeom>
+          <a:solidFill>
+            <a:srgbClr val="00ACE6"/>
+          </a:solidFill>
+          <a:ln>
+            <a:noFill/>
+          </a:ln>
+        </p:spPr>
+        <p:style>
+          <a:lnRef idx="2">
+            <a:schemeClr val="accent1">
+              <a:shade val="50000"/>
+            </a:schemeClr>
+          </a:lnRef>
+          <a:fillRef idx="1">
+            <a:schemeClr val="accent1"/>
+          </a:fillRef>
+          <a:effectRef idx="0">
+            <a:schemeClr val="accent1"/>
+          </a:effectRef>
+          <a:fontRef idx="minor">
+            <a:schemeClr val="lt1"/>
+          </a:fontRef>
+        </p:style>
+        <p:txBody>
+          <a:bodyPr rtlCol="0" anchor="ctr"/>
+          <a:lstStyle/>
+          <a:p>
+            <a:pPr algn="ctr"/>
+            <a:endParaRPr lang="en-GB"/>
+          </a:p>
+        </p:txBody>
+      </p:sp>
+      <p:sp>
+        <p:nvSpPr>
+          <p:cNvPr id="14" name="TextBox 13"/>
+          <p:cNvSpPr txBox="1"/>
+          <p:nvPr/>
+        </p:nvSpPr>
+        <p:spPr>
+          <a:xfrm>
+            <a:off x="1061012" y="1467813"/>
+            <a:ext cx="4710733" cy="1200329"/>
+          </a:xfrm>
+          <a:prstGeom prst="rect">
+            <a:avLst/>
+          </a:prstGeom>
+          <a:noFill/>
+        </p:spPr>
+        <p:txBody>
+          <a:bodyPr wrap="square" rtlCol="0">
+            <a:spAutoFit/>
+          </a:bodyPr>
+          <a:lstStyle/>
+          <a:p>
+            <a:endParaRPr lang="en-GB" sz="2400" b="1" dirty="0">
+              <a:solidFill>
+                <a:srgbClr val="31ACE6"/>
+              </a:solidFill>
+            </a:endParaRPr>
+          </a:p>
+          <a:p>
+            <a:endParaRPr lang="en-GB" sz="2400" b="1" dirty="0"/>
+          </a:p>
+          <a:p>
+            <a:endParaRPr lang="en-GB" sz="2400" dirty="0"/>
+          </a:p>
+        </p:txBody>
+      </p:sp>
+      <p:sp>
+        <p:nvSpPr>
+          <p:cNvPr id="5" name="Isosceles Triangle 6">
+            <a:extLst>
+              <a:ext uri="{FF2B5EF4-FFF2-40B4-BE49-F238E27FC236}">
+                <a16:creationId xmlns:a16="http://schemas.microsoft.com/office/drawing/2014/main" id="{CD2CD3CC-2F64-116F-334E-721E5A410F54}"/>
+              </a:ext>
+            </a:extLst>
+          </p:cNvPr>
+          <p:cNvSpPr/>
+          <p:nvPr/>
+        </p:nvSpPr>
+        <p:spPr>
+          <a:xfrm rot="5400000">
+            <a:off x="348693" y="3464719"/>
+            <a:ext cx="457812" cy="394666"/>
+          </a:xfrm>
+          <a:prstGeom prst="triangle">
+            <a:avLst/>
+          </a:prstGeom>
+          <a:solidFill>
+            <a:srgbClr val="00ACE6"/>
+          </a:solidFill>
+          <a:ln>
+            <a:noFill/>
+          </a:ln>
+        </p:spPr>
+        <p:style>
+          <a:lnRef idx="2">
+            <a:schemeClr val="accent1">
+              <a:shade val="50000"/>
+            </a:schemeClr>
+          </a:lnRef>
+          <a:fillRef idx="1">
+            <a:schemeClr val="accent1"/>
+          </a:fillRef>
+          <a:effectRef idx="0">
+            <a:schemeClr val="accent1"/>
+          </a:effectRef>
+          <a:fontRef idx="minor">
+            <a:schemeClr val="lt1"/>
+          </a:fontRef>
+        </p:style>
+        <p:txBody>
+          <a:bodyPr rtlCol="0" anchor="ctr"/>
+          <a:lstStyle/>
+          <a:p>
+            <a:pPr algn="ctr"/>
+            <a:endParaRPr lang="en-GB"/>
+          </a:p>
+        </p:txBody>
+      </p:sp>
+      <p:sp>
+        <p:nvSpPr>
+          <p:cNvPr id="8" name="Slide Number Placeholder 4"/>
+          <p:cNvSpPr>
+            <a:spLocks noGrp="1"/>
+          </p:cNvSpPr>
+          <p:nvPr>
+            <p:ph type="sldNum" sz="quarter" idx="12"/>
+          </p:nvPr>
+        </p:nvSpPr>
+        <p:spPr>
+          <a:xfrm>
+            <a:off x="11623040" y="6485550"/>
+            <a:ext cx="568960" cy="372450"/>
+          </a:xfrm>
+          <a:solidFill>
+            <a:schemeClr val="bg2"/>
+          </a:solidFill>
+        </p:spPr>
+        <p:txBody>
+          <a:bodyPr/>
+          <a:lstStyle/>
+          <a:p>
+            <a:pPr algn="ctr"/>
+            <a:r>
+              <a:rPr lang="tr-TR" sz="1000" dirty="0"/>
+              <a:t>10 / 12</a:t>
+            </a:r>
+          </a:p>
+        </p:txBody>
+      </p:sp>
+      <p:sp>
+        <p:nvSpPr>
+          <p:cNvPr id="10" name="TextBox 9">
+            <a:extLst>
+              <a:ext uri="{FF2B5EF4-FFF2-40B4-BE49-F238E27FC236}">
+                <a16:creationId xmlns:a16="http://schemas.microsoft.com/office/drawing/2014/main" id="{5CBCD14A-9C9D-A534-E759-5FB1D1A3C9C9}"/>
+              </a:ext>
+            </a:extLst>
+          </p:cNvPr>
+          <p:cNvSpPr txBox="1"/>
+          <p:nvPr/>
+        </p:nvSpPr>
+        <p:spPr>
+          <a:xfrm>
+            <a:off x="799755" y="1467813"/>
+            <a:ext cx="4451267" cy="4616648"/>
+          </a:xfrm>
+          <a:prstGeom prst="rect">
+            <a:avLst/>
+          </a:prstGeom>
+          <a:noFill/>
+        </p:spPr>
+        <p:txBody>
+          <a:bodyPr wrap="square" rtlCol="0">
+            <a:spAutoFit/>
+          </a:bodyPr>
+          <a:lstStyle/>
+          <a:p>
+            <a:pPr algn="just"/>
+            <a:r>
+              <a:rPr lang="en-GB" dirty="0" err="1">
+                <a:solidFill>
+                  <a:srgbClr val="ED7D31"/>
+                </a:solidFill>
+              </a:rPr>
+              <a:t>esm_runscripts</a:t>
+            </a:r>
+            <a:r>
+              <a:rPr lang="en-GB" dirty="0"/>
+              <a:t> produces a </a:t>
+            </a:r>
+            <a:r>
+              <a:rPr lang="en-GB" b="1" dirty="0">
+                <a:solidFill>
+                  <a:srgbClr val="ED7D31"/>
+                </a:solidFill>
+              </a:rPr>
+              <a:t>*.run </a:t>
+            </a:r>
+            <a:r>
+              <a:rPr lang="en-GB" dirty="0"/>
+              <a:t>script with SBATCH headers that is then submitted to SBATCH. This script contains the combined environments specified</a:t>
+            </a:r>
+            <a:r>
+              <a:rPr lang="tr-TR" dirty="0"/>
+              <a:t> </a:t>
+            </a:r>
+            <a:r>
+              <a:rPr lang="en-GB" dirty="0"/>
+              <a:t>in the configuration file</a:t>
+            </a:r>
+            <a:r>
+              <a:rPr lang="tr-TR" dirty="0"/>
+              <a:t>s (</a:t>
+            </a:r>
+            <a:r>
+              <a:rPr lang="en-GB" dirty="0">
+                <a:solidFill>
+                  <a:schemeClr val="accent2"/>
+                </a:solidFill>
+              </a:rPr>
+              <a:t>machine</a:t>
+            </a:r>
+            <a:r>
+              <a:rPr lang="tr-TR" dirty="0">
+                <a:solidFill>
+                  <a:schemeClr val="accent2"/>
+                </a:solidFill>
+              </a:rPr>
+              <a:t> </a:t>
+            </a:r>
+            <a:r>
+              <a:rPr lang="en-GB" dirty="0"/>
+              <a:t>+ </a:t>
+            </a:r>
+            <a:r>
+              <a:rPr lang="en-GB" dirty="0">
+                <a:solidFill>
+                  <a:schemeClr val="accent2"/>
+                </a:solidFill>
+              </a:rPr>
+              <a:t>components</a:t>
+            </a:r>
+            <a:r>
+              <a:rPr lang="tr-TR" dirty="0"/>
+              <a:t> </a:t>
+            </a:r>
+            <a:r>
+              <a:rPr lang="en-GB" dirty="0"/>
+              <a:t>+ </a:t>
+            </a:r>
+            <a:r>
+              <a:rPr lang="en-GB" dirty="0">
+                <a:solidFill>
+                  <a:schemeClr val="accent2"/>
+                </a:solidFill>
+              </a:rPr>
+              <a:t>setups</a:t>
+            </a:r>
+            <a:r>
+              <a:rPr lang="en-GB" dirty="0"/>
+              <a:t>) files</a:t>
+            </a:r>
+            <a:r>
+              <a:rPr lang="tr-TR" dirty="0"/>
+              <a:t> </a:t>
+            </a:r>
+            <a:r>
+              <a:rPr lang="en-GB" dirty="0"/>
+              <a:t>involved</a:t>
+            </a:r>
+          </a:p>
+          <a:p>
+            <a:endParaRPr lang="en-GB" sz="2400" b="1" dirty="0">
+              <a:solidFill>
+                <a:srgbClr val="31ACE6"/>
+              </a:solidFill>
+            </a:endParaRPr>
+          </a:p>
+          <a:p>
+            <a:r>
+              <a:rPr lang="en-GB" dirty="0"/>
+              <a:t>This script can be found in </a:t>
+            </a:r>
+            <a:r>
+              <a:rPr lang="en-GB" sz="1400" dirty="0">
+                <a:solidFill>
+                  <a:srgbClr val="ED7D31"/>
+                </a:solidFill>
+                <a:latin typeface="Monaco" pitchFamily="2" charset="77"/>
+              </a:rPr>
+              <a:t>&lt;</a:t>
+            </a:r>
+            <a:r>
+              <a:rPr lang="en-GB" sz="1400" dirty="0" err="1">
+                <a:solidFill>
+                  <a:srgbClr val="ED7D31"/>
+                </a:solidFill>
+                <a:latin typeface="Monaco" pitchFamily="2" charset="77"/>
+              </a:rPr>
+              <a:t>experiment_dir</a:t>
+            </a:r>
+            <a:r>
+              <a:rPr lang="en-GB" sz="1400" dirty="0">
+                <a:solidFill>
+                  <a:srgbClr val="ED7D31"/>
+                </a:solidFill>
+                <a:latin typeface="Monaco" pitchFamily="2" charset="77"/>
+              </a:rPr>
+              <a:t>&gt;/</a:t>
+            </a:r>
+            <a:r>
+              <a:rPr lang="en-GB" sz="1400" dirty="0" err="1">
+                <a:solidFill>
+                  <a:srgbClr val="ED7D31"/>
+                </a:solidFill>
+                <a:latin typeface="Monaco" pitchFamily="2" charset="77"/>
+              </a:rPr>
+              <a:t>run_DATE</a:t>
+            </a:r>
+            <a:r>
+              <a:rPr lang="en-GB" sz="1400" dirty="0">
+                <a:solidFill>
+                  <a:srgbClr val="ED7D31"/>
+                </a:solidFill>
+                <a:latin typeface="Monaco" pitchFamily="2" charset="77"/>
+              </a:rPr>
+              <a:t>/scripts </a:t>
+            </a:r>
+            <a:r>
+              <a:rPr lang="en-GB" dirty="0"/>
+              <a:t>for runs that have not being submitted or are still running, or in the </a:t>
+            </a:r>
+            <a:r>
+              <a:rPr lang="en-GB" sz="1400" dirty="0">
+                <a:solidFill>
+                  <a:srgbClr val="ED7D31"/>
+                </a:solidFill>
+                <a:latin typeface="Monaco" pitchFamily="2" charset="77"/>
+              </a:rPr>
+              <a:t>&lt;</a:t>
+            </a:r>
+            <a:r>
+              <a:rPr lang="en-GB" sz="1400" dirty="0" err="1">
+                <a:solidFill>
+                  <a:srgbClr val="ED7D31"/>
+                </a:solidFill>
+                <a:latin typeface="Monaco" pitchFamily="2" charset="77"/>
+              </a:rPr>
+              <a:t>experiment_dir</a:t>
+            </a:r>
+            <a:r>
+              <a:rPr lang="en-GB" sz="1400" dirty="0">
+                <a:solidFill>
+                  <a:srgbClr val="ED7D31"/>
+                </a:solidFill>
+                <a:latin typeface="Monaco" pitchFamily="2" charset="77"/>
+              </a:rPr>
+              <a:t>/scripts&gt;</a:t>
+            </a:r>
+            <a:r>
+              <a:rPr lang="en-GB" sz="1400" dirty="0">
+                <a:latin typeface="Monaco" pitchFamily="2" charset="77"/>
+              </a:rPr>
+              <a:t> </a:t>
+            </a:r>
+            <a:r>
+              <a:rPr lang="en-GB" dirty="0"/>
+              <a:t>directory for runs that have already run</a:t>
+            </a:r>
+            <a:endParaRPr lang="en-GB" sz="2400" dirty="0"/>
+          </a:p>
+          <a:p>
+            <a:endParaRPr lang="en-GB" sz="2400" b="1" dirty="0">
+              <a:solidFill>
+                <a:srgbClr val="31ACE6"/>
+              </a:solidFill>
+            </a:endParaRPr>
+          </a:p>
+          <a:p>
+            <a:endParaRPr lang="en-GB" sz="2400" b="1" dirty="0"/>
+          </a:p>
+          <a:p>
+            <a:endParaRPr lang="en-GB" sz="2400" dirty="0"/>
+          </a:p>
+        </p:txBody>
+      </p:sp>
+      <p:sp>
+        <p:nvSpPr>
+          <p:cNvPr id="3" name="Rectangle 2">
+            <a:extLst>
+              <a:ext uri="{FF2B5EF4-FFF2-40B4-BE49-F238E27FC236}">
+                <a16:creationId xmlns:a16="http://schemas.microsoft.com/office/drawing/2014/main" id="{E0EBBE09-DCCE-5F63-0E08-5CF680EFA053}"/>
+              </a:ext>
+            </a:extLst>
+          </p:cNvPr>
+          <p:cNvSpPr/>
+          <p:nvPr/>
+        </p:nvSpPr>
+        <p:spPr>
+          <a:xfrm>
+            <a:off x="5296244" y="1474912"/>
+            <a:ext cx="6717415" cy="4493538"/>
+          </a:xfrm>
+          <a:prstGeom prst="rect">
+            <a:avLst/>
+          </a:prstGeom>
+          <a:solidFill>
+            <a:srgbClr val="F2F2F2"/>
+          </a:solidFill>
+        </p:spPr>
+        <p:txBody>
+          <a:bodyPr wrap="square">
+            <a:spAutoFit/>
+          </a:bodyPr>
+          <a:lstStyle/>
+          <a:p>
+            <a:r>
+              <a:rPr lang="en-GB" sz="1100" i="1" dirty="0">
+                <a:solidFill>
+                  <a:srgbClr val="535353"/>
+                </a:solidFill>
+                <a:latin typeface="Courier-Oblique" pitchFamily="2" charset="0"/>
+              </a:rPr>
+              <a:t>#SBATCH --partition=compute</a:t>
+            </a:r>
+          </a:p>
+          <a:p>
+            <a:r>
+              <a:rPr lang="en-GB" sz="1100" i="1" dirty="0">
+                <a:solidFill>
+                  <a:srgbClr val="535353"/>
+                </a:solidFill>
+                <a:latin typeface="Courier-Oblique" pitchFamily="2" charset="0"/>
+              </a:rPr>
+              <a:t>#SBATCH --time=01:45:00</a:t>
+            </a:r>
+          </a:p>
+          <a:p>
+            <a:r>
+              <a:rPr lang="en-GB" sz="1100" i="1" dirty="0">
+                <a:solidFill>
+                  <a:srgbClr val="535353"/>
+                </a:solidFill>
+                <a:latin typeface="Courier-Oblique" pitchFamily="2" charset="0"/>
+              </a:rPr>
+              <a:t>#SBATCH --</a:t>
+            </a:r>
+            <a:r>
+              <a:rPr lang="en-GB" sz="1100" i="1" dirty="0" err="1">
+                <a:solidFill>
+                  <a:srgbClr val="535353"/>
+                </a:solidFill>
+                <a:latin typeface="Courier-Oblique" pitchFamily="2" charset="0"/>
+              </a:rPr>
+              <a:t>ntasks</a:t>
+            </a:r>
+            <a:r>
+              <a:rPr lang="en-GB" sz="1100" i="1" dirty="0">
+                <a:solidFill>
+                  <a:srgbClr val="535353"/>
+                </a:solidFill>
+                <a:latin typeface="Courier-Oblique" pitchFamily="2" charset="0"/>
+              </a:rPr>
+              <a:t>=896</a:t>
+            </a:r>
+          </a:p>
+          <a:p>
+            <a:r>
+              <a:rPr lang="en-GB" sz="1100" dirty="0">
+                <a:solidFill>
+                  <a:srgbClr val="000000"/>
+                </a:solidFill>
+                <a:latin typeface="Courier" pitchFamily="2" charset="0"/>
+              </a:rPr>
+              <a:t>... </a:t>
+            </a:r>
+          </a:p>
+          <a:p>
+            <a:r>
+              <a:rPr lang="en-GB" sz="1100" dirty="0">
+                <a:solidFill>
+                  <a:srgbClr val="000000"/>
+                </a:solidFill>
+                <a:latin typeface="Courier" pitchFamily="2" charset="0"/>
+              </a:rPr>
+              <a:t>module purge</a:t>
+            </a:r>
+          </a:p>
+          <a:p>
+            <a:r>
+              <a:rPr lang="en-GB" sz="1100" dirty="0">
+                <a:solidFill>
+                  <a:srgbClr val="000000"/>
+                </a:solidFill>
+                <a:latin typeface="Courier" pitchFamily="2" charset="0"/>
+              </a:rPr>
+              <a:t>module unload </a:t>
+            </a:r>
+            <a:r>
+              <a:rPr lang="en-GB" sz="1100" dirty="0" err="1">
+                <a:solidFill>
+                  <a:srgbClr val="000000"/>
+                </a:solidFill>
+                <a:latin typeface="Courier" pitchFamily="2" charset="0"/>
+              </a:rPr>
+              <a:t>netcdf_c</a:t>
+            </a:r>
+            <a:endParaRPr lang="en-GB" sz="1100" dirty="0">
+              <a:solidFill>
+                <a:srgbClr val="000000"/>
+              </a:solidFill>
+              <a:latin typeface="Courier" pitchFamily="2" charset="0"/>
+            </a:endParaRPr>
+          </a:p>
+          <a:p>
+            <a:r>
+              <a:rPr lang="en-GB" sz="1100" dirty="0">
+                <a:solidFill>
+                  <a:srgbClr val="000000"/>
+                </a:solidFill>
+                <a:latin typeface="Courier" pitchFamily="2" charset="0"/>
+              </a:rPr>
+              <a:t>module unload intel </a:t>
+            </a:r>
+            <a:r>
+              <a:rPr lang="en-GB" sz="1100" dirty="0" err="1">
+                <a:solidFill>
+                  <a:srgbClr val="000000"/>
+                </a:solidFill>
+                <a:latin typeface="Courier" pitchFamily="2" charset="0"/>
+              </a:rPr>
+              <a:t>intelmpi</a:t>
+            </a:r>
+            <a:endParaRPr lang="en-GB" sz="1100" dirty="0">
+              <a:solidFill>
+                <a:srgbClr val="000000"/>
+              </a:solidFill>
+              <a:latin typeface="Courier" pitchFamily="2" charset="0"/>
+            </a:endParaRPr>
+          </a:p>
+          <a:p>
+            <a:r>
+              <a:rPr lang="en-GB" sz="1100" dirty="0">
+                <a:solidFill>
+                  <a:srgbClr val="000000"/>
+                </a:solidFill>
+                <a:latin typeface="Courier" pitchFamily="2" charset="0"/>
+              </a:rPr>
+              <a:t>... </a:t>
+            </a:r>
+          </a:p>
+          <a:p>
+            <a:r>
+              <a:rPr lang="en-GB" sz="1100" b="1" dirty="0">
+                <a:solidFill>
+                  <a:srgbClr val="650061"/>
+                </a:solidFill>
+                <a:latin typeface="Courier-Bold" pitchFamily="2" charset="0"/>
+              </a:rPr>
+              <a:t>export</a:t>
+            </a:r>
+            <a:r>
+              <a:rPr lang="en-GB" sz="1100" dirty="0">
+                <a:solidFill>
+                  <a:srgbClr val="000000"/>
+                </a:solidFill>
+                <a:latin typeface="Courier" pitchFamily="2" charset="0"/>
+              </a:rPr>
+              <a:t> </a:t>
+            </a:r>
+            <a:r>
+              <a:rPr lang="en-GB" sz="1100" dirty="0">
+                <a:solidFill>
+                  <a:srgbClr val="0E6801"/>
+                </a:solidFill>
+                <a:latin typeface="Courier" pitchFamily="2" charset="0"/>
+              </a:rPr>
+              <a:t>LC_ALL</a:t>
+            </a:r>
+            <a:r>
+              <a:rPr lang="en-GB" sz="1100" dirty="0">
+                <a:solidFill>
+                  <a:srgbClr val="000000"/>
+                </a:solidFill>
+                <a:latin typeface="Courier" pitchFamily="2" charset="0"/>
+              </a:rPr>
+              <a:t>=en_US.UTF-8</a:t>
+            </a:r>
+          </a:p>
+          <a:p>
+            <a:r>
+              <a:rPr lang="en-GB" sz="1100" b="1" dirty="0">
+                <a:solidFill>
+                  <a:srgbClr val="650061"/>
+                </a:solidFill>
+                <a:latin typeface="Courier-Bold" pitchFamily="2" charset="0"/>
+              </a:rPr>
+              <a:t>export</a:t>
+            </a:r>
+            <a:r>
+              <a:rPr lang="en-GB" sz="1100" dirty="0">
+                <a:solidFill>
+                  <a:srgbClr val="000000"/>
+                </a:solidFill>
+                <a:latin typeface="Courier" pitchFamily="2" charset="0"/>
+              </a:rPr>
+              <a:t> </a:t>
+            </a:r>
+            <a:r>
+              <a:rPr lang="en-GB" sz="1100" dirty="0">
+                <a:solidFill>
+                  <a:srgbClr val="0E6801"/>
+                </a:solidFill>
+                <a:latin typeface="Courier" pitchFamily="2" charset="0"/>
+              </a:rPr>
+              <a:t>FC</a:t>
+            </a:r>
+            <a:r>
+              <a:rPr lang="en-GB" sz="1100" dirty="0">
+                <a:solidFill>
+                  <a:srgbClr val="000000"/>
+                </a:solidFill>
+                <a:latin typeface="Courier" pitchFamily="2" charset="0"/>
+              </a:rPr>
+              <a:t>=mpif90</a:t>
+            </a:r>
+          </a:p>
+          <a:p>
+            <a:r>
+              <a:rPr lang="en-GB" sz="1100" b="1" dirty="0">
+                <a:solidFill>
+                  <a:srgbClr val="650061"/>
+                </a:solidFill>
+                <a:latin typeface="Courier-Bold" pitchFamily="2" charset="0"/>
+              </a:rPr>
+              <a:t>export</a:t>
+            </a:r>
+            <a:r>
+              <a:rPr lang="en-GB" sz="1100" dirty="0">
+                <a:solidFill>
+                  <a:srgbClr val="000000"/>
+                </a:solidFill>
+                <a:latin typeface="Courier" pitchFamily="2" charset="0"/>
+              </a:rPr>
+              <a:t> </a:t>
+            </a:r>
+            <a:r>
+              <a:rPr lang="en-GB" sz="1100" dirty="0">
+                <a:solidFill>
+                  <a:srgbClr val="0E6801"/>
+                </a:solidFill>
+                <a:latin typeface="Courier" pitchFamily="2" charset="0"/>
+              </a:rPr>
+              <a:t>F77</a:t>
+            </a:r>
+            <a:r>
+              <a:rPr lang="en-GB" sz="1100" dirty="0">
+                <a:solidFill>
+                  <a:srgbClr val="000000"/>
+                </a:solidFill>
+                <a:latin typeface="Courier" pitchFamily="2" charset="0"/>
+              </a:rPr>
+              <a:t>=mpif90</a:t>
+            </a:r>
+          </a:p>
+          <a:p>
+            <a:r>
+              <a:rPr lang="en-GB" sz="1100" dirty="0">
+                <a:solidFill>
+                  <a:srgbClr val="000000"/>
+                </a:solidFill>
+                <a:latin typeface="Courier" pitchFamily="2" charset="0"/>
+              </a:rPr>
+              <a:t>... </a:t>
+            </a:r>
+          </a:p>
+          <a:p>
+            <a:endParaRPr lang="en-GB" sz="1100" i="1" dirty="0">
+              <a:solidFill>
+                <a:srgbClr val="000000"/>
+              </a:solidFill>
+              <a:latin typeface="Courier" pitchFamily="2" charset="0"/>
+            </a:endParaRPr>
+          </a:p>
+          <a:p>
+            <a:r>
+              <a:rPr lang="en-GB" sz="1100" i="1" dirty="0">
+                <a:solidFill>
+                  <a:srgbClr val="535353"/>
+                </a:solidFill>
+                <a:latin typeface="Courier-Oblique" pitchFamily="2" charset="0"/>
+              </a:rPr>
+              <a:t># Set stack size to unlimited</a:t>
+            </a:r>
+          </a:p>
+          <a:p>
+            <a:r>
+              <a:rPr lang="en-GB" sz="1100" b="1" dirty="0" err="1">
+                <a:solidFill>
+                  <a:srgbClr val="650061"/>
+                </a:solidFill>
+                <a:latin typeface="Courier-Bold" pitchFamily="2" charset="0"/>
+              </a:rPr>
+              <a:t>ulimit</a:t>
+            </a:r>
+            <a:r>
+              <a:rPr lang="en-GB" sz="1100" dirty="0">
+                <a:solidFill>
+                  <a:srgbClr val="000000"/>
+                </a:solidFill>
+                <a:latin typeface="Courier" pitchFamily="2" charset="0"/>
+              </a:rPr>
+              <a:t> </a:t>
+            </a:r>
+            <a:r>
+              <a:rPr lang="en-GB" sz="1100" dirty="0">
+                <a:solidFill>
+                  <a:srgbClr val="520026"/>
+                </a:solidFill>
+                <a:latin typeface="Courier" pitchFamily="2" charset="0"/>
+              </a:rPr>
+              <a:t>-s</a:t>
+            </a:r>
+            <a:r>
+              <a:rPr lang="en-GB" sz="1100" dirty="0">
+                <a:solidFill>
+                  <a:srgbClr val="000000"/>
+                </a:solidFill>
+                <a:latin typeface="Courier" pitchFamily="2" charset="0"/>
+              </a:rPr>
+              <a:t> unlimited</a:t>
+            </a:r>
+          </a:p>
+          <a:p>
+            <a:endParaRPr lang="en-GB" sz="1100" i="1" dirty="0">
+              <a:solidFill>
+                <a:srgbClr val="000000"/>
+              </a:solidFill>
+              <a:latin typeface="Courier" pitchFamily="2" charset="0"/>
+            </a:endParaRPr>
+          </a:p>
+          <a:p>
+            <a:r>
+              <a:rPr lang="en-GB" sz="1100" i="1" dirty="0">
+                <a:solidFill>
+                  <a:srgbClr val="535353"/>
+                </a:solidFill>
+                <a:latin typeface="Courier-Oblique" pitchFamily="2" charset="0"/>
+              </a:rPr>
+              <a:t># 3...2...1...</a:t>
+            </a:r>
+            <a:r>
+              <a:rPr lang="en-GB" sz="1100" i="1" dirty="0" err="1">
+                <a:solidFill>
+                  <a:srgbClr val="535353"/>
+                </a:solidFill>
+                <a:latin typeface="Courier-Oblique" pitchFamily="2" charset="0"/>
+              </a:rPr>
+              <a:t>Liftoff</a:t>
+            </a:r>
+            <a:r>
+              <a:rPr lang="en-GB" sz="1100" i="1" dirty="0">
+                <a:solidFill>
+                  <a:srgbClr val="535353"/>
+                </a:solidFill>
+                <a:latin typeface="Courier-Oblique" pitchFamily="2" charset="0"/>
+              </a:rPr>
+              <a:t>!</a:t>
+            </a:r>
+            <a:r>
+              <a:rPr lang="en-GB" sz="1100" dirty="0">
+                <a:solidFill>
+                  <a:srgbClr val="000000"/>
+                </a:solidFill>
+                <a:latin typeface="Courier" pitchFamily="2" charset="0"/>
+              </a:rPr>
+              <a:t> </a:t>
+            </a:r>
+          </a:p>
+          <a:p>
+            <a:r>
+              <a:rPr lang="en-GB" sz="1100" b="1" dirty="0">
+                <a:solidFill>
+                  <a:srgbClr val="650061"/>
+                </a:solidFill>
+                <a:latin typeface="Courier-Bold" pitchFamily="2" charset="0"/>
+              </a:rPr>
+              <a:t>echo</a:t>
+            </a:r>
+            <a:r>
+              <a:rPr lang="en-GB" sz="1100" dirty="0">
+                <a:solidFill>
+                  <a:srgbClr val="000000"/>
+                </a:solidFill>
+                <a:latin typeface="Courier" pitchFamily="2" charset="0"/>
+              </a:rPr>
+              <a:t> $</a:t>
+            </a:r>
+            <a:r>
+              <a:rPr lang="en-GB" sz="1100" b="1" dirty="0">
+                <a:solidFill>
+                  <a:srgbClr val="650061"/>
+                </a:solidFill>
+                <a:latin typeface="Courier-Bold" pitchFamily="2" charset="0"/>
+              </a:rPr>
+              <a:t>(</a:t>
+            </a:r>
+            <a:r>
+              <a:rPr lang="en-GB" sz="1100" b="1" dirty="0">
+                <a:solidFill>
+                  <a:srgbClr val="B200AA"/>
+                </a:solidFill>
+                <a:latin typeface="Courier-Bold" pitchFamily="2" charset="0"/>
+              </a:rPr>
+              <a:t>date</a:t>
+            </a:r>
+            <a:r>
+              <a:rPr lang="en-GB" sz="1100" dirty="0">
+                <a:solidFill>
+                  <a:srgbClr val="000000"/>
+                </a:solidFill>
+                <a:latin typeface="Courier" pitchFamily="2" charset="0"/>
+              </a:rPr>
+              <a:t> +</a:t>
+            </a:r>
+            <a:r>
+              <a:rPr lang="en-GB" sz="1100" dirty="0">
+                <a:solidFill>
+                  <a:srgbClr val="FB0007"/>
+                </a:solidFill>
+                <a:latin typeface="Courier" pitchFamily="2" charset="0"/>
+              </a:rPr>
+              <a:t>"%a %b  %e %T %Y"</a:t>
+            </a:r>
+            <a:r>
+              <a:rPr lang="en-GB" sz="1100" b="1" dirty="0">
+                <a:solidFill>
+                  <a:srgbClr val="650061"/>
+                </a:solidFill>
+                <a:latin typeface="Courier-Bold" pitchFamily="2" charset="0"/>
+              </a:rPr>
+              <a:t>)</a:t>
+            </a:r>
+            <a:r>
+              <a:rPr lang="en-GB" sz="1100" dirty="0">
+                <a:solidFill>
+                  <a:srgbClr val="000000"/>
+                </a:solidFill>
+                <a:latin typeface="Courier" pitchFamily="2" charset="0"/>
+              </a:rPr>
+              <a:t> : compute 1 1850-01-01T00:00:00 1233 - start </a:t>
+            </a:r>
+            <a:r>
+              <a:rPr lang="en-GB" sz="1100" b="1" dirty="0">
+                <a:solidFill>
+                  <a:srgbClr val="000000"/>
+                </a:solidFill>
+                <a:latin typeface="Courier-Bold" pitchFamily="2" charset="0"/>
+              </a:rPr>
+              <a:t>&gt;&gt;</a:t>
+            </a:r>
+            <a:r>
+              <a:rPr lang="en-GB" sz="1100" dirty="0">
+                <a:solidFill>
+                  <a:srgbClr val="000000"/>
+                </a:solidFill>
+                <a:latin typeface="Courier" pitchFamily="2" charset="0"/>
+              </a:rPr>
+              <a:t> </a:t>
+            </a:r>
+            <a:r>
+              <a:rPr lang="en-GB" sz="1100" b="1" dirty="0">
+                <a:solidFill>
+                  <a:srgbClr val="000000"/>
+                </a:solidFill>
+                <a:latin typeface="Courier-Bold" pitchFamily="2" charset="0"/>
+              </a:rPr>
+              <a:t>/</a:t>
+            </a:r>
+            <a:r>
+              <a:rPr lang="en-GB" sz="1100" dirty="0">
+                <a:solidFill>
+                  <a:srgbClr val="000000"/>
+                </a:solidFill>
+                <a:latin typeface="Courier" pitchFamily="2" charset="0"/>
+              </a:rPr>
+              <a:t>work</a:t>
+            </a:r>
+            <a:r>
+              <a:rPr lang="en-GB" sz="1100" b="1" dirty="0">
+                <a:solidFill>
+                  <a:srgbClr val="000000"/>
+                </a:solidFill>
+                <a:latin typeface="Courier-Bold" pitchFamily="2" charset="0"/>
+              </a:rPr>
+              <a:t>/</a:t>
+            </a:r>
+            <a:r>
+              <a:rPr lang="en-GB" sz="1100" dirty="0">
+                <a:solidFill>
+                  <a:srgbClr val="000000"/>
+                </a:solidFill>
+                <a:latin typeface="Courier" pitchFamily="2" charset="0"/>
+              </a:rPr>
+              <a:t>ab0995</a:t>
+            </a:r>
+            <a:r>
+              <a:rPr lang="en-GB" sz="1100" b="1" dirty="0">
+                <a:solidFill>
+                  <a:srgbClr val="000000"/>
+                </a:solidFill>
+                <a:latin typeface="Courier-Bold" pitchFamily="2" charset="0"/>
+              </a:rPr>
+              <a:t>/</a:t>
+            </a:r>
+            <a:r>
+              <a:rPr lang="en-GB" sz="1100" dirty="0">
+                <a:solidFill>
+                  <a:srgbClr val="000000"/>
+                </a:solidFill>
+                <a:latin typeface="Courier" pitchFamily="2" charset="0"/>
+              </a:rPr>
+              <a:t>a270152</a:t>
+            </a:r>
+            <a:r>
+              <a:rPr lang="en-GB" sz="1100" b="1" dirty="0">
+                <a:solidFill>
+                  <a:srgbClr val="000000"/>
+                </a:solidFill>
+                <a:latin typeface="Courier-Bold" pitchFamily="2" charset="0"/>
+              </a:rPr>
+              <a:t>//</a:t>
+            </a:r>
+            <a:r>
+              <a:rPr lang="en-GB" sz="1100" dirty="0" err="1">
+                <a:solidFill>
+                  <a:srgbClr val="000000"/>
+                </a:solidFill>
+                <a:latin typeface="Courier" pitchFamily="2" charset="0"/>
+              </a:rPr>
+              <a:t>workshop_test</a:t>
+            </a:r>
+            <a:r>
+              <a:rPr lang="en-GB" sz="1100" b="1" dirty="0">
+                <a:solidFill>
+                  <a:srgbClr val="000000"/>
+                </a:solidFill>
+                <a:latin typeface="Courier-Bold" pitchFamily="2" charset="0"/>
+              </a:rPr>
+              <a:t>/</a:t>
+            </a:r>
+            <a:r>
+              <a:rPr lang="en-GB" sz="1100" dirty="0">
+                <a:solidFill>
+                  <a:srgbClr val="000000"/>
+                </a:solidFill>
+                <a:latin typeface="Courier" pitchFamily="2" charset="0"/>
+              </a:rPr>
+              <a:t>log</a:t>
+            </a:r>
+            <a:r>
+              <a:rPr lang="en-GB" sz="1100" b="1" dirty="0">
+                <a:solidFill>
+                  <a:srgbClr val="000000"/>
+                </a:solidFill>
+                <a:latin typeface="Courier-Bold" pitchFamily="2" charset="0"/>
+              </a:rPr>
+              <a:t>//</a:t>
+            </a:r>
+            <a:r>
+              <a:rPr lang="en-GB" sz="1100" dirty="0" err="1">
+                <a:solidFill>
+                  <a:srgbClr val="000000"/>
+                </a:solidFill>
+                <a:latin typeface="Courier" pitchFamily="2" charset="0"/>
+              </a:rPr>
+              <a:t>workshop_test_awiesm.log</a:t>
+            </a:r>
+            <a:r>
+              <a:rPr lang="en-GB" sz="1100" dirty="0">
+                <a:solidFill>
+                  <a:srgbClr val="000000"/>
+                </a:solidFill>
+                <a:latin typeface="Courier" pitchFamily="2" charset="0"/>
+              </a:rPr>
+              <a:t> </a:t>
+            </a:r>
+          </a:p>
+          <a:p>
+            <a:endParaRPr lang="en-GB" sz="1100" b="1" dirty="0">
+              <a:solidFill>
+                <a:srgbClr val="000000"/>
+              </a:solidFill>
+              <a:latin typeface="Courier" pitchFamily="2" charset="0"/>
+            </a:endParaRPr>
+          </a:p>
+          <a:p>
+            <a:r>
+              <a:rPr lang="en-GB" sz="1100" b="1" dirty="0">
+                <a:solidFill>
+                  <a:srgbClr val="650061"/>
+                </a:solidFill>
+                <a:latin typeface="Courier-Bold" pitchFamily="2" charset="0"/>
+              </a:rPr>
+              <a:t>cd</a:t>
+            </a:r>
+            <a:r>
+              <a:rPr lang="en-GB" sz="1100" dirty="0">
+                <a:solidFill>
+                  <a:srgbClr val="000000"/>
+                </a:solidFill>
+                <a:latin typeface="Courier" pitchFamily="2" charset="0"/>
+              </a:rPr>
+              <a:t> </a:t>
+            </a:r>
+            <a:r>
+              <a:rPr lang="en-GB" sz="1100" b="1" dirty="0">
+                <a:solidFill>
+                  <a:srgbClr val="000000"/>
+                </a:solidFill>
+                <a:latin typeface="Courier-Bold" pitchFamily="2" charset="0"/>
+              </a:rPr>
+              <a:t>/</a:t>
+            </a:r>
+            <a:r>
+              <a:rPr lang="en-GB" sz="1100" dirty="0">
+                <a:solidFill>
+                  <a:srgbClr val="000000"/>
+                </a:solidFill>
+                <a:latin typeface="Courier" pitchFamily="2" charset="0"/>
+              </a:rPr>
+              <a:t>work</a:t>
+            </a:r>
+            <a:r>
+              <a:rPr lang="en-GB" sz="1100" b="1" dirty="0">
+                <a:solidFill>
+                  <a:srgbClr val="000000"/>
+                </a:solidFill>
+                <a:latin typeface="Courier-Bold" pitchFamily="2" charset="0"/>
+              </a:rPr>
+              <a:t>/</a:t>
+            </a:r>
+            <a:r>
+              <a:rPr lang="en-GB" sz="1100" dirty="0">
+                <a:solidFill>
+                  <a:srgbClr val="000000"/>
+                </a:solidFill>
+                <a:latin typeface="Courier" pitchFamily="2" charset="0"/>
+              </a:rPr>
+              <a:t>ab0995</a:t>
+            </a:r>
+            <a:r>
+              <a:rPr lang="en-GB" sz="1100" b="1" dirty="0">
+                <a:solidFill>
+                  <a:srgbClr val="000000"/>
+                </a:solidFill>
+                <a:latin typeface="Courier-Bold" pitchFamily="2" charset="0"/>
+              </a:rPr>
+              <a:t>/</a:t>
+            </a:r>
+            <a:r>
+              <a:rPr lang="en-GB" sz="1100" dirty="0">
+                <a:solidFill>
+                  <a:srgbClr val="000000"/>
+                </a:solidFill>
+                <a:latin typeface="Courier" pitchFamily="2" charset="0"/>
+              </a:rPr>
+              <a:t>a270152</a:t>
+            </a:r>
+            <a:r>
+              <a:rPr lang="en-GB" sz="1100" b="1" dirty="0">
+                <a:solidFill>
+                  <a:srgbClr val="000000"/>
+                </a:solidFill>
+                <a:latin typeface="Courier-Bold" pitchFamily="2" charset="0"/>
+              </a:rPr>
+              <a:t>//</a:t>
+            </a:r>
+            <a:r>
+              <a:rPr lang="en-GB" sz="1100" dirty="0" err="1">
+                <a:solidFill>
+                  <a:srgbClr val="000000"/>
+                </a:solidFill>
+                <a:latin typeface="Courier" pitchFamily="2" charset="0"/>
+              </a:rPr>
+              <a:t>workshop_test</a:t>
+            </a:r>
+            <a:r>
+              <a:rPr lang="en-GB" sz="1100" b="1" dirty="0">
+                <a:solidFill>
+                  <a:srgbClr val="000000"/>
+                </a:solidFill>
+                <a:latin typeface="Courier-Bold" pitchFamily="2" charset="0"/>
+              </a:rPr>
+              <a:t>/</a:t>
+            </a:r>
+            <a:r>
+              <a:rPr lang="en-GB" sz="1100" dirty="0">
+                <a:solidFill>
+                  <a:srgbClr val="000000"/>
+                </a:solidFill>
+                <a:latin typeface="Courier" pitchFamily="2" charset="0"/>
+              </a:rPr>
+              <a:t>run_18500101-18501231</a:t>
+            </a:r>
+            <a:r>
+              <a:rPr lang="en-GB" sz="1100" b="1" dirty="0">
+                <a:solidFill>
+                  <a:srgbClr val="000000"/>
+                </a:solidFill>
+                <a:latin typeface="Courier-Bold" pitchFamily="2" charset="0"/>
+              </a:rPr>
+              <a:t>/</a:t>
+            </a:r>
+            <a:r>
+              <a:rPr lang="en-GB" sz="1100" dirty="0">
+                <a:solidFill>
+                  <a:srgbClr val="000000"/>
+                </a:solidFill>
+                <a:latin typeface="Courier" pitchFamily="2" charset="0"/>
+              </a:rPr>
+              <a:t>work</a:t>
+            </a:r>
+            <a:r>
+              <a:rPr lang="en-GB" sz="1100" b="1" dirty="0">
+                <a:solidFill>
+                  <a:srgbClr val="000000"/>
+                </a:solidFill>
+                <a:latin typeface="Courier-Bold" pitchFamily="2" charset="0"/>
+              </a:rPr>
+              <a:t>/</a:t>
+            </a:r>
+          </a:p>
+          <a:p>
+            <a:endParaRPr lang="en-GB" sz="1100" b="1" dirty="0">
+              <a:solidFill>
+                <a:srgbClr val="000000"/>
+              </a:solidFill>
+              <a:latin typeface="Courier-Bold" pitchFamily="2" charset="0"/>
+            </a:endParaRPr>
+          </a:p>
+          <a:p>
+            <a:r>
+              <a:rPr lang="en-GB" sz="1100" b="1" dirty="0">
+                <a:solidFill>
+                  <a:srgbClr val="000000"/>
+                </a:solidFill>
+                <a:latin typeface="Courier-Bold" pitchFamily="2" charset="0"/>
+              </a:rPr>
+              <a:t>time</a:t>
+            </a:r>
+            <a:r>
+              <a:rPr lang="en-GB" sz="1100" dirty="0">
+                <a:solidFill>
+                  <a:srgbClr val="000000"/>
+                </a:solidFill>
+                <a:latin typeface="Courier" pitchFamily="2" charset="0"/>
+              </a:rPr>
+              <a:t> </a:t>
+            </a:r>
+            <a:r>
+              <a:rPr lang="en-GB" sz="1100" dirty="0" err="1">
+                <a:solidFill>
+                  <a:srgbClr val="000000"/>
+                </a:solidFill>
+                <a:latin typeface="Courier" pitchFamily="2" charset="0"/>
+              </a:rPr>
+              <a:t>srun</a:t>
+            </a:r>
+            <a:r>
+              <a:rPr lang="en-GB" sz="1100" dirty="0">
+                <a:solidFill>
+                  <a:srgbClr val="000000"/>
+                </a:solidFill>
+                <a:latin typeface="Courier" pitchFamily="2" charset="0"/>
+              </a:rPr>
+              <a:t> </a:t>
+            </a:r>
+            <a:r>
+              <a:rPr lang="en-GB" sz="1100" dirty="0">
+                <a:solidFill>
+                  <a:srgbClr val="520026"/>
+                </a:solidFill>
+                <a:latin typeface="Courier" pitchFamily="2" charset="0"/>
+              </a:rPr>
+              <a:t>-l</a:t>
+            </a:r>
+            <a:r>
+              <a:rPr lang="en-GB" sz="1100" dirty="0">
+                <a:solidFill>
+                  <a:srgbClr val="000000"/>
+                </a:solidFill>
+                <a:latin typeface="Courier" pitchFamily="2" charset="0"/>
+              </a:rPr>
+              <a:t> </a:t>
+            </a:r>
+            <a:r>
+              <a:rPr lang="en-GB" sz="1100" dirty="0">
+                <a:solidFill>
+                  <a:srgbClr val="520026"/>
+                </a:solidFill>
+                <a:latin typeface="Courier" pitchFamily="2" charset="0"/>
+              </a:rPr>
+              <a:t>--kill-on-bad-exit</a:t>
+            </a:r>
+            <a:r>
+              <a:rPr lang="en-GB" sz="1100" dirty="0">
+                <a:solidFill>
+                  <a:srgbClr val="000000"/>
+                </a:solidFill>
+                <a:latin typeface="Courier" pitchFamily="2" charset="0"/>
+              </a:rPr>
+              <a:t>=1 --</a:t>
+            </a:r>
+            <a:r>
+              <a:rPr lang="en-GB" sz="1100" dirty="0" err="1">
+                <a:solidFill>
+                  <a:srgbClr val="000000"/>
+                </a:solidFill>
+                <a:latin typeface="Courier" pitchFamily="2" charset="0"/>
+              </a:rPr>
+              <a:t>cpu_bind</a:t>
+            </a:r>
+            <a:r>
+              <a:rPr lang="en-GB" sz="1100" dirty="0">
+                <a:solidFill>
+                  <a:srgbClr val="000000"/>
+                </a:solidFill>
+                <a:latin typeface="Courier" pitchFamily="2" charset="0"/>
+              </a:rPr>
+              <a:t>=cores </a:t>
+            </a:r>
+            <a:r>
+              <a:rPr lang="en-GB" sz="1100" dirty="0">
+                <a:solidFill>
+                  <a:srgbClr val="520026"/>
+                </a:solidFill>
+                <a:latin typeface="Courier" pitchFamily="2" charset="0"/>
+              </a:rPr>
+              <a:t>--multi-prog</a:t>
+            </a:r>
+            <a:r>
+              <a:rPr lang="en-GB" sz="1100" dirty="0">
+                <a:solidFill>
+                  <a:srgbClr val="000000"/>
+                </a:solidFill>
+                <a:latin typeface="Courier" pitchFamily="2" charset="0"/>
+              </a:rPr>
+              <a:t> </a:t>
+            </a:r>
+            <a:r>
+              <a:rPr lang="en-GB" sz="1100" dirty="0" err="1">
+                <a:solidFill>
+                  <a:srgbClr val="000000"/>
+                </a:solidFill>
+                <a:latin typeface="Courier" pitchFamily="2" charset="0"/>
+              </a:rPr>
+              <a:t>hostfile_srun</a:t>
+            </a:r>
+            <a:r>
+              <a:rPr lang="en-GB" sz="1100" dirty="0">
+                <a:solidFill>
+                  <a:srgbClr val="000000"/>
+                </a:solidFill>
+                <a:latin typeface="Courier" pitchFamily="2" charset="0"/>
+              </a:rPr>
+              <a:t> 2</a:t>
+            </a:r>
+            <a:r>
+              <a:rPr lang="en-GB" sz="1100" b="1" dirty="0">
+                <a:solidFill>
+                  <a:srgbClr val="000000"/>
+                </a:solidFill>
+                <a:latin typeface="Courier-Bold" pitchFamily="2" charset="0"/>
+              </a:rPr>
+              <a:t>&gt;&amp;</a:t>
+            </a:r>
+            <a:r>
+              <a:rPr lang="en-GB" sz="1100" dirty="0">
+                <a:solidFill>
+                  <a:srgbClr val="000000"/>
+                </a:solidFill>
+                <a:latin typeface="Courier" pitchFamily="2" charset="0"/>
+              </a:rPr>
+              <a:t>1 </a:t>
+            </a:r>
+            <a:r>
+              <a:rPr lang="en-GB" sz="1100" b="1" dirty="0">
+                <a:solidFill>
+                  <a:srgbClr val="000000"/>
+                </a:solidFill>
+                <a:latin typeface="Courier-Bold" pitchFamily="2" charset="0"/>
+              </a:rPr>
+              <a:t>&amp;</a:t>
+            </a:r>
+            <a:r>
+              <a:rPr lang="en-GB" sz="1100" dirty="0">
+                <a:solidFill>
+                  <a:srgbClr val="000000"/>
+                </a:solidFill>
+                <a:latin typeface="Courier" pitchFamily="2" charset="0"/>
+              </a:rPr>
+              <a:t> </a:t>
+            </a:r>
+          </a:p>
+          <a:p>
+            <a:endParaRPr lang="en-GB" sz="1100" i="1" dirty="0">
+              <a:solidFill>
+                <a:srgbClr val="000000"/>
+              </a:solidFill>
+              <a:latin typeface="Courier" pitchFamily="2" charset="0"/>
+            </a:endParaRPr>
+          </a:p>
+          <a:p>
+            <a:r>
+              <a:rPr lang="en-GB" sz="1100" dirty="0">
+                <a:solidFill>
+                  <a:srgbClr val="000000"/>
+                </a:solidFill>
+                <a:latin typeface="Courier" pitchFamily="2" charset="0"/>
+              </a:rPr>
+              <a:t>...</a:t>
+            </a:r>
+            <a:endParaRPr lang="en-GB" sz="1100" i="1" dirty="0">
+              <a:solidFill>
+                <a:srgbClr val="000000"/>
+              </a:solidFill>
+              <a:latin typeface="Courier" pitchFamily="2" charset="0"/>
+            </a:endParaRPr>
+          </a:p>
+        </p:txBody>
+      </p:sp>
+      <p:sp>
+        <p:nvSpPr>
+          <p:cNvPr id="11" name="Oval 10">
+            <a:extLst>
+              <a:ext uri="{FF2B5EF4-FFF2-40B4-BE49-F238E27FC236}">
+                <a16:creationId xmlns:a16="http://schemas.microsoft.com/office/drawing/2014/main" id="{D842B2F9-CE22-91D1-63AB-1C38BBD8A4F6}"/>
+              </a:ext>
+            </a:extLst>
+          </p:cNvPr>
           <p:cNvSpPr/>
           <p:nvPr/>
         </p:nvSpPr>
@@ -3464,484 +5160,10 @@
           </a:p>
         </p:txBody>
       </p:sp>
-      <p:sp>
-        <p:nvSpPr>
-          <p:cNvPr id="39" name="Isosceles Triangle 6">
-            <a:extLst>
-              <a:ext uri="{FF2B5EF4-FFF2-40B4-BE49-F238E27FC236}">
-                <a16:creationId xmlns:a16="http://schemas.microsoft.com/office/drawing/2014/main" id="{4A666EF0-A283-A21D-1FC3-C7120684A00A}"/>
-              </a:ext>
-            </a:extLst>
-          </p:cNvPr>
-          <p:cNvSpPr/>
-          <p:nvPr/>
-        </p:nvSpPr>
-        <p:spPr>
-          <a:xfrm rot="5400000">
-            <a:off x="348693" y="1536407"/>
-            <a:ext cx="457812" cy="394666"/>
-          </a:xfrm>
-          <a:prstGeom prst="triangle">
-            <a:avLst/>
-          </a:prstGeom>
-          <a:solidFill>
-            <a:srgbClr val="00ACE6"/>
-          </a:solidFill>
-          <a:ln>
-            <a:noFill/>
-          </a:ln>
-        </p:spPr>
-        <p:style>
-          <a:lnRef idx="2">
-            <a:schemeClr val="accent1">
-              <a:shade val="50000"/>
-            </a:schemeClr>
-          </a:lnRef>
-          <a:fillRef idx="1">
-            <a:schemeClr val="accent1"/>
-          </a:fillRef>
-          <a:effectRef idx="0">
-            <a:schemeClr val="accent1"/>
-          </a:effectRef>
-          <a:fontRef idx="minor">
-            <a:schemeClr val="lt1"/>
-          </a:fontRef>
-        </p:style>
-        <p:txBody>
-          <a:bodyPr rtlCol="0" anchor="ctr"/>
-          <a:lstStyle/>
-          <a:p>
-            <a:pPr algn="ctr"/>
-            <a:endParaRPr lang="en-GB"/>
-          </a:p>
-        </p:txBody>
-      </p:sp>
-      <p:sp>
-        <p:nvSpPr>
-          <p:cNvPr id="42" name="TextBox 41">
-            <a:extLst>
-              <a:ext uri="{FF2B5EF4-FFF2-40B4-BE49-F238E27FC236}">
-                <a16:creationId xmlns:a16="http://schemas.microsoft.com/office/drawing/2014/main" id="{CB50618F-6E48-EBCE-6A6B-D9FB41A2974A}"/>
-              </a:ext>
-            </a:extLst>
-          </p:cNvPr>
-          <p:cNvSpPr txBox="1"/>
-          <p:nvPr/>
-        </p:nvSpPr>
-        <p:spPr>
-          <a:xfrm>
-            <a:off x="799755" y="1467813"/>
-            <a:ext cx="7702219" cy="4801314"/>
-          </a:xfrm>
-          <a:prstGeom prst="rect">
-            <a:avLst/>
-          </a:prstGeom>
-          <a:noFill/>
-        </p:spPr>
-        <p:txBody>
-          <a:bodyPr wrap="square" rtlCol="0">
-            <a:spAutoFit/>
-          </a:bodyPr>
-          <a:lstStyle/>
-          <a:p>
-            <a:pPr algn="just"/>
-            <a:r>
-              <a:rPr lang="en-GB" dirty="0"/>
-              <a:t>Internally, </a:t>
-            </a:r>
-            <a:r>
-              <a:rPr lang="en-GB" dirty="0" err="1">
-                <a:solidFill>
-                  <a:srgbClr val="ED7D31"/>
-                </a:solidFill>
-              </a:rPr>
-              <a:t>esm_parser</a:t>
-            </a:r>
-            <a:r>
-              <a:rPr lang="en-GB" dirty="0"/>
-              <a:t> puts together all the information from the different </a:t>
-            </a:r>
-            <a:r>
-              <a:rPr lang="en-GB" dirty="0" err="1"/>
-              <a:t>yaml</a:t>
-            </a:r>
-            <a:r>
-              <a:rPr lang="en-GB" dirty="0"/>
-              <a:t> files for the given experiment into a Python object called </a:t>
-            </a:r>
-            <a:r>
-              <a:rPr lang="en-GB" dirty="0">
-                <a:solidFill>
-                  <a:srgbClr val="ED7D31"/>
-                </a:solidFill>
-              </a:rPr>
-              <a:t>config</a:t>
-            </a:r>
-          </a:p>
-          <a:p>
-            <a:pPr algn="just"/>
-            <a:endParaRPr lang="en-GB" b="1" dirty="0">
-              <a:solidFill>
-                <a:srgbClr val="31ACE6"/>
-              </a:solidFill>
-            </a:endParaRPr>
-          </a:p>
-          <a:p>
-            <a:r>
-              <a:rPr lang="en-GB" dirty="0"/>
-              <a:t>This object, containing all the information about the experiment, is passed to the different ESM-Tools functions</a:t>
-            </a:r>
-          </a:p>
-          <a:p>
-            <a:endParaRPr lang="en-GB" dirty="0"/>
-          </a:p>
-          <a:p>
-            <a:r>
-              <a:rPr lang="en-GB" dirty="0" err="1">
-                <a:solidFill>
-                  <a:srgbClr val="ED7D31"/>
-                </a:solidFill>
-              </a:rPr>
-              <a:t>esm_runscripts</a:t>
-            </a:r>
-            <a:r>
-              <a:rPr lang="en-GB" dirty="0">
-                <a:solidFill>
-                  <a:srgbClr val="ED7D31"/>
-                </a:solidFill>
-              </a:rPr>
-              <a:t> </a:t>
-            </a:r>
-            <a:r>
-              <a:rPr lang="en-GB" dirty="0"/>
-              <a:t>dumps this object into a </a:t>
-            </a:r>
-            <a:r>
-              <a:rPr lang="en-GB" dirty="0" err="1"/>
-              <a:t>yaml</a:t>
-            </a:r>
-            <a:r>
-              <a:rPr lang="en-GB" dirty="0"/>
-              <a:t> file in </a:t>
-            </a:r>
-            <a:r>
-              <a:rPr lang="en-GB" dirty="0">
-                <a:solidFill>
-                  <a:srgbClr val="ED7D31"/>
-                </a:solidFill>
-                <a:latin typeface="Monaco" pitchFamily="2" charset="77"/>
-              </a:rPr>
-              <a:t>&lt;</a:t>
-            </a:r>
-            <a:r>
-              <a:rPr lang="en-GB" dirty="0" err="1">
-                <a:solidFill>
-                  <a:srgbClr val="ED7D31"/>
-                </a:solidFill>
-                <a:latin typeface="Monaco" pitchFamily="2" charset="77"/>
-              </a:rPr>
-              <a:t>experiment_dir</a:t>
-            </a:r>
-            <a:r>
-              <a:rPr lang="en-GB" dirty="0">
-                <a:solidFill>
-                  <a:srgbClr val="ED7D31"/>
-                </a:solidFill>
-                <a:latin typeface="Monaco" pitchFamily="2" charset="77"/>
-              </a:rPr>
-              <a:t>&gt;/</a:t>
-            </a:r>
-            <a:r>
-              <a:rPr lang="en-GB" dirty="0" err="1">
-                <a:solidFill>
-                  <a:srgbClr val="ED7D31"/>
-                </a:solidFill>
-                <a:latin typeface="Monaco" pitchFamily="2" charset="77"/>
-              </a:rPr>
-              <a:t>run_DATE</a:t>
-            </a:r>
-            <a:r>
-              <a:rPr lang="en-GB" dirty="0">
-                <a:solidFill>
-                  <a:srgbClr val="ED7D31"/>
-                </a:solidFill>
-                <a:latin typeface="Monaco" pitchFamily="2" charset="77"/>
-              </a:rPr>
-              <a:t>/configs/*</a:t>
-            </a:r>
-            <a:r>
-              <a:rPr lang="en-GB" dirty="0" err="1">
-                <a:solidFill>
-                  <a:srgbClr val="ED7D31"/>
-                </a:solidFill>
-                <a:latin typeface="Monaco" pitchFamily="2" charset="77"/>
-              </a:rPr>
-              <a:t>finished_config.yaml</a:t>
-            </a:r>
-            <a:r>
-              <a:rPr lang="en-GB" dirty="0">
-                <a:solidFill>
-                  <a:srgbClr val="ED7D31"/>
-                </a:solidFill>
-                <a:latin typeface="Monaco" pitchFamily="2" charset="77"/>
-              </a:rPr>
-              <a:t> </a:t>
-            </a:r>
-            <a:r>
-              <a:rPr lang="en-GB" dirty="0"/>
-              <a:t>for runs that have not being submitted or are still running, or in </a:t>
-            </a:r>
-            <a:r>
-              <a:rPr lang="en-GB" dirty="0">
-                <a:solidFill>
-                  <a:srgbClr val="ED7D31"/>
-                </a:solidFill>
-                <a:latin typeface="Monaco" pitchFamily="2" charset="77"/>
-              </a:rPr>
-              <a:t>&lt;</a:t>
-            </a:r>
-            <a:r>
-              <a:rPr lang="en-GB" dirty="0" err="1">
-                <a:solidFill>
-                  <a:srgbClr val="ED7D31"/>
-                </a:solidFill>
-                <a:latin typeface="Monaco" pitchFamily="2" charset="77"/>
-              </a:rPr>
-              <a:t>experiment_dir</a:t>
-            </a:r>
-            <a:r>
-              <a:rPr lang="en-GB" dirty="0">
-                <a:solidFill>
-                  <a:srgbClr val="ED7D31"/>
-                </a:solidFill>
-                <a:latin typeface="Monaco" pitchFamily="2" charset="77"/>
-              </a:rPr>
-              <a:t>&gt;/configs/*</a:t>
-            </a:r>
-            <a:r>
-              <a:rPr lang="en-GB" dirty="0" err="1">
-                <a:solidFill>
-                  <a:srgbClr val="ED7D31"/>
-                </a:solidFill>
-                <a:latin typeface="Monaco" pitchFamily="2" charset="77"/>
-              </a:rPr>
-              <a:t>finished_config.yaml</a:t>
-            </a:r>
-            <a:r>
-              <a:rPr lang="en-GB" dirty="0">
-                <a:latin typeface="Monaco" pitchFamily="2" charset="77"/>
-              </a:rPr>
-              <a:t> </a:t>
-            </a:r>
-            <a:r>
-              <a:rPr lang="en-GB" dirty="0"/>
-              <a:t>for runs that have already run</a:t>
-            </a:r>
-          </a:p>
-          <a:p>
-            <a:endParaRPr lang="en-GB" dirty="0"/>
-          </a:p>
-          <a:p>
-            <a:r>
-              <a:rPr lang="en-GB" dirty="0"/>
-              <a:t>The </a:t>
-            </a:r>
-            <a:r>
-              <a:rPr lang="en-GB" b="1" dirty="0" err="1">
-                <a:solidFill>
-                  <a:srgbClr val="ED7D31"/>
-                </a:solidFill>
-              </a:rPr>
-              <a:t>finished_config</a:t>
-            </a:r>
-            <a:r>
-              <a:rPr lang="en-GB" b="1" dirty="0">
-                <a:solidFill>
-                  <a:srgbClr val="ED7D31"/>
-                </a:solidFill>
-              </a:rPr>
-              <a:t> file</a:t>
-            </a:r>
-            <a:r>
-              <a:rPr lang="en-GB" dirty="0"/>
-              <a:t> is used for checking that the final configuration works as expected</a:t>
-            </a:r>
-          </a:p>
-          <a:p>
-            <a:endParaRPr lang="en-GB" b="1" dirty="0">
-              <a:solidFill>
-                <a:srgbClr val="31ACE6"/>
-              </a:solidFill>
-            </a:endParaRPr>
-          </a:p>
-          <a:p>
-            <a:endParaRPr lang="en-GB" b="1" dirty="0"/>
-          </a:p>
-          <a:p>
-            <a:endParaRPr lang="en-GB" dirty="0"/>
-          </a:p>
-        </p:txBody>
-      </p:sp>
-      <p:sp>
-        <p:nvSpPr>
-          <p:cNvPr id="43" name="Isosceles Triangle 6">
-            <a:extLst>
-              <a:ext uri="{FF2B5EF4-FFF2-40B4-BE49-F238E27FC236}">
-                <a16:creationId xmlns:a16="http://schemas.microsoft.com/office/drawing/2014/main" id="{C82C5815-8997-1441-F50F-FD4ED2C39794}"/>
-              </a:ext>
-            </a:extLst>
-          </p:cNvPr>
-          <p:cNvSpPr/>
-          <p:nvPr/>
-        </p:nvSpPr>
-        <p:spPr>
-          <a:xfrm rot="5400000">
-            <a:off x="348693" y="2287750"/>
-            <a:ext cx="457812" cy="394666"/>
-          </a:xfrm>
-          <a:prstGeom prst="triangle">
-            <a:avLst/>
-          </a:prstGeom>
-          <a:solidFill>
-            <a:srgbClr val="00ACE6"/>
-          </a:solidFill>
-          <a:ln>
-            <a:noFill/>
-          </a:ln>
-        </p:spPr>
-        <p:style>
-          <a:lnRef idx="2">
-            <a:schemeClr val="accent1">
-              <a:shade val="50000"/>
-            </a:schemeClr>
-          </a:lnRef>
-          <a:fillRef idx="1">
-            <a:schemeClr val="accent1"/>
-          </a:fillRef>
-          <a:effectRef idx="0">
-            <a:schemeClr val="accent1"/>
-          </a:effectRef>
-          <a:fontRef idx="minor">
-            <a:schemeClr val="lt1"/>
-          </a:fontRef>
-        </p:style>
-        <p:txBody>
-          <a:bodyPr rtlCol="0" anchor="ctr"/>
-          <a:lstStyle/>
-          <a:p>
-            <a:pPr algn="ctr"/>
-            <a:endParaRPr lang="en-GB"/>
-          </a:p>
-        </p:txBody>
-      </p:sp>
-      <p:sp>
-        <p:nvSpPr>
-          <p:cNvPr id="44" name="Isosceles Triangle 6">
-            <a:extLst>
-              <a:ext uri="{FF2B5EF4-FFF2-40B4-BE49-F238E27FC236}">
-                <a16:creationId xmlns:a16="http://schemas.microsoft.com/office/drawing/2014/main" id="{F5EB8F5E-99B9-35AF-5E7B-69B9B0D6ABEF}"/>
-              </a:ext>
-            </a:extLst>
-          </p:cNvPr>
-          <p:cNvSpPr/>
-          <p:nvPr/>
-        </p:nvSpPr>
-        <p:spPr>
-          <a:xfrm rot="5400000">
-            <a:off x="348693" y="3134057"/>
-            <a:ext cx="457812" cy="394666"/>
-          </a:xfrm>
-          <a:prstGeom prst="triangle">
-            <a:avLst/>
-          </a:prstGeom>
-          <a:solidFill>
-            <a:srgbClr val="00ACE6"/>
-          </a:solidFill>
-          <a:ln>
-            <a:noFill/>
-          </a:ln>
-        </p:spPr>
-        <p:style>
-          <a:lnRef idx="2">
-            <a:schemeClr val="accent1">
-              <a:shade val="50000"/>
-            </a:schemeClr>
-          </a:lnRef>
-          <a:fillRef idx="1">
-            <a:schemeClr val="accent1"/>
-          </a:fillRef>
-          <a:effectRef idx="0">
-            <a:schemeClr val="accent1"/>
-          </a:effectRef>
-          <a:fontRef idx="minor">
-            <a:schemeClr val="lt1"/>
-          </a:fontRef>
-        </p:style>
-        <p:txBody>
-          <a:bodyPr rtlCol="0" anchor="ctr"/>
-          <a:lstStyle/>
-          <a:p>
-            <a:pPr algn="ctr"/>
-            <a:endParaRPr lang="en-GB"/>
-          </a:p>
-        </p:txBody>
-      </p:sp>
-      <p:sp>
-        <p:nvSpPr>
-          <p:cNvPr id="45" name="Isosceles Triangle 6">
-            <a:extLst>
-              <a:ext uri="{FF2B5EF4-FFF2-40B4-BE49-F238E27FC236}">
-                <a16:creationId xmlns:a16="http://schemas.microsoft.com/office/drawing/2014/main" id="{03D4EB45-589F-4C49-6A2C-C0B6BD5048DA}"/>
-              </a:ext>
-            </a:extLst>
-          </p:cNvPr>
-          <p:cNvSpPr/>
-          <p:nvPr/>
-        </p:nvSpPr>
-        <p:spPr>
-          <a:xfrm rot="5400000">
-            <a:off x="348693" y="4739120"/>
-            <a:ext cx="457812" cy="394666"/>
-          </a:xfrm>
-          <a:prstGeom prst="triangle">
-            <a:avLst/>
-          </a:prstGeom>
-          <a:solidFill>
-            <a:srgbClr val="00ACE6"/>
-          </a:solidFill>
-          <a:ln>
-            <a:noFill/>
-          </a:ln>
-        </p:spPr>
-        <p:style>
-          <a:lnRef idx="2">
-            <a:schemeClr val="accent1">
-              <a:shade val="50000"/>
-            </a:schemeClr>
-          </a:lnRef>
-          <a:fillRef idx="1">
-            <a:schemeClr val="accent1"/>
-          </a:fillRef>
-          <a:effectRef idx="0">
-            <a:schemeClr val="accent1"/>
-          </a:effectRef>
-          <a:fontRef idx="minor">
-            <a:schemeClr val="lt1"/>
-          </a:fontRef>
-        </p:style>
-        <p:txBody>
-          <a:bodyPr rtlCol="0" anchor="ctr"/>
-          <a:lstStyle/>
-          <a:p>
-            <a:pPr algn="ctr"/>
-            <a:endParaRPr lang="en-GB"/>
-          </a:p>
-        </p:txBody>
-      </p:sp>
     </p:spTree>
     <p:extLst>
       <p:ext uri="{BB962C8B-B14F-4D97-AF65-F5344CB8AC3E}">
-        <p14:creationId xmlns:p14="http://schemas.microsoft.com/office/powerpoint/2010/main" val="3097844209"/>
+        <p14:creationId xmlns:p14="http://schemas.microsoft.com/office/powerpoint/2010/main" val="2381940551"/>
       </p:ext>
     </p:extLst>
   </p:cSld>
@@ -5796,14 +7018,20 @@
               <a:p>
                 <a:pPr algn="ctr"/>
                 <a:r>
-                  <a:rPr lang="tr-TR" sz="1000">
+                  <a:rPr lang="tr-TR" sz="1000" dirty="0" err="1">
                     <a:solidFill>
                       <a:schemeClr val="tx1"/>
                     </a:solidFill>
                     <a:latin typeface="Consolas" panose="020B0609020204030204" pitchFamily="49" charset="0"/>
                   </a:rPr>
-                  <a:t>setup.yaml</a:t>
+                  <a:t>model.yaml</a:t>
                 </a:r>
+                <a:endParaRPr lang="tr-TR" sz="1000" dirty="0">
+                  <a:solidFill>
+                    <a:schemeClr val="tx1"/>
+                  </a:solidFill>
+                  <a:latin typeface="Consolas" panose="020B0609020204030204" pitchFamily="49" charset="0"/>
+                </a:endParaRPr>
               </a:p>
             </p:txBody>
           </p:sp>
@@ -5857,15 +7085,15 @@
               <a:p>
                 <a:pPr algn="ctr"/>
                 <a:r>
-                  <a:rPr lang="tr-TR" sz="1000">
+                  <a:rPr lang="tr-TR" sz="1000" dirty="0" err="1">
                     <a:solidFill>
                       <a:schemeClr val="tx1"/>
                     </a:solidFill>
                     <a:latin typeface="Consolas" panose="020B0609020204030204" pitchFamily="49" charset="0"/>
                   </a:rPr>
-                  <a:t>model.yaml</a:t>
+                  <a:t>setup.yaml</a:t>
                 </a:r>
-                <a:endParaRPr lang="tr-TR" sz="1050">
+                <a:endParaRPr lang="tr-TR" sz="1000" dirty="0">
                   <a:solidFill>
                     <a:schemeClr val="tx1"/>
                   </a:solidFill>
@@ -6334,7 +7562,7 @@
             <p:spPr>
               <a:xfrm>
                 <a:off x="4106720" y="3574133"/>
-                <a:ext cx="2092239" cy="492443"/>
+                <a:ext cx="2159566" cy="369332"/>
               </a:xfrm>
               <a:prstGeom prst="rect">
                 <a:avLst/>
@@ -6348,24 +7576,43 @@
               <a:lstStyle/>
               <a:p>
                 <a:r>
-                  <a:rPr lang="tr-TR" sz="1000">
+                  <a:rPr lang="tr-TR" sz="1000" dirty="0" err="1">
                     <a:latin typeface="Consolas" panose="020B0609020204030204" pitchFamily="49" charset="0"/>
                   </a:rPr>
-                  <a:t>esm_tools/configs/setups</a:t>
+                  <a:t>esm_tools</a:t>
                 </a:r>
-              </a:p>
-              <a:p>
-                <a:endParaRPr lang="tr-TR" sz="800">
+                <a:r>
+                  <a:rPr lang="tr-TR" sz="1000" dirty="0">
+                    <a:latin typeface="Consolas" panose="020B0609020204030204" pitchFamily="49" charset="0"/>
+                  </a:rPr>
+                  <a:t>/</a:t>
+                </a:r>
+                <a:r>
+                  <a:rPr lang="tr-TR" sz="1000" dirty="0" err="1">
+                    <a:latin typeface="Consolas" panose="020B0609020204030204" pitchFamily="49" charset="0"/>
+                  </a:rPr>
+                  <a:t>configs</a:t>
+                </a:r>
+                <a:r>
+                  <a:rPr lang="tr-TR" sz="1000" dirty="0">
+                    <a:latin typeface="Consolas" panose="020B0609020204030204" pitchFamily="49" charset="0"/>
+                  </a:rPr>
+                  <a:t>/</a:t>
+                </a:r>
+                <a:r>
+                  <a:rPr lang="tr-TR" sz="1000" dirty="0" err="1">
+                    <a:latin typeface="Consolas" panose="020B0609020204030204" pitchFamily="49" charset="0"/>
+                  </a:rPr>
+                  <a:t>components</a:t>
+                </a:r>
+                <a:endParaRPr lang="tr-TR" sz="1000" dirty="0">
                   <a:latin typeface="Consolas" panose="020B0609020204030204" pitchFamily="49" charset="0"/>
                 </a:endParaRPr>
               </a:p>
               <a:p>
-                <a:r>
-                  <a:rPr lang="tr-TR" sz="800">
-                    <a:latin typeface="Consolas" panose="020B0609020204030204" pitchFamily="49" charset="0"/>
-                  </a:rPr>
-                  <a:t>(Note: when using a coupled setup)</a:t>
-                </a:r>
+                <a:endParaRPr lang="tr-TR" sz="800" dirty="0">
+                  <a:latin typeface="Consolas" panose="020B0609020204030204" pitchFamily="49" charset="0"/>
+                </a:endParaRPr>
               </a:p>
             </p:txBody>
           </p:sp>
@@ -6378,7 +7625,7 @@
             <p:spPr>
               <a:xfrm>
                 <a:off x="4106720" y="4576425"/>
-                <a:ext cx="2159566" cy="246221"/>
+                <a:ext cx="2364750" cy="692497"/>
               </a:xfrm>
               <a:prstGeom prst="rect">
                 <a:avLst/>
@@ -6392,11 +7639,116 @@
               <a:lstStyle/>
               <a:p>
                 <a:r>
-                  <a:rPr lang="tr-TR" sz="1000">
+                  <a:rPr lang="tr-TR" sz="1000" dirty="0" err="1">
                     <a:latin typeface="Consolas" panose="020B0609020204030204" pitchFamily="49" charset="0"/>
                   </a:rPr>
-                  <a:t>esm_tools/configs/components</a:t>
+                  <a:t>esm_tools</a:t>
                 </a:r>
+                <a:r>
+                  <a:rPr lang="tr-TR" sz="1000" dirty="0">
+                    <a:latin typeface="Consolas" panose="020B0609020204030204" pitchFamily="49" charset="0"/>
+                  </a:rPr>
+                  <a:t>/</a:t>
+                </a:r>
+                <a:r>
+                  <a:rPr lang="tr-TR" sz="1000" dirty="0" err="1">
+                    <a:latin typeface="Consolas" panose="020B0609020204030204" pitchFamily="49" charset="0"/>
+                  </a:rPr>
+                  <a:t>configs</a:t>
+                </a:r>
+                <a:r>
+                  <a:rPr lang="tr-TR" sz="1000" dirty="0">
+                    <a:latin typeface="Consolas" panose="020B0609020204030204" pitchFamily="49" charset="0"/>
+                  </a:rPr>
+                  <a:t>/</a:t>
+                </a:r>
+                <a:r>
+                  <a:rPr lang="tr-TR" sz="1000" dirty="0" err="1">
+                    <a:latin typeface="Consolas" panose="020B0609020204030204" pitchFamily="49" charset="0"/>
+                  </a:rPr>
+                  <a:t>setup</a:t>
+                </a:r>
+                <a:endParaRPr lang="tr-TR" sz="1000" dirty="0">
+                  <a:latin typeface="Consolas" panose="020B0609020204030204" pitchFamily="49" charset="0"/>
+                </a:endParaRPr>
+              </a:p>
+              <a:p>
+                <a:endParaRPr lang="tr-TR" sz="1000" dirty="0">
+                  <a:latin typeface="Consolas" panose="020B0609020204030204" pitchFamily="49" charset="0"/>
+                </a:endParaRPr>
+              </a:p>
+              <a:p>
+                <a:r>
+                  <a:rPr lang="tr-TR" sz="900" dirty="0">
+                    <a:latin typeface="Consolas" panose="020B0609020204030204" pitchFamily="49" charset="0"/>
+                  </a:rPr>
+                  <a:t>(</a:t>
+                </a:r>
+                <a:r>
+                  <a:rPr lang="tr-TR" sz="900" dirty="0" err="1">
+                    <a:latin typeface="Consolas" panose="020B0609020204030204" pitchFamily="49" charset="0"/>
+                  </a:rPr>
+                  <a:t>Note</a:t>
+                </a:r>
+                <a:r>
+                  <a:rPr lang="tr-TR" sz="900" dirty="0">
+                    <a:latin typeface="Consolas" panose="020B0609020204030204" pitchFamily="49" charset="0"/>
+                  </a:rPr>
+                  <a:t>: </a:t>
+                </a:r>
+                <a:r>
+                  <a:rPr lang="tr-TR" sz="900" dirty="0" err="1">
+                    <a:latin typeface="Consolas" panose="020B0609020204030204" pitchFamily="49" charset="0"/>
+                  </a:rPr>
+                  <a:t>when</a:t>
+                </a:r>
+                <a:r>
+                  <a:rPr lang="tr-TR" sz="900" dirty="0">
+                    <a:latin typeface="Consolas" panose="020B0609020204030204" pitchFamily="49" charset="0"/>
+                  </a:rPr>
+                  <a:t> </a:t>
+                </a:r>
+                <a:r>
+                  <a:rPr lang="tr-TR" sz="900" dirty="0" err="1">
+                    <a:latin typeface="Consolas" panose="020B0609020204030204" pitchFamily="49" charset="0"/>
+                  </a:rPr>
+                  <a:t>using</a:t>
+                </a:r>
+                <a:r>
+                  <a:rPr lang="tr-TR" sz="900" dirty="0">
+                    <a:latin typeface="Consolas" panose="020B0609020204030204" pitchFamily="49" charset="0"/>
+                  </a:rPr>
+                  <a:t> a </a:t>
+                </a:r>
+                <a:r>
+                  <a:rPr lang="tr-TR" sz="900" dirty="0" err="1">
+                    <a:latin typeface="Consolas" panose="020B0609020204030204" pitchFamily="49" charset="0"/>
+                  </a:rPr>
+                  <a:t>coupled</a:t>
+                </a:r>
+                <a:r>
+                  <a:rPr lang="tr-TR" sz="900" dirty="0">
+                    <a:latin typeface="Consolas" panose="020B0609020204030204" pitchFamily="49" charset="0"/>
+                  </a:rPr>
+                  <a:t> </a:t>
+                </a:r>
+                <a:r>
+                  <a:rPr lang="tr-TR" sz="900" dirty="0" err="1">
+                    <a:latin typeface="Consolas" panose="020B0609020204030204" pitchFamily="49" charset="0"/>
+                  </a:rPr>
+                  <a:t>setup</a:t>
+                </a:r>
+                <a:r>
+                  <a:rPr lang="tr-TR" sz="900" dirty="0">
+                    <a:latin typeface="Consolas" panose="020B0609020204030204" pitchFamily="49" charset="0"/>
+                  </a:rPr>
+                  <a:t>)</a:t>
+                </a:r>
+              </a:p>
+              <a:p>
+                <a:endParaRPr lang="tr-TR" sz="1000" dirty="0">
+                  <a:latin typeface="Consolas" panose="020B0609020204030204" pitchFamily="49" charset="0"/>
+                </a:endParaRPr>
               </a:p>
             </p:txBody>
           </p:sp>
@@ -6802,8 +8154,128 @@
               </a:lnSpc>
             </a:pPr>
             <a:r>
-              <a:rPr lang="tr-TR"/>
-              <a:t>YAML files are always inherited from more general to more specific. Last one wins (eg. user runscript).</a:t>
+              <a:rPr lang="tr-TR" dirty="0"/>
+              <a:t>YAML </a:t>
+            </a:r>
+            <a:r>
+              <a:rPr lang="tr-TR" dirty="0" err="1"/>
+              <a:t>files</a:t>
+            </a:r>
+            <a:r>
+              <a:rPr lang="tr-TR" dirty="0"/>
+              <a:t> </a:t>
+            </a:r>
+            <a:r>
+              <a:rPr lang="tr-TR" dirty="0" err="1"/>
+              <a:t>are</a:t>
+            </a:r>
+            <a:r>
+              <a:rPr lang="tr-TR" dirty="0"/>
+              <a:t> </a:t>
+            </a:r>
+            <a:r>
+              <a:rPr lang="tr-TR" dirty="0" err="1"/>
+              <a:t>always</a:t>
+            </a:r>
+            <a:r>
+              <a:rPr lang="tr-TR" dirty="0"/>
+              <a:t> </a:t>
+            </a:r>
+            <a:r>
+              <a:rPr lang="tr-TR" dirty="0" err="1"/>
+              <a:t>inherited</a:t>
+            </a:r>
+            <a:r>
+              <a:rPr lang="tr-TR" dirty="0"/>
+              <a:t> </a:t>
+            </a:r>
+            <a:r>
+              <a:rPr lang="tr-TR" dirty="0" err="1"/>
+              <a:t>from</a:t>
+            </a:r>
+            <a:r>
+              <a:rPr lang="tr-TR" dirty="0"/>
+              <a:t> </a:t>
+            </a:r>
+            <a:r>
+              <a:rPr lang="tr-TR" dirty="0" err="1"/>
+              <a:t>more</a:t>
+            </a:r>
+            <a:r>
+              <a:rPr lang="tr-TR" dirty="0"/>
+              <a:t> general </a:t>
+            </a:r>
+            <a:r>
+              <a:rPr lang="tr-TR" dirty="0" err="1"/>
+              <a:t>to</a:t>
+            </a:r>
+            <a:r>
+              <a:rPr lang="tr-TR" dirty="0"/>
+              <a:t> </a:t>
+            </a:r>
+            <a:r>
+              <a:rPr lang="tr-TR" dirty="0" err="1"/>
+              <a:t>more</a:t>
+            </a:r>
+            <a:r>
+              <a:rPr lang="tr-TR" dirty="0"/>
+              <a:t> </a:t>
+            </a:r>
+            <a:r>
+              <a:rPr lang="tr-TR" dirty="0" err="1"/>
+              <a:t>specific</a:t>
+            </a:r>
+            <a:r>
+              <a:rPr lang="tr-TR" dirty="0"/>
+              <a:t>. </a:t>
+            </a:r>
+            <a:r>
+              <a:rPr lang="tr-TR" dirty="0" err="1"/>
+              <a:t>Last</a:t>
+            </a:r>
+            <a:r>
+              <a:rPr lang="tr-TR" dirty="0"/>
+              <a:t> </a:t>
+            </a:r>
+            <a:r>
+              <a:rPr lang="tr-TR" dirty="0" err="1"/>
+              <a:t>one</a:t>
+            </a:r>
+            <a:r>
+              <a:rPr lang="tr-TR" dirty="0"/>
+              <a:t> </a:t>
+            </a:r>
+            <a:r>
+              <a:rPr lang="tr-TR" dirty="0" err="1"/>
+              <a:t>wins</a:t>
+            </a:r>
+            <a:r>
+              <a:rPr lang="tr-TR" dirty="0"/>
+              <a:t> (</a:t>
+            </a:r>
+            <a:r>
+              <a:rPr lang="tr-TR" dirty="0" err="1"/>
+              <a:t>eg</a:t>
+            </a:r>
+            <a:r>
+              <a:rPr lang="tr-TR" dirty="0"/>
+              <a:t>. </a:t>
+            </a:r>
+            <a:r>
+              <a:rPr lang="tr-TR" dirty="0" err="1"/>
+              <a:t>user</a:t>
+            </a:r>
+            <a:r>
+              <a:rPr lang="tr-TR" dirty="0"/>
+              <a:t> </a:t>
+            </a:r>
+            <a:r>
+              <a:rPr lang="tr-TR" dirty="0" err="1"/>
+              <a:t>runscript</a:t>
+            </a:r>
+            <a:r>
+              <a:rPr lang="tr-TR" dirty="0"/>
+              <a:t>).</a:t>
             </a:r>
           </a:p>
         </p:txBody>
@@ -12388,7 +13860,86 @@
       </p:grpSpPr>
       <p:sp>
         <p:nvSpPr>
-          <p:cNvPr id="2" name="Rectangle 1"/>
+          <p:cNvPr id="14" name="Slide Number Placeholder 4"/>
+          <p:cNvSpPr>
+            <a:spLocks noGrp="1"/>
+          </p:cNvSpPr>
+          <p:nvPr>
+            <p:ph type="sldNum" sz="quarter" idx="12"/>
+          </p:nvPr>
+        </p:nvSpPr>
+        <p:spPr>
+          <a:xfrm>
+            <a:off x="11623040" y="6485550"/>
+            <a:ext cx="568960" cy="372450"/>
+          </a:xfrm>
+          <a:solidFill>
+            <a:schemeClr val="bg2"/>
+          </a:solidFill>
+        </p:spPr>
+        <p:txBody>
+          <a:bodyPr/>
+          <a:lstStyle/>
+          <a:p>
+            <a:pPr algn="ctr"/>
+            <a:r>
+              <a:rPr lang="tr-TR" sz="1000" dirty="0"/>
+              <a:t>08 / 12</a:t>
+            </a:r>
+          </a:p>
+        </p:txBody>
+      </p:sp>
+      <p:pic>
+        <p:nvPicPr>
+          <p:cNvPr id="1026" name="Picture 2" descr="ESM-Tools configuration files hierarchy"/>
+          <p:cNvPicPr>
+            <a:picLocks noChangeAspect="1" noChangeArrowheads="1"/>
+          </p:cNvPicPr>
+          <p:nvPr/>
+        </p:nvPicPr>
+        <p:blipFill>
+          <a:blip r:embed="rId2">
+            <a:extLst>
+              <a:ext uri="{28A0092B-C50C-407E-A947-70E740481C1C}">
+                <a14:useLocalDpi xmlns:a14="http://schemas.microsoft.com/office/drawing/2010/main" val="0"/>
+              </a:ext>
+            </a:extLst>
+          </a:blip>
+          <a:srcRect/>
+          <a:stretch>
+            <a:fillRect/>
+          </a:stretch>
+        </p:blipFill>
+        <p:spPr bwMode="auto">
+          <a:xfrm>
+            <a:off x="8975164" y="1962646"/>
+            <a:ext cx="3026582" cy="4007612"/>
+          </a:xfrm>
+          <a:prstGeom prst="rect">
+            <a:avLst/>
+          </a:prstGeom>
+          <a:noFill/>
+          <a:ln>
+            <a:solidFill>
+              <a:schemeClr val="bg2">
+                <a:lumMod val="75000"/>
+              </a:schemeClr>
+            </a:solidFill>
+          </a:ln>
+          <a:extLst>
+            <a:ext uri="{909E8E84-426E-40DD-AFC4-6F175D3DCCD1}">
+              <a14:hiddenFill xmlns:a14="http://schemas.microsoft.com/office/drawing/2010/main">
+                <a:solidFill>
+                  <a:srgbClr val="FFFFFF"/>
+                </a:solidFill>
+              </a14:hiddenFill>
+            </a:ext>
+          </a:extLst>
+        </p:spPr>
+      </p:pic>
+      <p:sp>
+        <p:nvSpPr>
+          <p:cNvPr id="35" name="Rectangle 34"/>
           <p:cNvSpPr/>
           <p:nvPr/>
         </p:nvSpPr>
@@ -12428,1682 +13979,31 @@
           <a:lstStyle/>
           <a:p>
             <a:r>
-              <a:rPr lang="en-GB" sz="4800" b="1" dirty="0"/>
-              <a:t>      Terminology – compilation scripts</a:t>
+              <a:rPr lang="tr-TR" sz="4800" b="1" dirty="0"/>
+              <a:t>      </a:t>
+            </a:r>
+            <a:r>
+              <a:rPr lang="tr-TR" sz="4800" b="1" dirty="0" err="1"/>
+              <a:t>Terminology</a:t>
+            </a:r>
+            <a:r>
+              <a:rPr lang="tr-TR" sz="4800" b="1" dirty="0"/>
+              <a:t> – </a:t>
+            </a:r>
+            <a:r>
+              <a:rPr lang="tr-TR" sz="4800" b="1" dirty="0" err="1"/>
+              <a:t>finished_config</a:t>
+            </a:r>
+            <a:r>
+              <a:rPr lang="tr-TR" sz="4800" b="1" dirty="0"/>
+              <a:t> file</a:t>
             </a:r>
           </a:p>
         </p:txBody>
       </p:sp>
       <p:sp>
         <p:nvSpPr>
-          <p:cNvPr id="7" name="Isosceles Triangle 6"/>
-          <p:cNvSpPr/>
-          <p:nvPr/>
-        </p:nvSpPr>
-        <p:spPr>
-          <a:xfrm rot="5400000">
-            <a:off x="352062" y="1593637"/>
-            <a:ext cx="326888" cy="280205"/>
-          </a:xfrm>
-          <a:prstGeom prst="triangle">
-            <a:avLst/>
-          </a:prstGeom>
-          <a:solidFill>
-            <a:srgbClr val="00ACE6"/>
-          </a:solidFill>
-          <a:ln>
-            <a:noFill/>
-          </a:ln>
-        </p:spPr>
-        <p:style>
-          <a:lnRef idx="2">
-            <a:schemeClr val="accent1">
-              <a:shade val="50000"/>
-            </a:schemeClr>
-          </a:lnRef>
-          <a:fillRef idx="1">
-            <a:schemeClr val="accent1"/>
-          </a:fillRef>
-          <a:effectRef idx="0">
-            <a:schemeClr val="accent1"/>
-          </a:effectRef>
-          <a:fontRef idx="minor">
-            <a:schemeClr val="lt1"/>
-          </a:fontRef>
-        </p:style>
-        <p:txBody>
-          <a:bodyPr rtlCol="0" anchor="ctr"/>
-          <a:lstStyle/>
-          <a:p>
-            <a:pPr algn="ctr"/>
-            <a:endParaRPr lang="en-GB"/>
-          </a:p>
-        </p:txBody>
-      </p:sp>
-      <p:sp>
-        <p:nvSpPr>
-          <p:cNvPr id="14" name="TextBox 13"/>
-          <p:cNvSpPr txBox="1"/>
-          <p:nvPr/>
-        </p:nvSpPr>
-        <p:spPr>
-          <a:xfrm>
-            <a:off x="799755" y="1467813"/>
-            <a:ext cx="4451267" cy="4247317"/>
-          </a:xfrm>
-          <a:prstGeom prst="rect">
-            <a:avLst/>
-          </a:prstGeom>
-          <a:noFill/>
-        </p:spPr>
-        <p:txBody>
-          <a:bodyPr wrap="square" rtlCol="0">
-            <a:spAutoFit/>
-          </a:bodyPr>
-          <a:lstStyle/>
-          <a:p>
-            <a:pPr algn="just"/>
-            <a:r>
-              <a:rPr lang="en-GB" dirty="0"/>
-              <a:t>For each component that</a:t>
-            </a:r>
-            <a:r>
-              <a:rPr lang="tr-TR" dirty="0"/>
-              <a:t> </a:t>
-            </a:r>
-            <a:r>
-              <a:rPr lang="en-GB" b="1" dirty="0" err="1">
-                <a:solidFill>
-                  <a:srgbClr val="ED7D31"/>
-                </a:solidFill>
-              </a:rPr>
-              <a:t>esm_master</a:t>
-            </a:r>
-            <a:r>
-              <a:rPr lang="en-GB" b="1" dirty="0">
-                <a:solidFill>
-                  <a:srgbClr val="ED7D31"/>
-                </a:solidFill>
-              </a:rPr>
-              <a:t> </a:t>
-            </a:r>
-            <a:r>
-              <a:rPr lang="en-GB" dirty="0"/>
-              <a:t>builds, it produces a</a:t>
-            </a:r>
-            <a:r>
-              <a:rPr lang="tr-TR" dirty="0"/>
-              <a:t> </a:t>
-            </a:r>
-            <a:r>
-              <a:rPr lang="en-GB" dirty="0"/>
-              <a:t>compilation script </a:t>
-            </a:r>
-            <a:r>
-              <a:rPr lang="en-GB" b="1" dirty="0">
-                <a:solidFill>
-                  <a:schemeClr val="accent2"/>
-                </a:solidFill>
-              </a:rPr>
-              <a:t>comp-*.</a:t>
-            </a:r>
-            <a:r>
-              <a:rPr lang="en-GB" b="1" dirty="0" err="1">
-                <a:solidFill>
-                  <a:schemeClr val="accent2"/>
-                </a:solidFill>
-              </a:rPr>
-              <a:t>sh</a:t>
-            </a:r>
-            <a:r>
-              <a:rPr lang="en-GB" b="1" dirty="0"/>
-              <a:t> </a:t>
-            </a:r>
-            <a:r>
-              <a:rPr lang="en-GB" dirty="0"/>
-              <a:t> that</a:t>
-            </a:r>
-            <a:r>
-              <a:rPr lang="tr-TR" dirty="0"/>
-              <a:t> </a:t>
-            </a:r>
-            <a:r>
-              <a:rPr lang="en-GB" dirty="0"/>
-              <a:t>includes the environment specified</a:t>
-            </a:r>
-            <a:r>
-              <a:rPr lang="tr-TR" dirty="0"/>
-              <a:t> </a:t>
-            </a:r>
-            <a:r>
-              <a:rPr lang="en-GB" dirty="0"/>
-              <a:t>in the configuration file</a:t>
-            </a:r>
-            <a:r>
-              <a:rPr lang="tr-TR" dirty="0"/>
-              <a:t>s (</a:t>
-            </a:r>
-            <a:r>
-              <a:rPr lang="en-GB" dirty="0">
-                <a:solidFill>
-                  <a:schemeClr val="accent2"/>
-                </a:solidFill>
-              </a:rPr>
-              <a:t>machine</a:t>
-            </a:r>
-            <a:r>
-              <a:rPr lang="tr-TR" dirty="0">
-                <a:solidFill>
-                  <a:schemeClr val="accent2"/>
-                </a:solidFill>
-              </a:rPr>
-              <a:t> </a:t>
-            </a:r>
-            <a:r>
-              <a:rPr lang="en-GB" dirty="0"/>
-              <a:t>+ </a:t>
-            </a:r>
-            <a:r>
-              <a:rPr lang="en-GB" dirty="0">
-                <a:solidFill>
-                  <a:schemeClr val="accent2"/>
-                </a:solidFill>
-              </a:rPr>
-              <a:t>components</a:t>
-            </a:r>
-            <a:r>
-              <a:rPr lang="tr-TR" dirty="0"/>
-              <a:t> </a:t>
-            </a:r>
-            <a:r>
-              <a:rPr lang="en-GB" dirty="0"/>
-              <a:t>+ </a:t>
-            </a:r>
-            <a:r>
-              <a:rPr lang="en-GB" dirty="0">
-                <a:solidFill>
-                  <a:schemeClr val="accent2"/>
-                </a:solidFill>
-              </a:rPr>
-              <a:t>setups</a:t>
-            </a:r>
-            <a:r>
-              <a:rPr lang="en-GB" dirty="0"/>
-              <a:t>) files</a:t>
-            </a:r>
-            <a:r>
-              <a:rPr lang="tr-TR" dirty="0"/>
-              <a:t> </a:t>
-            </a:r>
-            <a:r>
-              <a:rPr lang="en-GB" dirty="0"/>
-              <a:t>involved</a:t>
-            </a:r>
-          </a:p>
-          <a:p>
-            <a:pPr algn="just"/>
-            <a:endParaRPr lang="en-GB" b="1" dirty="0">
-              <a:solidFill>
-                <a:srgbClr val="ED7D31"/>
-              </a:solidFill>
-            </a:endParaRPr>
-          </a:p>
-          <a:p>
-            <a:pPr algn="just"/>
-            <a:r>
-              <a:rPr lang="en-GB" dirty="0"/>
-              <a:t>Written in the same directory where</a:t>
-            </a:r>
-            <a:r>
-              <a:rPr lang="tr-TR" dirty="0"/>
-              <a:t> </a:t>
-            </a:r>
-            <a:r>
-              <a:rPr lang="en-GB" dirty="0"/>
-              <a:t>you execute </a:t>
-            </a:r>
-            <a:r>
-              <a:rPr lang="en-GB" b="1" dirty="0" err="1">
-                <a:solidFill>
-                  <a:srgbClr val="ED7D31"/>
-                </a:solidFill>
-              </a:rPr>
-              <a:t>esm_master</a:t>
-            </a:r>
-            <a:endParaRPr lang="en-GB" b="1" dirty="0">
-              <a:solidFill>
-                <a:srgbClr val="ED7D31"/>
-              </a:solidFill>
-            </a:endParaRPr>
-          </a:p>
-          <a:p>
-            <a:pPr algn="just"/>
-            <a:endParaRPr lang="en-GB" dirty="0"/>
-          </a:p>
-          <a:p>
-            <a:pPr algn="just"/>
-            <a:r>
-              <a:rPr lang="en-GB" dirty="0"/>
-              <a:t>Copied to the compilation folder</a:t>
-            </a:r>
-            <a:r>
-              <a:rPr lang="tr-TR" dirty="0"/>
-              <a:t> a</a:t>
-            </a:r>
-            <a:r>
-              <a:rPr lang="en-GB" dirty="0" err="1"/>
-              <a:t>fter</a:t>
-            </a:r>
-            <a:r>
-              <a:rPr lang="en-GB" dirty="0"/>
-              <a:t> the building finishes</a:t>
-            </a:r>
-          </a:p>
-          <a:p>
-            <a:endParaRPr lang="en-GB" sz="2400" b="1" dirty="0">
-              <a:solidFill>
-                <a:srgbClr val="31ACE6"/>
-              </a:solidFill>
-            </a:endParaRPr>
-          </a:p>
-          <a:p>
-            <a:endParaRPr lang="en-GB" sz="2400" b="1" dirty="0"/>
-          </a:p>
-          <a:p>
-            <a:endParaRPr lang="en-GB" sz="2400" dirty="0"/>
-          </a:p>
-        </p:txBody>
-      </p:sp>
-      <p:sp>
-        <p:nvSpPr>
-          <p:cNvPr id="5" name="Isosceles Triangle 6">
-            <a:extLst>
-              <a:ext uri="{FF2B5EF4-FFF2-40B4-BE49-F238E27FC236}">
-                <a16:creationId xmlns:a16="http://schemas.microsoft.com/office/drawing/2014/main" id="{CD2CD3CC-2F64-116F-334E-721E5A410F54}"/>
-              </a:ext>
-            </a:extLst>
-          </p:cNvPr>
-          <p:cNvSpPr/>
-          <p:nvPr/>
-        </p:nvSpPr>
-        <p:spPr>
-          <a:xfrm rot="5400000">
-            <a:off x="352062" y="3219521"/>
-            <a:ext cx="326888" cy="280205"/>
-          </a:xfrm>
-          <a:prstGeom prst="triangle">
-            <a:avLst/>
-          </a:prstGeom>
-          <a:solidFill>
-            <a:srgbClr val="00ACE6"/>
-          </a:solidFill>
-          <a:ln>
-            <a:noFill/>
-          </a:ln>
-        </p:spPr>
-        <p:style>
-          <a:lnRef idx="2">
-            <a:schemeClr val="accent1">
-              <a:shade val="50000"/>
-            </a:schemeClr>
-          </a:lnRef>
-          <a:fillRef idx="1">
-            <a:schemeClr val="accent1"/>
-          </a:fillRef>
-          <a:effectRef idx="0">
-            <a:schemeClr val="accent1"/>
-          </a:effectRef>
-          <a:fontRef idx="minor">
-            <a:schemeClr val="lt1"/>
-          </a:fontRef>
-        </p:style>
-        <p:txBody>
-          <a:bodyPr rtlCol="0" anchor="ctr"/>
-          <a:lstStyle/>
-          <a:p>
-            <a:pPr algn="ctr"/>
-            <a:endParaRPr lang="en-GB"/>
-          </a:p>
-        </p:txBody>
-      </p:sp>
-      <p:sp>
-        <p:nvSpPr>
-          <p:cNvPr id="6" name="Isosceles Triangle 6">
-            <a:extLst>
-              <a:ext uri="{FF2B5EF4-FFF2-40B4-BE49-F238E27FC236}">
-                <a16:creationId xmlns:a16="http://schemas.microsoft.com/office/drawing/2014/main" id="{BDCF8FD7-263A-3976-D6FC-9BD4605F56D3}"/>
-              </a:ext>
-            </a:extLst>
-          </p:cNvPr>
-          <p:cNvSpPr/>
-          <p:nvPr/>
-        </p:nvSpPr>
-        <p:spPr>
-          <a:xfrm rot="5400000">
-            <a:off x="352061" y="4035542"/>
-            <a:ext cx="326888" cy="280205"/>
-          </a:xfrm>
-          <a:prstGeom prst="triangle">
-            <a:avLst/>
-          </a:prstGeom>
-          <a:solidFill>
-            <a:srgbClr val="00ACE6"/>
-          </a:solidFill>
-          <a:ln>
-            <a:noFill/>
-          </a:ln>
-        </p:spPr>
-        <p:style>
-          <a:lnRef idx="2">
-            <a:schemeClr val="accent1">
-              <a:shade val="50000"/>
-            </a:schemeClr>
-          </a:lnRef>
-          <a:fillRef idx="1">
-            <a:schemeClr val="accent1"/>
-          </a:fillRef>
-          <a:effectRef idx="0">
-            <a:schemeClr val="accent1"/>
-          </a:effectRef>
-          <a:fontRef idx="minor">
-            <a:schemeClr val="lt1"/>
-          </a:fontRef>
-        </p:style>
-        <p:txBody>
-          <a:bodyPr rtlCol="0" anchor="ctr"/>
-          <a:lstStyle/>
-          <a:p>
-            <a:pPr algn="ctr"/>
-            <a:endParaRPr lang="en-GB"/>
-          </a:p>
-        </p:txBody>
-      </p:sp>
-      <p:sp>
-        <p:nvSpPr>
-          <p:cNvPr id="3" name="Rectangle 2">
-            <a:extLst>
-              <a:ext uri="{FF2B5EF4-FFF2-40B4-BE49-F238E27FC236}">
-                <a16:creationId xmlns:a16="http://schemas.microsoft.com/office/drawing/2014/main" id="{F08E39CC-E18B-375B-D343-E75E5F11D364}"/>
-              </a:ext>
-            </a:extLst>
-          </p:cNvPr>
-          <p:cNvSpPr/>
-          <p:nvPr/>
-        </p:nvSpPr>
-        <p:spPr>
-          <a:xfrm>
-            <a:off x="5395168" y="1467813"/>
-            <a:ext cx="6718158" cy="5001369"/>
-          </a:xfrm>
-          <a:prstGeom prst="rect">
-            <a:avLst/>
-          </a:prstGeom>
-          <a:solidFill>
-            <a:schemeClr val="bg1">
-              <a:lumMod val="95000"/>
-            </a:schemeClr>
-          </a:solidFill>
-          <a:ln w="12700">
-            <a:noFill/>
-          </a:ln>
-        </p:spPr>
-        <p:txBody>
-          <a:bodyPr wrap="square">
-            <a:spAutoFit/>
-          </a:bodyPr>
-          <a:lstStyle/>
-          <a:p>
-            <a:r>
-              <a:rPr lang="en-GB" sz="1100" i="1" dirty="0">
-                <a:solidFill>
-                  <a:srgbClr val="535353"/>
-                </a:solidFill>
-                <a:latin typeface="Consolas" panose="020B0609020204030204" pitchFamily="49" charset="0"/>
-              </a:rPr>
-              <a:t>#!/bin/bash –l</a:t>
-            </a:r>
-          </a:p>
-          <a:p>
-            <a:r>
-              <a:rPr lang="en-GB" sz="1100" i="1" dirty="0">
-                <a:solidFill>
-                  <a:srgbClr val="535353"/>
-                </a:solidFill>
-                <a:latin typeface="Consolas" panose="020B0609020204030204" pitchFamily="49" charset="0"/>
-              </a:rPr>
-              <a:t># Dummy script generated by </a:t>
-            </a:r>
-            <a:r>
-              <a:rPr lang="en-GB" sz="1100" i="1" dirty="0" err="1">
-                <a:solidFill>
-                  <a:srgbClr val="535353"/>
-                </a:solidFill>
-                <a:latin typeface="Consolas" panose="020B0609020204030204" pitchFamily="49" charset="0"/>
-              </a:rPr>
-              <a:t>esm</a:t>
-            </a:r>
-            <a:r>
-              <a:rPr lang="en-GB" sz="1100" i="1" dirty="0">
-                <a:solidFill>
-                  <a:srgbClr val="535353"/>
-                </a:solidFill>
-                <a:latin typeface="Consolas" panose="020B0609020204030204" pitchFamily="49" charset="0"/>
-              </a:rPr>
-              <a:t>-tools, to be removed later:</a:t>
-            </a:r>
-          </a:p>
-          <a:p>
-            <a:r>
-              <a:rPr lang="en-GB" sz="1100" b="1" dirty="0">
-                <a:solidFill>
-                  <a:srgbClr val="000000"/>
-                </a:solidFill>
-                <a:latin typeface="Consolas" panose="020B0609020204030204" pitchFamily="49" charset="0"/>
-              </a:rPr>
-              <a:t>set</a:t>
-            </a:r>
-            <a:r>
-              <a:rPr lang="en-GB" sz="1100" dirty="0">
-                <a:solidFill>
-                  <a:srgbClr val="000000"/>
-                </a:solidFill>
-                <a:latin typeface="Consolas" panose="020B0609020204030204" pitchFamily="49" charset="0"/>
-              </a:rPr>
-              <a:t> </a:t>
-            </a:r>
-            <a:r>
-              <a:rPr lang="en-GB" sz="1100" dirty="0">
-                <a:solidFill>
-                  <a:srgbClr val="520026"/>
-                </a:solidFill>
-                <a:latin typeface="Consolas" panose="020B0609020204030204" pitchFamily="49" charset="0"/>
-              </a:rPr>
-              <a:t>–e</a:t>
-            </a:r>
-          </a:p>
-          <a:p>
-            <a:r>
-              <a:rPr lang="en-GB" sz="1100" dirty="0">
-                <a:solidFill>
-                  <a:srgbClr val="000000"/>
-                </a:solidFill>
-                <a:latin typeface="Consolas" panose="020B0609020204030204" pitchFamily="49" charset="0"/>
-              </a:rPr>
-              <a:t>module purge</a:t>
-            </a:r>
-          </a:p>
-          <a:p>
-            <a:r>
-              <a:rPr lang="en-GB" sz="1100" dirty="0">
-                <a:solidFill>
-                  <a:srgbClr val="000000"/>
-                </a:solidFill>
-                <a:latin typeface="Consolas" panose="020B0609020204030204" pitchFamily="49" charset="0"/>
-              </a:rPr>
-              <a:t>module unload </a:t>
-            </a:r>
-            <a:r>
-              <a:rPr lang="en-GB" sz="1100" dirty="0" err="1">
-                <a:solidFill>
-                  <a:srgbClr val="000000"/>
-                </a:solidFill>
-                <a:latin typeface="Consolas" panose="020B0609020204030204" pitchFamily="49" charset="0"/>
-              </a:rPr>
-              <a:t>netcdf_c</a:t>
-            </a:r>
-            <a:endParaRPr lang="en-GB" sz="1100" dirty="0">
-              <a:solidFill>
-                <a:srgbClr val="000000"/>
-              </a:solidFill>
-              <a:latin typeface="Consolas" panose="020B0609020204030204" pitchFamily="49" charset="0"/>
-            </a:endParaRPr>
-          </a:p>
-          <a:p>
-            <a:r>
-              <a:rPr lang="en-GB" sz="1100" dirty="0">
-                <a:solidFill>
-                  <a:srgbClr val="000000"/>
-                </a:solidFill>
-                <a:latin typeface="Consolas" panose="020B0609020204030204" pitchFamily="49" charset="0"/>
-              </a:rPr>
-              <a:t>module unload intel </a:t>
-            </a:r>
-            <a:r>
-              <a:rPr lang="en-GB" sz="1100" dirty="0" err="1">
-                <a:solidFill>
-                  <a:srgbClr val="000000"/>
-                </a:solidFill>
-                <a:latin typeface="Consolas" panose="020B0609020204030204" pitchFamily="49" charset="0"/>
-              </a:rPr>
-              <a:t>intelmpi</a:t>
-            </a:r>
-            <a:endParaRPr lang="en-GB" sz="1100" dirty="0">
-              <a:solidFill>
-                <a:srgbClr val="000000"/>
-              </a:solidFill>
-              <a:latin typeface="Consolas" panose="020B0609020204030204" pitchFamily="49" charset="0"/>
-            </a:endParaRPr>
-          </a:p>
-          <a:p>
-            <a:r>
-              <a:rPr lang="en-GB" sz="1100" dirty="0">
-                <a:solidFill>
-                  <a:srgbClr val="000000"/>
-                </a:solidFill>
-                <a:latin typeface="Consolas" panose="020B0609020204030204" pitchFamily="49" charset="0"/>
-              </a:rPr>
-              <a:t>module load python3</a:t>
-            </a:r>
-            <a:r>
-              <a:rPr lang="en-GB" sz="1100" b="1" dirty="0">
-                <a:solidFill>
-                  <a:srgbClr val="000000"/>
-                </a:solidFill>
-                <a:latin typeface="Consolas" panose="020B0609020204030204" pitchFamily="49" charset="0"/>
-              </a:rPr>
-              <a:t>/</a:t>
-            </a:r>
-            <a:r>
-              <a:rPr lang="en-GB" sz="1100" dirty="0">
-                <a:solidFill>
-                  <a:srgbClr val="000000"/>
-                </a:solidFill>
-                <a:latin typeface="Consolas" panose="020B0609020204030204" pitchFamily="49" charset="0"/>
-              </a:rPr>
-              <a:t>2021.01-gcc-9.1.0</a:t>
-            </a:r>
-          </a:p>
-          <a:p>
-            <a:r>
-              <a:rPr lang="en-GB" sz="1100" dirty="0">
-                <a:solidFill>
-                  <a:srgbClr val="000000"/>
-                </a:solidFill>
-                <a:latin typeface="Consolas" panose="020B0609020204030204" pitchFamily="49" charset="0"/>
-              </a:rPr>
-              <a:t>module load </a:t>
-            </a:r>
-            <a:r>
-              <a:rPr lang="en-GB" sz="1100" dirty="0" err="1">
-                <a:solidFill>
-                  <a:srgbClr val="000000"/>
-                </a:solidFill>
-                <a:latin typeface="Consolas" panose="020B0609020204030204" pitchFamily="49" charset="0"/>
-              </a:rPr>
-              <a:t>cmake</a:t>
-            </a:r>
-            <a:r>
-              <a:rPr lang="en-GB" sz="1100" b="1" dirty="0">
-                <a:solidFill>
-                  <a:srgbClr val="000000"/>
-                </a:solidFill>
-                <a:latin typeface="Consolas" panose="020B0609020204030204" pitchFamily="49" charset="0"/>
-              </a:rPr>
-              <a:t>/</a:t>
-            </a:r>
-            <a:r>
-              <a:rPr lang="en-GB" sz="1100" dirty="0">
-                <a:solidFill>
-                  <a:srgbClr val="000000"/>
-                </a:solidFill>
-                <a:latin typeface="Consolas" panose="020B0609020204030204" pitchFamily="49" charset="0"/>
-              </a:rPr>
-              <a:t>3.13.3</a:t>
-            </a:r>
-          </a:p>
-          <a:p>
-            <a:r>
-              <a:rPr lang="en-GB" sz="1100" dirty="0">
-                <a:solidFill>
-                  <a:srgbClr val="000000"/>
-                </a:solidFill>
-                <a:latin typeface="Consolas" panose="020B0609020204030204" pitchFamily="49" charset="0"/>
-              </a:rPr>
-              <a:t>module load </a:t>
-            </a:r>
-            <a:r>
-              <a:rPr lang="en-GB" sz="1100" dirty="0" err="1">
-                <a:solidFill>
-                  <a:srgbClr val="000000"/>
-                </a:solidFill>
-                <a:latin typeface="Consolas" panose="020B0609020204030204" pitchFamily="49" charset="0"/>
-              </a:rPr>
-              <a:t>autoconf</a:t>
-            </a:r>
-            <a:r>
-              <a:rPr lang="en-GB" sz="1100" b="1" dirty="0">
-                <a:solidFill>
-                  <a:srgbClr val="000000"/>
-                </a:solidFill>
-                <a:latin typeface="Consolas" panose="020B0609020204030204" pitchFamily="49" charset="0"/>
-              </a:rPr>
-              <a:t>/</a:t>
-            </a:r>
-            <a:r>
-              <a:rPr lang="en-GB" sz="1100" dirty="0">
-                <a:solidFill>
-                  <a:srgbClr val="000000"/>
-                </a:solidFill>
-                <a:latin typeface="Consolas" panose="020B0609020204030204" pitchFamily="49" charset="0"/>
-              </a:rPr>
-              <a:t>2.69</a:t>
-            </a:r>
-          </a:p>
-          <a:p>
-            <a:r>
-              <a:rPr lang="en-GB" sz="1100" dirty="0">
-                <a:solidFill>
-                  <a:srgbClr val="000000"/>
-                </a:solidFill>
-                <a:latin typeface="Consolas" panose="020B0609020204030204" pitchFamily="49" charset="0"/>
-              </a:rPr>
-              <a:t>module load </a:t>
-            </a:r>
-            <a:r>
-              <a:rPr lang="en-GB" sz="1100" dirty="0" err="1">
-                <a:solidFill>
-                  <a:srgbClr val="000000"/>
-                </a:solidFill>
-                <a:latin typeface="Consolas" panose="020B0609020204030204" pitchFamily="49" charset="0"/>
-              </a:rPr>
-              <a:t>nco</a:t>
-            </a:r>
-            <a:r>
-              <a:rPr lang="en-GB" sz="1100" dirty="0">
-                <a:solidFill>
-                  <a:srgbClr val="000000"/>
-                </a:solidFill>
-                <a:latin typeface="Consolas" panose="020B0609020204030204" pitchFamily="49" charset="0"/>
-              </a:rPr>
-              <a:t> </a:t>
-            </a:r>
-          </a:p>
-          <a:p>
-            <a:r>
-              <a:rPr lang="en-GB" sz="1100" dirty="0">
-                <a:solidFill>
-                  <a:srgbClr val="000000"/>
-                </a:solidFill>
-                <a:latin typeface="Consolas" panose="020B0609020204030204" pitchFamily="49" charset="0"/>
-              </a:rPr>
-              <a:t>module load </a:t>
-            </a:r>
-            <a:r>
-              <a:rPr lang="en-GB" sz="1100" dirty="0" err="1">
-                <a:solidFill>
-                  <a:srgbClr val="000000"/>
-                </a:solidFill>
-                <a:latin typeface="Consolas" panose="020B0609020204030204" pitchFamily="49" charset="0"/>
-              </a:rPr>
-              <a:t>cdo</a:t>
-            </a:r>
-            <a:r>
-              <a:rPr lang="en-GB" sz="1100" dirty="0">
-                <a:solidFill>
-                  <a:srgbClr val="000000"/>
-                </a:solidFill>
-                <a:latin typeface="Consolas" panose="020B0609020204030204" pitchFamily="49" charset="0"/>
-              </a:rPr>
-              <a:t> </a:t>
-            </a:r>
-          </a:p>
-          <a:p>
-            <a:r>
-              <a:rPr lang="en-GB" sz="1100" dirty="0">
-                <a:solidFill>
-                  <a:srgbClr val="000000"/>
-                </a:solidFill>
-                <a:latin typeface="Consolas" panose="020B0609020204030204" pitchFamily="49" charset="0"/>
-              </a:rPr>
-              <a:t>module load </a:t>
-            </a:r>
-            <a:r>
-              <a:rPr lang="en-GB" sz="1100" dirty="0" err="1">
-                <a:solidFill>
-                  <a:srgbClr val="000000"/>
-                </a:solidFill>
-                <a:latin typeface="Consolas" panose="020B0609020204030204" pitchFamily="49" charset="0"/>
-              </a:rPr>
-              <a:t>gcc</a:t>
-            </a:r>
-            <a:r>
-              <a:rPr lang="en-GB" sz="1100" b="1" dirty="0">
-                <a:solidFill>
-                  <a:srgbClr val="000000"/>
-                </a:solidFill>
-                <a:latin typeface="Consolas" panose="020B0609020204030204" pitchFamily="49" charset="0"/>
-              </a:rPr>
-              <a:t>/</a:t>
-            </a:r>
-            <a:r>
-              <a:rPr lang="en-GB" sz="1100" dirty="0">
-                <a:solidFill>
-                  <a:srgbClr val="000000"/>
-                </a:solidFill>
-                <a:latin typeface="Consolas" panose="020B0609020204030204" pitchFamily="49" charset="0"/>
-              </a:rPr>
-              <a:t>4.8.2</a:t>
-            </a:r>
-          </a:p>
-          <a:p>
-            <a:r>
-              <a:rPr lang="en-GB" sz="1100" dirty="0">
-                <a:solidFill>
-                  <a:srgbClr val="000000"/>
-                </a:solidFill>
-                <a:latin typeface="Consolas" panose="020B0609020204030204" pitchFamily="49" charset="0"/>
-              </a:rPr>
-              <a:t>module unload intel </a:t>
-            </a:r>
-            <a:r>
-              <a:rPr lang="en-GB" sz="1100" dirty="0" err="1">
-                <a:solidFill>
-                  <a:srgbClr val="000000"/>
-                </a:solidFill>
-                <a:latin typeface="Consolas" panose="020B0609020204030204" pitchFamily="49" charset="0"/>
-              </a:rPr>
-              <a:t>intelmpi</a:t>
-            </a:r>
-            <a:endParaRPr lang="en-GB" sz="1100" dirty="0">
-              <a:solidFill>
-                <a:srgbClr val="000000"/>
-              </a:solidFill>
-              <a:latin typeface="Consolas" panose="020B0609020204030204" pitchFamily="49" charset="0"/>
-            </a:endParaRPr>
-          </a:p>
-          <a:p>
-            <a:r>
-              <a:rPr lang="en-GB" sz="1100" dirty="0">
-                <a:solidFill>
-                  <a:srgbClr val="000000"/>
-                </a:solidFill>
-                <a:latin typeface="Consolas" panose="020B0609020204030204" pitchFamily="49" charset="0"/>
-              </a:rPr>
-              <a:t>module load intel</a:t>
-            </a:r>
-            <a:r>
-              <a:rPr lang="en-GB" sz="1100" b="1" dirty="0">
-                <a:solidFill>
-                  <a:srgbClr val="000000"/>
-                </a:solidFill>
-                <a:latin typeface="Consolas" panose="020B0609020204030204" pitchFamily="49" charset="0"/>
-              </a:rPr>
-              <a:t>/</a:t>
-            </a:r>
-            <a:r>
-              <a:rPr lang="en-GB" sz="1100" dirty="0">
-                <a:solidFill>
-                  <a:srgbClr val="000000"/>
-                </a:solidFill>
-                <a:latin typeface="Consolas" panose="020B0609020204030204" pitchFamily="49" charset="0"/>
-              </a:rPr>
-              <a:t>18.0.4 </a:t>
-            </a:r>
-            <a:r>
-              <a:rPr lang="en-GB" sz="1100" dirty="0" err="1">
-                <a:solidFill>
-                  <a:srgbClr val="000000"/>
-                </a:solidFill>
-                <a:latin typeface="Consolas" panose="020B0609020204030204" pitchFamily="49" charset="0"/>
-              </a:rPr>
-              <a:t>intelmpi</a:t>
-            </a:r>
-            <a:r>
-              <a:rPr lang="en-GB" sz="1100" b="1" dirty="0">
-                <a:solidFill>
-                  <a:srgbClr val="000000"/>
-                </a:solidFill>
-                <a:latin typeface="Consolas" panose="020B0609020204030204" pitchFamily="49" charset="0"/>
-              </a:rPr>
-              <a:t>/</a:t>
-            </a:r>
-            <a:r>
-              <a:rPr lang="en-GB" sz="1100" dirty="0">
-                <a:solidFill>
-                  <a:srgbClr val="000000"/>
-                </a:solidFill>
-                <a:latin typeface="Consolas" panose="020B0609020204030204" pitchFamily="49" charset="0"/>
-              </a:rPr>
-              <a:t>2018.5.288</a:t>
-            </a:r>
-          </a:p>
-          <a:p>
-            <a:r>
-              <a:rPr lang="en-GB" sz="1100" dirty="0">
-                <a:solidFill>
-                  <a:srgbClr val="000000"/>
-                </a:solidFill>
-                <a:latin typeface="Consolas" panose="020B0609020204030204" pitchFamily="49" charset="0"/>
-              </a:rPr>
-              <a:t>module load </a:t>
-            </a:r>
-            <a:r>
-              <a:rPr lang="en-GB" sz="1100" dirty="0" err="1">
-                <a:solidFill>
-                  <a:srgbClr val="000000"/>
-                </a:solidFill>
-                <a:latin typeface="Consolas" panose="020B0609020204030204" pitchFamily="49" charset="0"/>
-              </a:rPr>
-              <a:t>libtool</a:t>
-            </a:r>
-            <a:r>
-              <a:rPr lang="en-GB" sz="1100" b="1" dirty="0">
-                <a:solidFill>
-                  <a:srgbClr val="000000"/>
-                </a:solidFill>
-                <a:latin typeface="Consolas" panose="020B0609020204030204" pitchFamily="49" charset="0"/>
-              </a:rPr>
-              <a:t>/</a:t>
-            </a:r>
-            <a:r>
-              <a:rPr lang="en-GB" sz="1100" dirty="0">
-                <a:solidFill>
-                  <a:srgbClr val="000000"/>
-                </a:solidFill>
-                <a:latin typeface="Consolas" panose="020B0609020204030204" pitchFamily="49" charset="0"/>
-              </a:rPr>
-              <a:t>2.4.6</a:t>
-            </a:r>
-          </a:p>
-          <a:p>
-            <a:r>
-              <a:rPr lang="en-GB" sz="1100" dirty="0">
-                <a:solidFill>
-                  <a:srgbClr val="000000"/>
-                </a:solidFill>
-                <a:latin typeface="Consolas" panose="020B0609020204030204" pitchFamily="49" charset="0"/>
-              </a:rPr>
-              <a:t>module load </a:t>
-            </a:r>
-            <a:r>
-              <a:rPr lang="en-GB" sz="1100" dirty="0" err="1">
-                <a:solidFill>
-                  <a:srgbClr val="000000"/>
-                </a:solidFill>
-                <a:latin typeface="Consolas" panose="020B0609020204030204" pitchFamily="49" charset="0"/>
-              </a:rPr>
-              <a:t>automake</a:t>
-            </a:r>
-            <a:r>
-              <a:rPr lang="en-GB" sz="1100" b="1" dirty="0">
-                <a:solidFill>
-                  <a:srgbClr val="000000"/>
-                </a:solidFill>
-                <a:latin typeface="Consolas" panose="020B0609020204030204" pitchFamily="49" charset="0"/>
-              </a:rPr>
-              <a:t>/</a:t>
-            </a:r>
-            <a:r>
-              <a:rPr lang="en-GB" sz="1100" dirty="0">
-                <a:solidFill>
-                  <a:srgbClr val="000000"/>
-                </a:solidFill>
-                <a:latin typeface="Consolas" panose="020B0609020204030204" pitchFamily="49" charset="0"/>
-              </a:rPr>
-              <a:t>1.14.1</a:t>
-            </a:r>
-          </a:p>
-          <a:p>
-            <a:r>
-              <a:rPr lang="en-GB" sz="1100" dirty="0">
-                <a:solidFill>
-                  <a:srgbClr val="000000"/>
-                </a:solidFill>
-                <a:latin typeface="Consolas" panose="020B0609020204030204" pitchFamily="49" charset="0"/>
-              </a:rPr>
-              <a:t>module unload </a:t>
-            </a:r>
-            <a:r>
-              <a:rPr lang="en-GB" sz="1100" b="1" dirty="0" err="1">
-                <a:solidFill>
-                  <a:srgbClr val="B200AA"/>
-                </a:solidFill>
-                <a:latin typeface="Consolas" panose="020B0609020204030204" pitchFamily="49" charset="0"/>
-              </a:rPr>
-              <a:t>gcc</a:t>
-            </a:r>
-            <a:r>
-              <a:rPr lang="en-GB" sz="1100" dirty="0">
-                <a:solidFill>
-                  <a:srgbClr val="000000"/>
-                </a:solidFill>
-                <a:latin typeface="Consolas" panose="020B0609020204030204" pitchFamily="49" charset="0"/>
-              </a:rPr>
-              <a:t> </a:t>
-            </a:r>
-          </a:p>
-          <a:p>
-            <a:r>
-              <a:rPr lang="en-GB" sz="1100" dirty="0">
-                <a:solidFill>
-                  <a:srgbClr val="000000"/>
-                </a:solidFill>
-                <a:latin typeface="Consolas" panose="020B0609020204030204" pitchFamily="49" charset="0"/>
-              </a:rPr>
-              <a:t>module load </a:t>
-            </a:r>
-            <a:r>
-              <a:rPr lang="en-GB" sz="1100" dirty="0" err="1">
-                <a:solidFill>
-                  <a:srgbClr val="000000"/>
-                </a:solidFill>
-                <a:latin typeface="Consolas" panose="020B0609020204030204" pitchFamily="49" charset="0"/>
-              </a:rPr>
-              <a:t>gcc</a:t>
-            </a:r>
-            <a:r>
-              <a:rPr lang="en-GB" sz="1100" b="1" dirty="0">
-                <a:solidFill>
-                  <a:srgbClr val="000000"/>
-                </a:solidFill>
-                <a:latin typeface="Consolas" panose="020B0609020204030204" pitchFamily="49" charset="0"/>
-              </a:rPr>
-              <a:t>/</a:t>
-            </a:r>
-            <a:r>
-              <a:rPr lang="en-GB" sz="1100" dirty="0">
-                <a:solidFill>
-                  <a:srgbClr val="000000"/>
-                </a:solidFill>
-                <a:latin typeface="Consolas" panose="020B0609020204030204" pitchFamily="49" charset="0"/>
-              </a:rPr>
-              <a:t>4.8.2 </a:t>
-            </a:r>
-          </a:p>
-          <a:p>
-            <a:r>
-              <a:rPr lang="en-GB" sz="1100" b="1" dirty="0">
-                <a:solidFill>
-                  <a:srgbClr val="650061"/>
-                </a:solidFill>
-                <a:latin typeface="Consolas" panose="020B0609020204030204" pitchFamily="49" charset="0"/>
-              </a:rPr>
-              <a:t>export</a:t>
-            </a:r>
-            <a:r>
-              <a:rPr lang="en-GB" sz="1100" dirty="0">
-                <a:solidFill>
-                  <a:srgbClr val="000000"/>
-                </a:solidFill>
-                <a:latin typeface="Consolas" panose="020B0609020204030204" pitchFamily="49" charset="0"/>
-              </a:rPr>
-              <a:t> </a:t>
-            </a:r>
-            <a:r>
-              <a:rPr lang="en-GB" sz="1100" dirty="0">
-                <a:solidFill>
-                  <a:srgbClr val="0E6801"/>
-                </a:solidFill>
-                <a:latin typeface="Consolas" panose="020B0609020204030204" pitchFamily="49" charset="0"/>
-              </a:rPr>
-              <a:t>LC_ALL</a:t>
-            </a:r>
-            <a:r>
-              <a:rPr lang="en-GB" sz="1100" dirty="0">
-                <a:solidFill>
-                  <a:srgbClr val="000000"/>
-                </a:solidFill>
-                <a:latin typeface="Consolas" panose="020B0609020204030204" pitchFamily="49" charset="0"/>
-              </a:rPr>
-              <a:t>=en_US.UTF-8</a:t>
-            </a:r>
-          </a:p>
-          <a:p>
-            <a:r>
-              <a:rPr lang="en-GB" sz="1100" b="1" dirty="0">
-                <a:solidFill>
-                  <a:srgbClr val="650061"/>
-                </a:solidFill>
-                <a:latin typeface="Consolas" panose="020B0609020204030204" pitchFamily="49" charset="0"/>
-              </a:rPr>
-              <a:t>export</a:t>
-            </a:r>
-            <a:r>
-              <a:rPr lang="en-GB" sz="1100" dirty="0">
-                <a:solidFill>
-                  <a:srgbClr val="000000"/>
-                </a:solidFill>
-                <a:latin typeface="Consolas" panose="020B0609020204030204" pitchFamily="49" charset="0"/>
-              </a:rPr>
-              <a:t> </a:t>
-            </a:r>
-            <a:r>
-              <a:rPr lang="en-GB" sz="1100" dirty="0">
-                <a:solidFill>
-                  <a:srgbClr val="0E6801"/>
-                </a:solidFill>
-                <a:latin typeface="Consolas" panose="020B0609020204030204" pitchFamily="49" charset="0"/>
-              </a:rPr>
-              <a:t>FC</a:t>
-            </a:r>
-            <a:r>
-              <a:rPr lang="en-GB" sz="1100" dirty="0">
-                <a:solidFill>
-                  <a:srgbClr val="000000"/>
-                </a:solidFill>
-                <a:latin typeface="Consolas" panose="020B0609020204030204" pitchFamily="49" charset="0"/>
-              </a:rPr>
-              <a:t>=</a:t>
-            </a:r>
-            <a:r>
-              <a:rPr lang="en-GB" sz="1100" dirty="0" err="1">
-                <a:solidFill>
-                  <a:srgbClr val="000000"/>
-                </a:solidFill>
-                <a:latin typeface="Consolas" panose="020B0609020204030204" pitchFamily="49" charset="0"/>
-              </a:rPr>
-              <a:t>mpiifort</a:t>
-            </a:r>
-            <a:endParaRPr lang="en-GB" sz="1100" dirty="0">
-              <a:solidFill>
-                <a:srgbClr val="000000"/>
-              </a:solidFill>
-              <a:latin typeface="Consolas" panose="020B0609020204030204" pitchFamily="49" charset="0"/>
-            </a:endParaRPr>
-          </a:p>
-          <a:p>
-            <a:r>
-              <a:rPr lang="en-GB" sz="1100" b="1" dirty="0">
-                <a:solidFill>
-                  <a:srgbClr val="650061"/>
-                </a:solidFill>
-                <a:latin typeface="Consolas" panose="020B0609020204030204" pitchFamily="49" charset="0"/>
-              </a:rPr>
-              <a:t>export</a:t>
-            </a:r>
-            <a:r>
-              <a:rPr lang="en-GB" sz="1100" dirty="0">
-                <a:solidFill>
-                  <a:srgbClr val="000000"/>
-                </a:solidFill>
-                <a:latin typeface="Consolas" panose="020B0609020204030204" pitchFamily="49" charset="0"/>
-              </a:rPr>
-              <a:t> </a:t>
-            </a:r>
-            <a:r>
-              <a:rPr lang="en-GB" sz="1100" dirty="0">
-                <a:solidFill>
-                  <a:srgbClr val="0E6801"/>
-                </a:solidFill>
-                <a:latin typeface="Consolas" panose="020B0609020204030204" pitchFamily="49" charset="0"/>
-              </a:rPr>
-              <a:t>F77</a:t>
-            </a:r>
-            <a:r>
-              <a:rPr lang="en-GB" sz="1100" dirty="0">
-                <a:solidFill>
-                  <a:srgbClr val="000000"/>
-                </a:solidFill>
-                <a:latin typeface="Consolas" panose="020B0609020204030204" pitchFamily="49" charset="0"/>
-              </a:rPr>
-              <a:t>=</a:t>
-            </a:r>
-            <a:r>
-              <a:rPr lang="en-GB" sz="1100" dirty="0" err="1">
-                <a:solidFill>
-                  <a:srgbClr val="000000"/>
-                </a:solidFill>
-                <a:latin typeface="Consolas" panose="020B0609020204030204" pitchFamily="49" charset="0"/>
-              </a:rPr>
-              <a:t>mpiifort</a:t>
-            </a:r>
-            <a:endParaRPr lang="en-GB" sz="1100" dirty="0">
-              <a:solidFill>
-                <a:srgbClr val="000000"/>
-              </a:solidFill>
-              <a:latin typeface="Consolas" panose="020B0609020204030204" pitchFamily="49" charset="0"/>
-            </a:endParaRPr>
-          </a:p>
-          <a:p>
-            <a:r>
-              <a:rPr lang="en-GB" sz="1100" b="1" dirty="0">
-                <a:solidFill>
-                  <a:srgbClr val="650061"/>
-                </a:solidFill>
-                <a:latin typeface="Consolas" panose="020B0609020204030204" pitchFamily="49" charset="0"/>
-              </a:rPr>
-              <a:t>export</a:t>
-            </a:r>
-            <a:r>
-              <a:rPr lang="en-GB" sz="1100" dirty="0">
-                <a:solidFill>
-                  <a:srgbClr val="000000"/>
-                </a:solidFill>
-                <a:latin typeface="Consolas" panose="020B0609020204030204" pitchFamily="49" charset="0"/>
-              </a:rPr>
-              <a:t> </a:t>
-            </a:r>
-            <a:r>
-              <a:rPr lang="en-GB" sz="1100" dirty="0">
-                <a:solidFill>
-                  <a:srgbClr val="0E6801"/>
-                </a:solidFill>
-                <a:latin typeface="Consolas" panose="020B0609020204030204" pitchFamily="49" charset="0"/>
-              </a:rPr>
-              <a:t>MPIFC</a:t>
-            </a:r>
-            <a:r>
-              <a:rPr lang="en-GB" sz="1100" dirty="0">
-                <a:solidFill>
-                  <a:srgbClr val="000000"/>
-                </a:solidFill>
-                <a:latin typeface="Consolas" panose="020B0609020204030204" pitchFamily="49" charset="0"/>
-              </a:rPr>
-              <a:t>=</a:t>
-            </a:r>
-            <a:r>
-              <a:rPr lang="en-GB" sz="1100" dirty="0" err="1">
-                <a:solidFill>
-                  <a:srgbClr val="000000"/>
-                </a:solidFill>
-                <a:latin typeface="Consolas" panose="020B0609020204030204" pitchFamily="49" charset="0"/>
-              </a:rPr>
-              <a:t>mpiifort</a:t>
-            </a:r>
-            <a:endParaRPr lang="en-GB" sz="1100" dirty="0">
-              <a:solidFill>
-                <a:srgbClr val="000000"/>
-              </a:solidFill>
-              <a:latin typeface="Consolas" panose="020B0609020204030204" pitchFamily="49" charset="0"/>
-            </a:endParaRPr>
-          </a:p>
-          <a:p>
-            <a:r>
-              <a:rPr lang="en-GB" sz="1100" b="1" dirty="0">
-                <a:solidFill>
-                  <a:srgbClr val="650061"/>
-                </a:solidFill>
-                <a:latin typeface="Consolas" panose="020B0609020204030204" pitchFamily="49" charset="0"/>
-              </a:rPr>
-              <a:t>export</a:t>
-            </a:r>
-            <a:r>
-              <a:rPr lang="en-GB" sz="1100" dirty="0">
-                <a:solidFill>
-                  <a:srgbClr val="000000"/>
-                </a:solidFill>
-                <a:latin typeface="Consolas" panose="020B0609020204030204" pitchFamily="49" charset="0"/>
-              </a:rPr>
-              <a:t> </a:t>
-            </a:r>
-            <a:r>
-              <a:rPr lang="en-GB" sz="1100" dirty="0">
-                <a:solidFill>
-                  <a:srgbClr val="0E6801"/>
-                </a:solidFill>
-                <a:latin typeface="Consolas" panose="020B0609020204030204" pitchFamily="49" charset="0"/>
-              </a:rPr>
-              <a:t>CC</a:t>
-            </a:r>
-            <a:r>
-              <a:rPr lang="en-GB" sz="1100" dirty="0">
-                <a:solidFill>
-                  <a:srgbClr val="000000"/>
-                </a:solidFill>
-                <a:latin typeface="Consolas" panose="020B0609020204030204" pitchFamily="49" charset="0"/>
-              </a:rPr>
-              <a:t>=</a:t>
-            </a:r>
-            <a:r>
-              <a:rPr lang="en-GB" sz="1100" dirty="0" err="1">
-                <a:solidFill>
-                  <a:srgbClr val="000000"/>
-                </a:solidFill>
-                <a:latin typeface="Consolas" panose="020B0609020204030204" pitchFamily="49" charset="0"/>
-              </a:rPr>
-              <a:t>mpiicc</a:t>
-            </a:r>
-            <a:endParaRPr lang="en-GB" sz="1100" dirty="0">
-              <a:solidFill>
-                <a:srgbClr val="000000"/>
-              </a:solidFill>
-              <a:latin typeface="Consolas" panose="020B0609020204030204" pitchFamily="49" charset="0"/>
-            </a:endParaRPr>
-          </a:p>
-          <a:p>
-            <a:r>
-              <a:rPr lang="en-GB" sz="1100" b="1" dirty="0">
-                <a:solidFill>
-                  <a:srgbClr val="650061"/>
-                </a:solidFill>
-                <a:latin typeface="Consolas" panose="020B0609020204030204" pitchFamily="49" charset="0"/>
-              </a:rPr>
-              <a:t>export</a:t>
-            </a:r>
-            <a:r>
-              <a:rPr lang="en-GB" sz="1100" dirty="0">
-                <a:solidFill>
-                  <a:srgbClr val="000000"/>
-                </a:solidFill>
-                <a:latin typeface="Consolas" panose="020B0609020204030204" pitchFamily="49" charset="0"/>
-              </a:rPr>
-              <a:t> </a:t>
-            </a:r>
-            <a:r>
-              <a:rPr lang="en-GB" sz="1100" dirty="0">
-                <a:solidFill>
-                  <a:srgbClr val="0E6801"/>
-                </a:solidFill>
-                <a:latin typeface="Consolas" panose="020B0609020204030204" pitchFamily="49" charset="0"/>
-              </a:rPr>
-              <a:t>CXX</a:t>
-            </a:r>
-            <a:r>
-              <a:rPr lang="en-GB" sz="1100" dirty="0">
-                <a:solidFill>
-                  <a:srgbClr val="000000"/>
-                </a:solidFill>
-                <a:latin typeface="Consolas" panose="020B0609020204030204" pitchFamily="49" charset="0"/>
-              </a:rPr>
-              <a:t>=</a:t>
-            </a:r>
-            <a:r>
-              <a:rPr lang="en-GB" sz="1100" dirty="0" err="1">
-                <a:solidFill>
-                  <a:srgbClr val="000000"/>
-                </a:solidFill>
-                <a:latin typeface="Consolas" panose="020B0609020204030204" pitchFamily="49" charset="0"/>
-              </a:rPr>
-              <a:t>mpiicpc</a:t>
-            </a:r>
-            <a:endParaRPr lang="en-GB" sz="1100" dirty="0">
-              <a:solidFill>
-                <a:srgbClr val="000000"/>
-              </a:solidFill>
-              <a:latin typeface="Consolas" panose="020B0609020204030204" pitchFamily="49" charset="0"/>
-            </a:endParaRPr>
-          </a:p>
-          <a:p>
-            <a:r>
-              <a:rPr lang="en-GB" sz="1100" b="1" dirty="0">
-                <a:solidFill>
-                  <a:srgbClr val="650061"/>
-                </a:solidFill>
-                <a:latin typeface="Consolas" panose="020B0609020204030204" pitchFamily="49" charset="0"/>
-              </a:rPr>
-              <a:t>export</a:t>
-            </a:r>
-            <a:r>
-              <a:rPr lang="en-GB" sz="1100" dirty="0">
-                <a:solidFill>
-                  <a:srgbClr val="000000"/>
-                </a:solidFill>
-                <a:latin typeface="Consolas" panose="020B0609020204030204" pitchFamily="49" charset="0"/>
-              </a:rPr>
-              <a:t> </a:t>
-            </a:r>
-            <a:r>
-              <a:rPr lang="en-GB" sz="1100" dirty="0">
-                <a:solidFill>
-                  <a:srgbClr val="0E6801"/>
-                </a:solidFill>
-                <a:latin typeface="Consolas" panose="020B0609020204030204" pitchFamily="49" charset="0"/>
-              </a:rPr>
-              <a:t>MPIROOT</a:t>
-            </a:r>
-            <a:r>
-              <a:rPr lang="en-GB" sz="1100" dirty="0">
-                <a:solidFill>
-                  <a:srgbClr val="000000"/>
-                </a:solidFill>
-                <a:latin typeface="Consolas" panose="020B0609020204030204" pitchFamily="49" charset="0"/>
-              </a:rPr>
-              <a:t>=</a:t>
-            </a:r>
-            <a:r>
-              <a:rPr lang="en-GB" sz="1100" dirty="0">
-                <a:solidFill>
-                  <a:srgbClr val="FB0007"/>
-                </a:solidFill>
-                <a:latin typeface="Consolas" panose="020B0609020204030204" pitchFamily="49" charset="0"/>
-              </a:rPr>
-              <a:t>"</a:t>
-            </a:r>
-            <a:r>
-              <a:rPr lang="en-GB" sz="1100" dirty="0">
-                <a:solidFill>
-                  <a:srgbClr val="0E6801"/>
-                </a:solidFill>
-                <a:latin typeface="Consolas" panose="020B0609020204030204" pitchFamily="49" charset="0"/>
-              </a:rPr>
-              <a:t>$(</a:t>
-            </a:r>
-            <a:r>
-              <a:rPr lang="en-GB" sz="1100" dirty="0" err="1">
-                <a:solidFill>
-                  <a:srgbClr val="0E6801"/>
-                </a:solidFill>
-                <a:latin typeface="Consolas" panose="020B0609020204030204" pitchFamily="49" charset="0"/>
-              </a:rPr>
-              <a:t>mpiifort</a:t>
-            </a:r>
-            <a:r>
-              <a:rPr lang="en-GB" sz="1100" dirty="0">
-                <a:solidFill>
-                  <a:srgbClr val="0E6801"/>
-                </a:solidFill>
-                <a:latin typeface="Consolas" panose="020B0609020204030204" pitchFamily="49" charset="0"/>
-              </a:rPr>
-              <a:t> -show | </a:t>
-            </a:r>
-            <a:r>
-              <a:rPr lang="en-GB" sz="1100" dirty="0" err="1">
-                <a:solidFill>
-                  <a:srgbClr val="0E6801"/>
-                </a:solidFill>
-                <a:latin typeface="Consolas" panose="020B0609020204030204" pitchFamily="49" charset="0"/>
-              </a:rPr>
-              <a:t>perl</a:t>
-            </a:r>
-            <a:r>
-              <a:rPr lang="en-GB" sz="1100" dirty="0">
-                <a:solidFill>
-                  <a:srgbClr val="0E6801"/>
-                </a:solidFill>
-                <a:latin typeface="Consolas" panose="020B0609020204030204" pitchFamily="49" charset="0"/>
-              </a:rPr>
-              <a:t> -</a:t>
-            </a:r>
-            <a:r>
-              <a:rPr lang="en-GB" sz="1100" dirty="0" err="1">
-                <a:solidFill>
-                  <a:srgbClr val="0E6801"/>
-                </a:solidFill>
-                <a:latin typeface="Consolas" panose="020B0609020204030204" pitchFamily="49" charset="0"/>
-              </a:rPr>
-              <a:t>lne</a:t>
-            </a:r>
-            <a:r>
-              <a:rPr lang="en-GB" sz="1100" dirty="0">
-                <a:solidFill>
-                  <a:srgbClr val="0E6801"/>
-                </a:solidFill>
-                <a:latin typeface="Consolas" panose="020B0609020204030204" pitchFamily="49" charset="0"/>
-              </a:rPr>
-              <a:t> 'm{ -I(.*?)</a:t>
-            </a:r>
-            <a:r>
-              <a:rPr lang="en-GB" sz="1100" dirty="0">
-                <a:solidFill>
-                  <a:srgbClr val="FB0007"/>
-                </a:solidFill>
-                <a:latin typeface="Consolas" panose="020B0609020204030204" pitchFamily="49" charset="0"/>
-              </a:rPr>
-              <a:t>/include } and print $1’)”</a:t>
-            </a:r>
-          </a:p>
-          <a:p>
-            <a:r>
-              <a:rPr lang="en-GB" sz="1100" dirty="0">
-                <a:solidFill>
-                  <a:srgbClr val="000000"/>
-                </a:solidFill>
-                <a:latin typeface="Consolas" panose="020B0609020204030204" pitchFamily="49" charset="0"/>
-              </a:rPr>
-              <a:t>... </a:t>
-            </a:r>
-          </a:p>
-          <a:p>
-            <a:r>
-              <a:rPr lang="en-GB" sz="1100" b="1" dirty="0">
-                <a:solidFill>
-                  <a:srgbClr val="650061"/>
-                </a:solidFill>
-                <a:latin typeface="Consolas" panose="020B0609020204030204" pitchFamily="49" charset="0"/>
-              </a:rPr>
-              <a:t>cd</a:t>
-            </a:r>
-            <a:r>
-              <a:rPr lang="en-GB" sz="1100" dirty="0">
-                <a:solidFill>
-                  <a:srgbClr val="000000"/>
-                </a:solidFill>
-                <a:latin typeface="Consolas" panose="020B0609020204030204" pitchFamily="49" charset="0"/>
-              </a:rPr>
-              <a:t> fesom-2.1</a:t>
-            </a:r>
-          </a:p>
-          <a:p>
-            <a:r>
-              <a:rPr lang="en-GB" sz="1100" b="1" dirty="0" err="1">
-                <a:solidFill>
-                  <a:srgbClr val="B200AA"/>
-                </a:solidFill>
-                <a:latin typeface="Consolas" panose="020B0609020204030204" pitchFamily="49" charset="0"/>
-              </a:rPr>
-              <a:t>mkdir</a:t>
-            </a:r>
-            <a:r>
-              <a:rPr lang="en-GB" sz="1100" dirty="0">
-                <a:solidFill>
-                  <a:srgbClr val="000000"/>
-                </a:solidFill>
-                <a:latin typeface="Consolas" panose="020B0609020204030204" pitchFamily="49" charset="0"/>
-              </a:rPr>
-              <a:t> </a:t>
-            </a:r>
-            <a:r>
-              <a:rPr lang="en-GB" sz="1100" dirty="0">
-                <a:solidFill>
-                  <a:srgbClr val="520026"/>
-                </a:solidFill>
-                <a:latin typeface="Consolas" panose="020B0609020204030204" pitchFamily="49" charset="0"/>
-              </a:rPr>
-              <a:t>-p</a:t>
-            </a:r>
-            <a:r>
-              <a:rPr lang="en-GB" sz="1100" dirty="0">
-                <a:solidFill>
-                  <a:srgbClr val="000000"/>
-                </a:solidFill>
-                <a:latin typeface="Consolas" panose="020B0609020204030204" pitchFamily="49" charset="0"/>
-              </a:rPr>
-              <a:t> build; </a:t>
-            </a:r>
-            <a:r>
-              <a:rPr lang="en-GB" sz="1100" b="1" dirty="0">
-                <a:solidFill>
-                  <a:srgbClr val="650061"/>
-                </a:solidFill>
-                <a:latin typeface="Consolas" panose="020B0609020204030204" pitchFamily="49" charset="0"/>
-              </a:rPr>
-              <a:t>cd</a:t>
-            </a:r>
-            <a:r>
-              <a:rPr lang="en-GB" sz="1100" dirty="0">
-                <a:solidFill>
-                  <a:srgbClr val="000000"/>
-                </a:solidFill>
-                <a:latin typeface="Consolas" panose="020B0609020204030204" pitchFamily="49" charset="0"/>
-              </a:rPr>
-              <a:t> build; </a:t>
-            </a:r>
-            <a:r>
-              <a:rPr lang="en-GB" sz="1100" dirty="0" err="1">
-                <a:solidFill>
-                  <a:srgbClr val="000000"/>
-                </a:solidFill>
-                <a:latin typeface="Consolas" panose="020B0609020204030204" pitchFamily="49" charset="0"/>
-              </a:rPr>
-              <a:t>cmake</a:t>
-            </a:r>
-            <a:r>
-              <a:rPr lang="en-GB" sz="1100" dirty="0">
-                <a:solidFill>
-                  <a:srgbClr val="000000"/>
-                </a:solidFill>
-                <a:latin typeface="Consolas" panose="020B0609020204030204" pitchFamily="49" charset="0"/>
-              </a:rPr>
-              <a:t> -DFESOM_COUPLED=ON ..; </a:t>
-            </a:r>
-            <a:r>
-              <a:rPr lang="en-GB" sz="1100" b="1" dirty="0">
-                <a:solidFill>
-                  <a:srgbClr val="B200AA"/>
-                </a:solidFill>
-                <a:latin typeface="Consolas" panose="020B0609020204030204" pitchFamily="49" charset="0"/>
-              </a:rPr>
-              <a:t>make</a:t>
-            </a:r>
-            <a:r>
-              <a:rPr lang="en-GB" sz="1100" dirty="0">
-                <a:solidFill>
-                  <a:srgbClr val="000000"/>
-                </a:solidFill>
-                <a:latin typeface="Consolas" panose="020B0609020204030204" pitchFamily="49" charset="0"/>
-              </a:rPr>
-              <a:t> </a:t>
-            </a:r>
-            <a:r>
-              <a:rPr lang="en-GB" sz="1100" b="1" dirty="0">
-                <a:solidFill>
-                  <a:srgbClr val="B200AA"/>
-                </a:solidFill>
-                <a:latin typeface="Consolas" panose="020B0609020204030204" pitchFamily="49" charset="0"/>
-              </a:rPr>
-              <a:t>install</a:t>
-            </a:r>
-            <a:r>
-              <a:rPr lang="en-GB" sz="1100" dirty="0">
-                <a:solidFill>
-                  <a:srgbClr val="000000"/>
-                </a:solidFill>
-                <a:latin typeface="Consolas" panose="020B0609020204030204" pitchFamily="49" charset="0"/>
-              </a:rPr>
-              <a:t> </a:t>
-            </a:r>
-            <a:r>
-              <a:rPr lang="en-GB" sz="1100" dirty="0">
-                <a:solidFill>
-                  <a:srgbClr val="520026"/>
-                </a:solidFill>
-                <a:latin typeface="Consolas" panose="020B0609020204030204" pitchFamily="49" charset="0"/>
-              </a:rPr>
-              <a:t>-j</a:t>
-            </a:r>
-            <a:r>
-              <a:rPr lang="en-GB" sz="1100" dirty="0">
-                <a:solidFill>
-                  <a:srgbClr val="000000"/>
-                </a:solidFill>
-                <a:latin typeface="Consolas" panose="020B0609020204030204" pitchFamily="49" charset="0"/>
-              </a:rPr>
-              <a:t> </a:t>
-            </a:r>
-            <a:r>
-              <a:rPr lang="en-GB" sz="1100" b="1" dirty="0">
-                <a:solidFill>
-                  <a:srgbClr val="000000"/>
-                </a:solidFill>
-                <a:latin typeface="Consolas" panose="020B0609020204030204" pitchFamily="49" charset="0"/>
-              </a:rPr>
-              <a:t>`</a:t>
-            </a:r>
-            <a:r>
-              <a:rPr lang="en-GB" sz="1100" dirty="0" err="1">
-                <a:solidFill>
-                  <a:srgbClr val="000000"/>
-                </a:solidFill>
-                <a:latin typeface="Consolas" panose="020B0609020204030204" pitchFamily="49" charset="0"/>
-              </a:rPr>
-              <a:t>nproc</a:t>
-            </a:r>
-            <a:r>
-              <a:rPr lang="en-GB" sz="1100" dirty="0">
-                <a:solidFill>
-                  <a:srgbClr val="000000"/>
-                </a:solidFill>
-                <a:latin typeface="Consolas" panose="020B0609020204030204" pitchFamily="49" charset="0"/>
-              </a:rPr>
-              <a:t> --all</a:t>
-            </a:r>
-            <a:r>
-              <a:rPr lang="en-GB" sz="1100" b="1" dirty="0">
-                <a:solidFill>
-                  <a:srgbClr val="000000"/>
-                </a:solidFill>
-                <a:latin typeface="Consolas" panose="020B0609020204030204" pitchFamily="49" charset="0"/>
-              </a:rPr>
-              <a:t>`</a:t>
-            </a:r>
-            <a:endParaRPr lang="tr-TR" sz="1100" b="1" dirty="0">
-              <a:solidFill>
-                <a:srgbClr val="000000"/>
-              </a:solidFill>
-              <a:latin typeface="Consolas" panose="020B0609020204030204" pitchFamily="49" charset="0"/>
-            </a:endParaRPr>
-          </a:p>
-          <a:p>
-            <a:r>
-              <a:rPr lang="en-GB" sz="1100" b="1" dirty="0">
-                <a:solidFill>
-                  <a:srgbClr val="650061"/>
-                </a:solidFill>
-                <a:latin typeface="Consolas" panose="020B0609020204030204" pitchFamily="49" charset="0"/>
-              </a:rPr>
-              <a:t>cd</a:t>
-            </a:r>
-            <a:r>
-              <a:rPr lang="en-GB" sz="1100" dirty="0">
-                <a:solidFill>
-                  <a:srgbClr val="000000"/>
-                </a:solidFill>
-                <a:latin typeface="Consolas" panose="020B0609020204030204" pitchFamily="49" charset="0"/>
-              </a:rPr>
-              <a:t> </a:t>
-            </a:r>
-            <a:r>
-              <a:rPr lang="tr-TR" sz="1100" dirty="0">
-                <a:latin typeface="Consolas" panose="020B0609020204030204" pitchFamily="49" charset="0"/>
-              </a:rPr>
-              <a:t>..</a:t>
-            </a:r>
-            <a:endParaRPr lang="tr-TR" sz="1100" b="1" dirty="0">
-              <a:latin typeface="Consolas" panose="020B0609020204030204" pitchFamily="49" charset="0"/>
-            </a:endParaRPr>
-          </a:p>
-        </p:txBody>
-      </p:sp>
-      <p:sp>
-        <p:nvSpPr>
-          <p:cNvPr id="9" name="Slide Number Placeholder 4"/>
-          <p:cNvSpPr>
-            <a:spLocks noGrp="1"/>
-          </p:cNvSpPr>
-          <p:nvPr>
-            <p:ph type="sldNum" sz="quarter" idx="12"/>
-          </p:nvPr>
-        </p:nvSpPr>
-        <p:spPr>
-          <a:xfrm>
-            <a:off x="11623040" y="6485550"/>
-            <a:ext cx="568960" cy="372450"/>
-          </a:xfrm>
-          <a:solidFill>
-            <a:schemeClr val="bg2"/>
-          </a:solidFill>
-        </p:spPr>
-        <p:txBody>
-          <a:bodyPr/>
-          <a:lstStyle/>
-          <a:p>
-            <a:pPr algn="ctr"/>
-            <a:r>
-              <a:rPr lang="tr-TR" sz="1000" dirty="0"/>
-              <a:t>08 / 12</a:t>
-            </a:r>
-          </a:p>
-        </p:txBody>
-      </p:sp>
-      <p:sp>
-        <p:nvSpPr>
-          <p:cNvPr id="10" name="Oval 9">
-            <a:extLst>
-              <a:ext uri="{FF2B5EF4-FFF2-40B4-BE49-F238E27FC236}">
-                <a16:creationId xmlns:a16="http://schemas.microsoft.com/office/drawing/2014/main" id="{F665D3DF-5B57-74BD-31EE-C7CE4F9D2D57}"/>
-              </a:ext>
-            </a:extLst>
-          </p:cNvPr>
+          <p:cNvPr id="36" name="Oval 35"/>
           <p:cNvSpPr/>
           <p:nvPr/>
         </p:nvSpPr>
@@ -14154,10 +14054,484 @@
           </a:p>
         </p:txBody>
       </p:sp>
+      <p:sp>
+        <p:nvSpPr>
+          <p:cNvPr id="39" name="Isosceles Triangle 6">
+            <a:extLst>
+              <a:ext uri="{FF2B5EF4-FFF2-40B4-BE49-F238E27FC236}">
+                <a16:creationId xmlns:a16="http://schemas.microsoft.com/office/drawing/2014/main" id="{4A666EF0-A283-A21D-1FC3-C7120684A00A}"/>
+              </a:ext>
+            </a:extLst>
+          </p:cNvPr>
+          <p:cNvSpPr/>
+          <p:nvPr/>
+        </p:nvSpPr>
+        <p:spPr>
+          <a:xfrm rot="5400000">
+            <a:off x="348693" y="1536407"/>
+            <a:ext cx="457812" cy="394666"/>
+          </a:xfrm>
+          <a:prstGeom prst="triangle">
+            <a:avLst/>
+          </a:prstGeom>
+          <a:solidFill>
+            <a:srgbClr val="00ACE6"/>
+          </a:solidFill>
+          <a:ln>
+            <a:noFill/>
+          </a:ln>
+        </p:spPr>
+        <p:style>
+          <a:lnRef idx="2">
+            <a:schemeClr val="accent1">
+              <a:shade val="50000"/>
+            </a:schemeClr>
+          </a:lnRef>
+          <a:fillRef idx="1">
+            <a:schemeClr val="accent1"/>
+          </a:fillRef>
+          <a:effectRef idx="0">
+            <a:schemeClr val="accent1"/>
+          </a:effectRef>
+          <a:fontRef idx="minor">
+            <a:schemeClr val="lt1"/>
+          </a:fontRef>
+        </p:style>
+        <p:txBody>
+          <a:bodyPr rtlCol="0" anchor="ctr"/>
+          <a:lstStyle/>
+          <a:p>
+            <a:pPr algn="ctr"/>
+            <a:endParaRPr lang="en-GB"/>
+          </a:p>
+        </p:txBody>
+      </p:sp>
+      <p:sp>
+        <p:nvSpPr>
+          <p:cNvPr id="42" name="TextBox 41">
+            <a:extLst>
+              <a:ext uri="{FF2B5EF4-FFF2-40B4-BE49-F238E27FC236}">
+                <a16:creationId xmlns:a16="http://schemas.microsoft.com/office/drawing/2014/main" id="{CB50618F-6E48-EBCE-6A6B-D9FB41A2974A}"/>
+              </a:ext>
+            </a:extLst>
+          </p:cNvPr>
+          <p:cNvSpPr txBox="1"/>
+          <p:nvPr/>
+        </p:nvSpPr>
+        <p:spPr>
+          <a:xfrm>
+            <a:off x="799755" y="1467813"/>
+            <a:ext cx="7702219" cy="4801314"/>
+          </a:xfrm>
+          <a:prstGeom prst="rect">
+            <a:avLst/>
+          </a:prstGeom>
+          <a:noFill/>
+        </p:spPr>
+        <p:txBody>
+          <a:bodyPr wrap="square" rtlCol="0">
+            <a:spAutoFit/>
+          </a:bodyPr>
+          <a:lstStyle/>
+          <a:p>
+            <a:pPr algn="just"/>
+            <a:r>
+              <a:rPr lang="en-GB" dirty="0"/>
+              <a:t>Internally, </a:t>
+            </a:r>
+            <a:r>
+              <a:rPr lang="en-GB" dirty="0" err="1">
+                <a:solidFill>
+                  <a:srgbClr val="ED7D31"/>
+                </a:solidFill>
+              </a:rPr>
+              <a:t>esm_parser</a:t>
+            </a:r>
+            <a:r>
+              <a:rPr lang="en-GB" dirty="0"/>
+              <a:t> puts together all the information from the different </a:t>
+            </a:r>
+            <a:r>
+              <a:rPr lang="en-GB" dirty="0" err="1"/>
+              <a:t>yaml</a:t>
+            </a:r>
+            <a:r>
+              <a:rPr lang="en-GB" dirty="0"/>
+              <a:t> files for the given experiment into a Python object called </a:t>
+            </a:r>
+            <a:r>
+              <a:rPr lang="en-GB" dirty="0">
+                <a:solidFill>
+                  <a:srgbClr val="ED7D31"/>
+                </a:solidFill>
+              </a:rPr>
+              <a:t>config</a:t>
+            </a:r>
+          </a:p>
+          <a:p>
+            <a:pPr algn="just"/>
+            <a:endParaRPr lang="en-GB" b="1" dirty="0">
+              <a:solidFill>
+                <a:srgbClr val="31ACE6"/>
+              </a:solidFill>
+            </a:endParaRPr>
+          </a:p>
+          <a:p>
+            <a:r>
+              <a:rPr lang="en-GB" dirty="0"/>
+              <a:t>This object, containing all the information about the experiment, is passed to the different ESM-Tools functions</a:t>
+            </a:r>
+          </a:p>
+          <a:p>
+            <a:endParaRPr lang="en-GB" dirty="0"/>
+          </a:p>
+          <a:p>
+            <a:r>
+              <a:rPr lang="en-GB" dirty="0" err="1">
+                <a:solidFill>
+                  <a:srgbClr val="ED7D31"/>
+                </a:solidFill>
+              </a:rPr>
+              <a:t>esm_runscripts</a:t>
+            </a:r>
+            <a:r>
+              <a:rPr lang="en-GB" dirty="0">
+                <a:solidFill>
+                  <a:srgbClr val="ED7D31"/>
+                </a:solidFill>
+              </a:rPr>
+              <a:t> </a:t>
+            </a:r>
+            <a:r>
+              <a:rPr lang="en-GB" dirty="0"/>
+              <a:t>dumps this object into a </a:t>
+            </a:r>
+            <a:r>
+              <a:rPr lang="en-GB" dirty="0" err="1"/>
+              <a:t>yaml</a:t>
+            </a:r>
+            <a:r>
+              <a:rPr lang="en-GB" dirty="0"/>
+              <a:t> file in </a:t>
+            </a:r>
+            <a:r>
+              <a:rPr lang="en-GB" dirty="0">
+                <a:solidFill>
+                  <a:srgbClr val="ED7D31"/>
+                </a:solidFill>
+                <a:latin typeface="Monaco" pitchFamily="2" charset="77"/>
+              </a:rPr>
+              <a:t>&lt;</a:t>
+            </a:r>
+            <a:r>
+              <a:rPr lang="en-GB" dirty="0" err="1">
+                <a:solidFill>
+                  <a:srgbClr val="ED7D31"/>
+                </a:solidFill>
+                <a:latin typeface="Monaco" pitchFamily="2" charset="77"/>
+              </a:rPr>
+              <a:t>experiment_dir</a:t>
+            </a:r>
+            <a:r>
+              <a:rPr lang="en-GB" dirty="0">
+                <a:solidFill>
+                  <a:srgbClr val="ED7D31"/>
+                </a:solidFill>
+                <a:latin typeface="Monaco" pitchFamily="2" charset="77"/>
+              </a:rPr>
+              <a:t>&gt;/</a:t>
+            </a:r>
+            <a:r>
+              <a:rPr lang="en-GB" dirty="0" err="1">
+                <a:solidFill>
+                  <a:srgbClr val="ED7D31"/>
+                </a:solidFill>
+                <a:latin typeface="Monaco" pitchFamily="2" charset="77"/>
+              </a:rPr>
+              <a:t>run_DATE</a:t>
+            </a:r>
+            <a:r>
+              <a:rPr lang="en-GB" dirty="0">
+                <a:solidFill>
+                  <a:srgbClr val="ED7D31"/>
+                </a:solidFill>
+                <a:latin typeface="Monaco" pitchFamily="2" charset="77"/>
+              </a:rPr>
+              <a:t>/configs/*</a:t>
+            </a:r>
+            <a:r>
+              <a:rPr lang="en-GB" dirty="0" err="1">
+                <a:solidFill>
+                  <a:srgbClr val="ED7D31"/>
+                </a:solidFill>
+                <a:latin typeface="Monaco" pitchFamily="2" charset="77"/>
+              </a:rPr>
+              <a:t>finished_config.yaml</a:t>
+            </a:r>
+            <a:r>
+              <a:rPr lang="en-GB" dirty="0">
+                <a:solidFill>
+                  <a:srgbClr val="ED7D31"/>
+                </a:solidFill>
+                <a:latin typeface="Monaco" pitchFamily="2" charset="77"/>
+              </a:rPr>
+              <a:t> </a:t>
+            </a:r>
+            <a:r>
+              <a:rPr lang="en-GB" dirty="0"/>
+              <a:t>for runs that have not being submitted or are still running, or in </a:t>
+            </a:r>
+            <a:r>
+              <a:rPr lang="en-GB" dirty="0">
+                <a:solidFill>
+                  <a:srgbClr val="ED7D31"/>
+                </a:solidFill>
+                <a:latin typeface="Monaco" pitchFamily="2" charset="77"/>
+              </a:rPr>
+              <a:t>&lt;</a:t>
+            </a:r>
+            <a:r>
+              <a:rPr lang="en-GB" dirty="0" err="1">
+                <a:solidFill>
+                  <a:srgbClr val="ED7D31"/>
+                </a:solidFill>
+                <a:latin typeface="Monaco" pitchFamily="2" charset="77"/>
+              </a:rPr>
+              <a:t>experiment_dir</a:t>
+            </a:r>
+            <a:r>
+              <a:rPr lang="en-GB" dirty="0">
+                <a:solidFill>
+                  <a:srgbClr val="ED7D31"/>
+                </a:solidFill>
+                <a:latin typeface="Monaco" pitchFamily="2" charset="77"/>
+              </a:rPr>
+              <a:t>&gt;/configs/*</a:t>
+            </a:r>
+            <a:r>
+              <a:rPr lang="en-GB" dirty="0" err="1">
+                <a:solidFill>
+                  <a:srgbClr val="ED7D31"/>
+                </a:solidFill>
+                <a:latin typeface="Monaco" pitchFamily="2" charset="77"/>
+              </a:rPr>
+              <a:t>finished_config.yaml</a:t>
+            </a:r>
+            <a:r>
+              <a:rPr lang="en-GB" dirty="0">
+                <a:latin typeface="Monaco" pitchFamily="2" charset="77"/>
+              </a:rPr>
+              <a:t> </a:t>
+            </a:r>
+            <a:r>
+              <a:rPr lang="en-GB" dirty="0"/>
+              <a:t>for runs that have already run</a:t>
+            </a:r>
+          </a:p>
+          <a:p>
+            <a:endParaRPr lang="en-GB" dirty="0"/>
+          </a:p>
+          <a:p>
+            <a:r>
+              <a:rPr lang="en-GB" dirty="0"/>
+              <a:t>The </a:t>
+            </a:r>
+            <a:r>
+              <a:rPr lang="en-GB" b="1" dirty="0" err="1">
+                <a:solidFill>
+                  <a:srgbClr val="ED7D31"/>
+                </a:solidFill>
+              </a:rPr>
+              <a:t>finished_config</a:t>
+            </a:r>
+            <a:r>
+              <a:rPr lang="en-GB" b="1" dirty="0">
+                <a:solidFill>
+                  <a:srgbClr val="ED7D31"/>
+                </a:solidFill>
+              </a:rPr>
+              <a:t> file</a:t>
+            </a:r>
+            <a:r>
+              <a:rPr lang="en-GB" dirty="0"/>
+              <a:t> is used for checking that the final configuration works as expected</a:t>
+            </a:r>
+          </a:p>
+          <a:p>
+            <a:endParaRPr lang="en-GB" b="1" dirty="0">
+              <a:solidFill>
+                <a:srgbClr val="31ACE6"/>
+              </a:solidFill>
+            </a:endParaRPr>
+          </a:p>
+          <a:p>
+            <a:endParaRPr lang="en-GB" b="1" dirty="0"/>
+          </a:p>
+          <a:p>
+            <a:endParaRPr lang="en-GB" dirty="0"/>
+          </a:p>
+        </p:txBody>
+      </p:sp>
+      <p:sp>
+        <p:nvSpPr>
+          <p:cNvPr id="43" name="Isosceles Triangle 6">
+            <a:extLst>
+              <a:ext uri="{FF2B5EF4-FFF2-40B4-BE49-F238E27FC236}">
+                <a16:creationId xmlns:a16="http://schemas.microsoft.com/office/drawing/2014/main" id="{C82C5815-8997-1441-F50F-FD4ED2C39794}"/>
+              </a:ext>
+            </a:extLst>
+          </p:cNvPr>
+          <p:cNvSpPr/>
+          <p:nvPr/>
+        </p:nvSpPr>
+        <p:spPr>
+          <a:xfrm rot="5400000">
+            <a:off x="348693" y="2287750"/>
+            <a:ext cx="457812" cy="394666"/>
+          </a:xfrm>
+          <a:prstGeom prst="triangle">
+            <a:avLst/>
+          </a:prstGeom>
+          <a:solidFill>
+            <a:srgbClr val="00ACE6"/>
+          </a:solidFill>
+          <a:ln>
+            <a:noFill/>
+          </a:ln>
+        </p:spPr>
+        <p:style>
+          <a:lnRef idx="2">
+            <a:schemeClr val="accent1">
+              <a:shade val="50000"/>
+            </a:schemeClr>
+          </a:lnRef>
+          <a:fillRef idx="1">
+            <a:schemeClr val="accent1"/>
+          </a:fillRef>
+          <a:effectRef idx="0">
+            <a:schemeClr val="accent1"/>
+          </a:effectRef>
+          <a:fontRef idx="minor">
+            <a:schemeClr val="lt1"/>
+          </a:fontRef>
+        </p:style>
+        <p:txBody>
+          <a:bodyPr rtlCol="0" anchor="ctr"/>
+          <a:lstStyle/>
+          <a:p>
+            <a:pPr algn="ctr"/>
+            <a:endParaRPr lang="en-GB"/>
+          </a:p>
+        </p:txBody>
+      </p:sp>
+      <p:sp>
+        <p:nvSpPr>
+          <p:cNvPr id="44" name="Isosceles Triangle 6">
+            <a:extLst>
+              <a:ext uri="{FF2B5EF4-FFF2-40B4-BE49-F238E27FC236}">
+                <a16:creationId xmlns:a16="http://schemas.microsoft.com/office/drawing/2014/main" id="{F5EB8F5E-99B9-35AF-5E7B-69B9B0D6ABEF}"/>
+              </a:ext>
+            </a:extLst>
+          </p:cNvPr>
+          <p:cNvSpPr/>
+          <p:nvPr/>
+        </p:nvSpPr>
+        <p:spPr>
+          <a:xfrm rot="5400000">
+            <a:off x="348693" y="3134057"/>
+            <a:ext cx="457812" cy="394666"/>
+          </a:xfrm>
+          <a:prstGeom prst="triangle">
+            <a:avLst/>
+          </a:prstGeom>
+          <a:solidFill>
+            <a:srgbClr val="00ACE6"/>
+          </a:solidFill>
+          <a:ln>
+            <a:noFill/>
+          </a:ln>
+        </p:spPr>
+        <p:style>
+          <a:lnRef idx="2">
+            <a:schemeClr val="accent1">
+              <a:shade val="50000"/>
+            </a:schemeClr>
+          </a:lnRef>
+          <a:fillRef idx="1">
+            <a:schemeClr val="accent1"/>
+          </a:fillRef>
+          <a:effectRef idx="0">
+            <a:schemeClr val="accent1"/>
+          </a:effectRef>
+          <a:fontRef idx="minor">
+            <a:schemeClr val="lt1"/>
+          </a:fontRef>
+        </p:style>
+        <p:txBody>
+          <a:bodyPr rtlCol="0" anchor="ctr"/>
+          <a:lstStyle/>
+          <a:p>
+            <a:pPr algn="ctr"/>
+            <a:endParaRPr lang="en-GB"/>
+          </a:p>
+        </p:txBody>
+      </p:sp>
+      <p:sp>
+        <p:nvSpPr>
+          <p:cNvPr id="45" name="Isosceles Triangle 6">
+            <a:extLst>
+              <a:ext uri="{FF2B5EF4-FFF2-40B4-BE49-F238E27FC236}">
+                <a16:creationId xmlns:a16="http://schemas.microsoft.com/office/drawing/2014/main" id="{03D4EB45-589F-4C49-6A2C-C0B6BD5048DA}"/>
+              </a:ext>
+            </a:extLst>
+          </p:cNvPr>
+          <p:cNvSpPr/>
+          <p:nvPr/>
+        </p:nvSpPr>
+        <p:spPr>
+          <a:xfrm rot="5400000">
+            <a:off x="348693" y="4739120"/>
+            <a:ext cx="457812" cy="394666"/>
+          </a:xfrm>
+          <a:prstGeom prst="triangle">
+            <a:avLst/>
+          </a:prstGeom>
+          <a:solidFill>
+            <a:srgbClr val="00ACE6"/>
+          </a:solidFill>
+          <a:ln>
+            <a:noFill/>
+          </a:ln>
+        </p:spPr>
+        <p:style>
+          <a:lnRef idx="2">
+            <a:schemeClr val="accent1">
+              <a:shade val="50000"/>
+            </a:schemeClr>
+          </a:lnRef>
+          <a:fillRef idx="1">
+            <a:schemeClr val="accent1"/>
+          </a:fillRef>
+          <a:effectRef idx="0">
+            <a:schemeClr val="accent1"/>
+          </a:effectRef>
+          <a:fontRef idx="minor">
+            <a:schemeClr val="lt1"/>
+          </a:fontRef>
+        </p:style>
+        <p:txBody>
+          <a:bodyPr rtlCol="0" anchor="ctr"/>
+          <a:lstStyle/>
+          <a:p>
+            <a:pPr algn="ctr"/>
+            <a:endParaRPr lang="en-GB"/>
+          </a:p>
+        </p:txBody>
+      </p:sp>
     </p:spTree>
     <p:extLst>
       <p:ext uri="{BB962C8B-B14F-4D97-AF65-F5344CB8AC3E}">
-        <p14:creationId xmlns:p14="http://schemas.microsoft.com/office/powerpoint/2010/main" val="2602471620"/>
+        <p14:creationId xmlns:p14="http://schemas.microsoft.com/office/powerpoint/2010/main" val="3097844209"/>
       </p:ext>
     </p:extLst>
   </p:cSld>
@@ -14227,7 +14601,7 @@
           <a:p>
             <a:r>
               <a:rPr lang="en-GB" sz="4800" b="1" dirty="0"/>
-              <a:t>      Terminology –*.run files</a:t>
+              <a:t>      Terminology – compilation scripts</a:t>
             </a:r>
           </a:p>
         </p:txBody>
@@ -14240,8 +14614,8 @@
         </p:nvSpPr>
         <p:spPr>
           <a:xfrm rot="5400000">
-            <a:off x="348693" y="1536407"/>
-            <a:ext cx="457812" cy="394666"/>
+            <a:off x="352062" y="1593637"/>
+            <a:ext cx="326888" cy="280205"/>
           </a:xfrm>
           <a:prstGeom prst="triangle">
             <a:avLst/>
@@ -14286,8 +14660,8 @@
         </p:nvSpPr>
         <p:spPr>
           <a:xfrm>
-            <a:off x="1061012" y="1467813"/>
-            <a:ext cx="4710733" cy="1200329"/>
+            <a:off x="799755" y="1467813"/>
+            <a:ext cx="4451267" cy="4247317"/>
           </a:xfrm>
           <a:prstGeom prst="rect">
             <a:avLst/>
@@ -14299,6 +14673,204 @@
             <a:spAutoFit/>
           </a:bodyPr>
           <a:lstStyle/>
+          <a:p>
+            <a:pPr algn="just"/>
+            <a:r>
+              <a:rPr lang="en-GB" dirty="0"/>
+              <a:t>For each component that</a:t>
+            </a:r>
+            <a:r>
+              <a:rPr lang="tr-TR" dirty="0"/>
+              <a:t> </a:t>
+            </a:r>
+            <a:r>
+              <a:rPr lang="en-GB" b="1" dirty="0" err="1">
+                <a:solidFill>
+                  <a:srgbClr val="ED7D31"/>
+                </a:solidFill>
+              </a:rPr>
+              <a:t>esm_master</a:t>
+            </a:r>
+            <a:r>
+              <a:rPr lang="en-GB" b="1" dirty="0">
+                <a:solidFill>
+                  <a:srgbClr val="ED7D31"/>
+                </a:solidFill>
+              </a:rPr>
+              <a:t> </a:t>
+            </a:r>
+            <a:r>
+              <a:rPr lang="en-GB" dirty="0"/>
+              <a:t>builds, it produces a</a:t>
+            </a:r>
+            <a:r>
+              <a:rPr lang="tr-TR" dirty="0"/>
+              <a:t> </a:t>
+            </a:r>
+            <a:r>
+              <a:rPr lang="en-GB" dirty="0"/>
+              <a:t>compilation script </a:t>
+            </a:r>
+            <a:r>
+              <a:rPr lang="en-GB" b="1" dirty="0">
+                <a:solidFill>
+                  <a:schemeClr val="accent2"/>
+                </a:solidFill>
+              </a:rPr>
+              <a:t>comp-*.</a:t>
+            </a:r>
+            <a:r>
+              <a:rPr lang="en-GB" b="1" dirty="0" err="1">
+                <a:solidFill>
+                  <a:schemeClr val="accent2"/>
+                </a:solidFill>
+              </a:rPr>
+              <a:t>sh</a:t>
+            </a:r>
+            <a:r>
+              <a:rPr lang="en-GB" b="1" dirty="0"/>
+              <a:t> </a:t>
+            </a:r>
+            <a:r>
+              <a:rPr lang="en-GB" dirty="0"/>
+              <a:t> that</a:t>
+            </a:r>
+            <a:r>
+              <a:rPr lang="tr-TR" dirty="0"/>
+              <a:t> </a:t>
+            </a:r>
+            <a:r>
+              <a:rPr lang="en-GB" dirty="0"/>
+              <a:t>includes the environment specified</a:t>
+            </a:r>
+            <a:r>
+              <a:rPr lang="tr-TR" dirty="0"/>
+              <a:t> </a:t>
+            </a:r>
+            <a:r>
+              <a:rPr lang="en-GB" dirty="0"/>
+              <a:t>in the configuration file</a:t>
+            </a:r>
+            <a:r>
+              <a:rPr lang="tr-TR" dirty="0"/>
+              <a:t>s (</a:t>
+            </a:r>
+            <a:r>
+              <a:rPr lang="en-GB" dirty="0">
+                <a:solidFill>
+                  <a:schemeClr val="accent2"/>
+                </a:solidFill>
+              </a:rPr>
+              <a:t>machine</a:t>
+            </a:r>
+            <a:r>
+              <a:rPr lang="tr-TR" dirty="0">
+                <a:solidFill>
+                  <a:schemeClr val="accent2"/>
+                </a:solidFill>
+              </a:rPr>
+              <a:t> </a:t>
+            </a:r>
+            <a:r>
+              <a:rPr lang="en-GB" dirty="0"/>
+              <a:t>+ </a:t>
+            </a:r>
+            <a:r>
+              <a:rPr lang="en-GB" dirty="0">
+                <a:solidFill>
+                  <a:schemeClr val="accent2"/>
+                </a:solidFill>
+              </a:rPr>
+              <a:t>components</a:t>
+            </a:r>
+            <a:r>
+              <a:rPr lang="tr-TR" dirty="0"/>
+              <a:t> </a:t>
+            </a:r>
+            <a:r>
+              <a:rPr lang="en-GB" dirty="0"/>
+              <a:t>+ </a:t>
+            </a:r>
+            <a:r>
+              <a:rPr lang="en-GB" dirty="0">
+                <a:solidFill>
+                  <a:schemeClr val="accent2"/>
+                </a:solidFill>
+              </a:rPr>
+              <a:t>setups</a:t>
+            </a:r>
+            <a:r>
+              <a:rPr lang="en-GB" dirty="0"/>
+              <a:t>) files</a:t>
+            </a:r>
+            <a:r>
+              <a:rPr lang="tr-TR" dirty="0"/>
+              <a:t> </a:t>
+            </a:r>
+            <a:r>
+              <a:rPr lang="en-GB" dirty="0"/>
+              <a:t>involved</a:t>
+            </a:r>
+          </a:p>
+          <a:p>
+            <a:pPr algn="just"/>
+            <a:endParaRPr lang="en-GB" b="1" dirty="0">
+              <a:solidFill>
+                <a:srgbClr val="ED7D31"/>
+              </a:solidFill>
+            </a:endParaRPr>
+          </a:p>
+          <a:p>
+            <a:pPr algn="just"/>
+            <a:r>
+              <a:rPr lang="en-GB" dirty="0"/>
+              <a:t>Written in the same directory where</a:t>
+            </a:r>
+            <a:r>
+              <a:rPr lang="tr-TR" dirty="0"/>
+              <a:t> </a:t>
+            </a:r>
+            <a:r>
+              <a:rPr lang="en-GB" dirty="0"/>
+              <a:t>you execute </a:t>
+            </a:r>
+            <a:r>
+              <a:rPr lang="en-GB" b="1" dirty="0" err="1">
+                <a:solidFill>
+                  <a:srgbClr val="ED7D31"/>
+                </a:solidFill>
+              </a:rPr>
+              <a:t>esm_master</a:t>
+            </a:r>
+            <a:endParaRPr lang="en-GB" b="1" dirty="0">
+              <a:solidFill>
+                <a:srgbClr val="ED7D31"/>
+              </a:solidFill>
+            </a:endParaRPr>
+          </a:p>
+          <a:p>
+            <a:pPr algn="just"/>
+            <a:endParaRPr lang="en-GB" dirty="0"/>
+          </a:p>
+          <a:p>
+            <a:pPr algn="just"/>
+            <a:r>
+              <a:rPr lang="en-GB" dirty="0"/>
+              <a:t>Copied to the compilation folder</a:t>
+            </a:r>
+            <a:r>
+              <a:rPr lang="tr-TR" dirty="0"/>
+              <a:t> a</a:t>
+            </a:r>
+            <a:r>
+              <a:rPr lang="en-GB" dirty="0" err="1"/>
+              <a:t>fter</a:t>
+            </a:r>
+            <a:r>
+              <a:rPr lang="en-GB" dirty="0"/>
+              <a:t> the building finishes</a:t>
+            </a:r>
+          </a:p>
           <a:p>
             <a:endParaRPr lang="en-GB" sz="2400" b="1" dirty="0">
               <a:solidFill>
@@ -14328,8 +14900,8 @@
         </p:nvSpPr>
         <p:spPr>
           <a:xfrm rot="5400000">
-            <a:off x="348693" y="3464719"/>
-            <a:ext cx="457812" cy="394666"/>
+            <a:off x="352062" y="3219521"/>
+            <a:ext cx="326888" cy="280205"/>
           </a:xfrm>
           <a:prstGeom prst="triangle">
             <a:avLst/>
@@ -14368,7 +14940,1305 @@
       </p:sp>
       <p:sp>
         <p:nvSpPr>
-          <p:cNvPr id="8" name="Slide Number Placeholder 4"/>
+          <p:cNvPr id="6" name="Isosceles Triangle 6">
+            <a:extLst>
+              <a:ext uri="{FF2B5EF4-FFF2-40B4-BE49-F238E27FC236}">
+                <a16:creationId xmlns:a16="http://schemas.microsoft.com/office/drawing/2014/main" id="{BDCF8FD7-263A-3976-D6FC-9BD4605F56D3}"/>
+              </a:ext>
+            </a:extLst>
+          </p:cNvPr>
+          <p:cNvSpPr/>
+          <p:nvPr/>
+        </p:nvSpPr>
+        <p:spPr>
+          <a:xfrm rot="5400000">
+            <a:off x="352061" y="4035542"/>
+            <a:ext cx="326888" cy="280205"/>
+          </a:xfrm>
+          <a:prstGeom prst="triangle">
+            <a:avLst/>
+          </a:prstGeom>
+          <a:solidFill>
+            <a:srgbClr val="00ACE6"/>
+          </a:solidFill>
+          <a:ln>
+            <a:noFill/>
+          </a:ln>
+        </p:spPr>
+        <p:style>
+          <a:lnRef idx="2">
+            <a:schemeClr val="accent1">
+              <a:shade val="50000"/>
+            </a:schemeClr>
+          </a:lnRef>
+          <a:fillRef idx="1">
+            <a:schemeClr val="accent1"/>
+          </a:fillRef>
+          <a:effectRef idx="0">
+            <a:schemeClr val="accent1"/>
+          </a:effectRef>
+          <a:fontRef idx="minor">
+            <a:schemeClr val="lt1"/>
+          </a:fontRef>
+        </p:style>
+        <p:txBody>
+          <a:bodyPr rtlCol="0" anchor="ctr"/>
+          <a:lstStyle/>
+          <a:p>
+            <a:pPr algn="ctr"/>
+            <a:endParaRPr lang="en-GB"/>
+          </a:p>
+        </p:txBody>
+      </p:sp>
+      <p:sp>
+        <p:nvSpPr>
+          <p:cNvPr id="3" name="Rectangle 2">
+            <a:extLst>
+              <a:ext uri="{FF2B5EF4-FFF2-40B4-BE49-F238E27FC236}">
+                <a16:creationId xmlns:a16="http://schemas.microsoft.com/office/drawing/2014/main" id="{F08E39CC-E18B-375B-D343-E75E5F11D364}"/>
+              </a:ext>
+            </a:extLst>
+          </p:cNvPr>
+          <p:cNvSpPr/>
+          <p:nvPr/>
+        </p:nvSpPr>
+        <p:spPr>
+          <a:xfrm>
+            <a:off x="5395168" y="1467813"/>
+            <a:ext cx="6718158" cy="5001369"/>
+          </a:xfrm>
+          <a:prstGeom prst="rect">
+            <a:avLst/>
+          </a:prstGeom>
+          <a:solidFill>
+            <a:schemeClr val="bg1">
+              <a:lumMod val="95000"/>
+            </a:schemeClr>
+          </a:solidFill>
+          <a:ln w="12700">
+            <a:noFill/>
+          </a:ln>
+        </p:spPr>
+        <p:txBody>
+          <a:bodyPr wrap="square">
+            <a:spAutoFit/>
+          </a:bodyPr>
+          <a:lstStyle/>
+          <a:p>
+            <a:r>
+              <a:rPr lang="en-GB" sz="1100" i="1" dirty="0">
+                <a:solidFill>
+                  <a:srgbClr val="535353"/>
+                </a:solidFill>
+                <a:latin typeface="Consolas" panose="020B0609020204030204" pitchFamily="49" charset="0"/>
+              </a:rPr>
+              <a:t>#!/bin/bash –l</a:t>
+            </a:r>
+          </a:p>
+          <a:p>
+            <a:r>
+              <a:rPr lang="en-GB" sz="1100" i="1" dirty="0">
+                <a:solidFill>
+                  <a:srgbClr val="535353"/>
+                </a:solidFill>
+                <a:latin typeface="Consolas" panose="020B0609020204030204" pitchFamily="49" charset="0"/>
+              </a:rPr>
+              <a:t># Dummy script generated by </a:t>
+            </a:r>
+            <a:r>
+              <a:rPr lang="en-GB" sz="1100" i="1" dirty="0" err="1">
+                <a:solidFill>
+                  <a:srgbClr val="535353"/>
+                </a:solidFill>
+                <a:latin typeface="Consolas" panose="020B0609020204030204" pitchFamily="49" charset="0"/>
+              </a:rPr>
+              <a:t>esm</a:t>
+            </a:r>
+            <a:r>
+              <a:rPr lang="en-GB" sz="1100" i="1" dirty="0">
+                <a:solidFill>
+                  <a:srgbClr val="535353"/>
+                </a:solidFill>
+                <a:latin typeface="Consolas" panose="020B0609020204030204" pitchFamily="49" charset="0"/>
+              </a:rPr>
+              <a:t>-tools, to be removed later:</a:t>
+            </a:r>
+          </a:p>
+          <a:p>
+            <a:r>
+              <a:rPr lang="en-GB" sz="1100" b="1" dirty="0">
+                <a:solidFill>
+                  <a:srgbClr val="000000"/>
+                </a:solidFill>
+                <a:latin typeface="Consolas" panose="020B0609020204030204" pitchFamily="49" charset="0"/>
+              </a:rPr>
+              <a:t>set</a:t>
+            </a:r>
+            <a:r>
+              <a:rPr lang="en-GB" sz="1100" dirty="0">
+                <a:solidFill>
+                  <a:srgbClr val="000000"/>
+                </a:solidFill>
+                <a:latin typeface="Consolas" panose="020B0609020204030204" pitchFamily="49" charset="0"/>
+              </a:rPr>
+              <a:t> </a:t>
+            </a:r>
+            <a:r>
+              <a:rPr lang="en-GB" sz="1100" dirty="0">
+                <a:solidFill>
+                  <a:srgbClr val="520026"/>
+                </a:solidFill>
+                <a:latin typeface="Consolas" panose="020B0609020204030204" pitchFamily="49" charset="0"/>
+              </a:rPr>
+              <a:t>–e</a:t>
+            </a:r>
+          </a:p>
+          <a:p>
+            <a:r>
+              <a:rPr lang="en-GB" sz="1100" dirty="0">
+                <a:solidFill>
+                  <a:srgbClr val="000000"/>
+                </a:solidFill>
+                <a:latin typeface="Consolas" panose="020B0609020204030204" pitchFamily="49" charset="0"/>
+              </a:rPr>
+              <a:t>module purge</a:t>
+            </a:r>
+          </a:p>
+          <a:p>
+            <a:r>
+              <a:rPr lang="en-GB" sz="1100" dirty="0">
+                <a:solidFill>
+                  <a:srgbClr val="000000"/>
+                </a:solidFill>
+                <a:latin typeface="Consolas" panose="020B0609020204030204" pitchFamily="49" charset="0"/>
+              </a:rPr>
+              <a:t>module unload </a:t>
+            </a:r>
+            <a:r>
+              <a:rPr lang="en-GB" sz="1100" dirty="0" err="1">
+                <a:solidFill>
+                  <a:srgbClr val="000000"/>
+                </a:solidFill>
+                <a:latin typeface="Consolas" panose="020B0609020204030204" pitchFamily="49" charset="0"/>
+              </a:rPr>
+              <a:t>netcdf_c</a:t>
+            </a:r>
+            <a:endParaRPr lang="en-GB" sz="1100" dirty="0">
+              <a:solidFill>
+                <a:srgbClr val="000000"/>
+              </a:solidFill>
+              <a:latin typeface="Consolas" panose="020B0609020204030204" pitchFamily="49" charset="0"/>
+            </a:endParaRPr>
+          </a:p>
+          <a:p>
+            <a:r>
+              <a:rPr lang="en-GB" sz="1100" dirty="0">
+                <a:solidFill>
+                  <a:srgbClr val="000000"/>
+                </a:solidFill>
+                <a:latin typeface="Consolas" panose="020B0609020204030204" pitchFamily="49" charset="0"/>
+              </a:rPr>
+              <a:t>module unload intel </a:t>
+            </a:r>
+            <a:r>
+              <a:rPr lang="en-GB" sz="1100" dirty="0" err="1">
+                <a:solidFill>
+                  <a:srgbClr val="000000"/>
+                </a:solidFill>
+                <a:latin typeface="Consolas" panose="020B0609020204030204" pitchFamily="49" charset="0"/>
+              </a:rPr>
+              <a:t>intelmpi</a:t>
+            </a:r>
+            <a:endParaRPr lang="en-GB" sz="1100" dirty="0">
+              <a:solidFill>
+                <a:srgbClr val="000000"/>
+              </a:solidFill>
+              <a:latin typeface="Consolas" panose="020B0609020204030204" pitchFamily="49" charset="0"/>
+            </a:endParaRPr>
+          </a:p>
+          <a:p>
+            <a:r>
+              <a:rPr lang="en-GB" sz="1100" dirty="0">
+                <a:solidFill>
+                  <a:srgbClr val="000000"/>
+                </a:solidFill>
+                <a:latin typeface="Consolas" panose="020B0609020204030204" pitchFamily="49" charset="0"/>
+              </a:rPr>
+              <a:t>module load python3</a:t>
+            </a:r>
+            <a:r>
+              <a:rPr lang="en-GB" sz="1100" b="1" dirty="0">
+                <a:solidFill>
+                  <a:srgbClr val="000000"/>
+                </a:solidFill>
+                <a:latin typeface="Consolas" panose="020B0609020204030204" pitchFamily="49" charset="0"/>
+              </a:rPr>
+              <a:t>/</a:t>
+            </a:r>
+            <a:r>
+              <a:rPr lang="en-GB" sz="1100" dirty="0">
+                <a:solidFill>
+                  <a:srgbClr val="000000"/>
+                </a:solidFill>
+                <a:latin typeface="Consolas" panose="020B0609020204030204" pitchFamily="49" charset="0"/>
+              </a:rPr>
+              <a:t>2021.01-gcc-9.1.0</a:t>
+            </a:r>
+          </a:p>
+          <a:p>
+            <a:r>
+              <a:rPr lang="en-GB" sz="1100" dirty="0">
+                <a:solidFill>
+                  <a:srgbClr val="000000"/>
+                </a:solidFill>
+                <a:latin typeface="Consolas" panose="020B0609020204030204" pitchFamily="49" charset="0"/>
+              </a:rPr>
+              <a:t>module load </a:t>
+            </a:r>
+            <a:r>
+              <a:rPr lang="en-GB" sz="1100" dirty="0" err="1">
+                <a:solidFill>
+                  <a:srgbClr val="000000"/>
+                </a:solidFill>
+                <a:latin typeface="Consolas" panose="020B0609020204030204" pitchFamily="49" charset="0"/>
+              </a:rPr>
+              <a:t>cmake</a:t>
+            </a:r>
+            <a:r>
+              <a:rPr lang="en-GB" sz="1100" b="1" dirty="0">
+                <a:solidFill>
+                  <a:srgbClr val="000000"/>
+                </a:solidFill>
+                <a:latin typeface="Consolas" panose="020B0609020204030204" pitchFamily="49" charset="0"/>
+              </a:rPr>
+              <a:t>/</a:t>
+            </a:r>
+            <a:r>
+              <a:rPr lang="en-GB" sz="1100" dirty="0">
+                <a:solidFill>
+                  <a:srgbClr val="000000"/>
+                </a:solidFill>
+                <a:latin typeface="Consolas" panose="020B0609020204030204" pitchFamily="49" charset="0"/>
+              </a:rPr>
+              <a:t>3.13.3</a:t>
+            </a:r>
+          </a:p>
+          <a:p>
+            <a:r>
+              <a:rPr lang="en-GB" sz="1100" dirty="0">
+                <a:solidFill>
+                  <a:srgbClr val="000000"/>
+                </a:solidFill>
+                <a:latin typeface="Consolas" panose="020B0609020204030204" pitchFamily="49" charset="0"/>
+              </a:rPr>
+              <a:t>module load </a:t>
+            </a:r>
+            <a:r>
+              <a:rPr lang="en-GB" sz="1100" dirty="0" err="1">
+                <a:solidFill>
+                  <a:srgbClr val="000000"/>
+                </a:solidFill>
+                <a:latin typeface="Consolas" panose="020B0609020204030204" pitchFamily="49" charset="0"/>
+              </a:rPr>
+              <a:t>autoconf</a:t>
+            </a:r>
+            <a:r>
+              <a:rPr lang="en-GB" sz="1100" b="1" dirty="0">
+                <a:solidFill>
+                  <a:srgbClr val="000000"/>
+                </a:solidFill>
+                <a:latin typeface="Consolas" panose="020B0609020204030204" pitchFamily="49" charset="0"/>
+              </a:rPr>
+              <a:t>/</a:t>
+            </a:r>
+            <a:r>
+              <a:rPr lang="en-GB" sz="1100" dirty="0">
+                <a:solidFill>
+                  <a:srgbClr val="000000"/>
+                </a:solidFill>
+                <a:latin typeface="Consolas" panose="020B0609020204030204" pitchFamily="49" charset="0"/>
+              </a:rPr>
+              <a:t>2.69</a:t>
+            </a:r>
+          </a:p>
+          <a:p>
+            <a:r>
+              <a:rPr lang="en-GB" sz="1100" dirty="0">
+                <a:solidFill>
+                  <a:srgbClr val="000000"/>
+                </a:solidFill>
+                <a:latin typeface="Consolas" panose="020B0609020204030204" pitchFamily="49" charset="0"/>
+              </a:rPr>
+              <a:t>module load </a:t>
+            </a:r>
+            <a:r>
+              <a:rPr lang="en-GB" sz="1100" dirty="0" err="1">
+                <a:solidFill>
+                  <a:srgbClr val="000000"/>
+                </a:solidFill>
+                <a:latin typeface="Consolas" panose="020B0609020204030204" pitchFamily="49" charset="0"/>
+              </a:rPr>
+              <a:t>nco</a:t>
+            </a:r>
+            <a:r>
+              <a:rPr lang="en-GB" sz="1100" dirty="0">
+                <a:solidFill>
+                  <a:srgbClr val="000000"/>
+                </a:solidFill>
+                <a:latin typeface="Consolas" panose="020B0609020204030204" pitchFamily="49" charset="0"/>
+              </a:rPr>
+              <a:t> </a:t>
+            </a:r>
+          </a:p>
+          <a:p>
+            <a:r>
+              <a:rPr lang="en-GB" sz="1100" dirty="0">
+                <a:solidFill>
+                  <a:srgbClr val="000000"/>
+                </a:solidFill>
+                <a:latin typeface="Consolas" panose="020B0609020204030204" pitchFamily="49" charset="0"/>
+              </a:rPr>
+              <a:t>module load </a:t>
+            </a:r>
+            <a:r>
+              <a:rPr lang="en-GB" sz="1100" dirty="0" err="1">
+                <a:solidFill>
+                  <a:srgbClr val="000000"/>
+                </a:solidFill>
+                <a:latin typeface="Consolas" panose="020B0609020204030204" pitchFamily="49" charset="0"/>
+              </a:rPr>
+              <a:t>cdo</a:t>
+            </a:r>
+            <a:r>
+              <a:rPr lang="en-GB" sz="1100" dirty="0">
+                <a:solidFill>
+                  <a:srgbClr val="000000"/>
+                </a:solidFill>
+                <a:latin typeface="Consolas" panose="020B0609020204030204" pitchFamily="49" charset="0"/>
+              </a:rPr>
+              <a:t> </a:t>
+            </a:r>
+          </a:p>
+          <a:p>
+            <a:r>
+              <a:rPr lang="en-GB" sz="1100" dirty="0">
+                <a:solidFill>
+                  <a:srgbClr val="000000"/>
+                </a:solidFill>
+                <a:latin typeface="Consolas" panose="020B0609020204030204" pitchFamily="49" charset="0"/>
+              </a:rPr>
+              <a:t>module load </a:t>
+            </a:r>
+            <a:r>
+              <a:rPr lang="en-GB" sz="1100" dirty="0" err="1">
+                <a:solidFill>
+                  <a:srgbClr val="000000"/>
+                </a:solidFill>
+                <a:latin typeface="Consolas" panose="020B0609020204030204" pitchFamily="49" charset="0"/>
+              </a:rPr>
+              <a:t>gcc</a:t>
+            </a:r>
+            <a:r>
+              <a:rPr lang="en-GB" sz="1100" b="1" dirty="0">
+                <a:solidFill>
+                  <a:srgbClr val="000000"/>
+                </a:solidFill>
+                <a:latin typeface="Consolas" panose="020B0609020204030204" pitchFamily="49" charset="0"/>
+              </a:rPr>
+              <a:t>/</a:t>
+            </a:r>
+            <a:r>
+              <a:rPr lang="en-GB" sz="1100" dirty="0">
+                <a:solidFill>
+                  <a:srgbClr val="000000"/>
+                </a:solidFill>
+                <a:latin typeface="Consolas" panose="020B0609020204030204" pitchFamily="49" charset="0"/>
+              </a:rPr>
+              <a:t>4.8.2</a:t>
+            </a:r>
+          </a:p>
+          <a:p>
+            <a:r>
+              <a:rPr lang="en-GB" sz="1100" dirty="0">
+                <a:solidFill>
+                  <a:srgbClr val="000000"/>
+                </a:solidFill>
+                <a:latin typeface="Consolas" panose="020B0609020204030204" pitchFamily="49" charset="0"/>
+              </a:rPr>
+              <a:t>module unload intel </a:t>
+            </a:r>
+            <a:r>
+              <a:rPr lang="en-GB" sz="1100" dirty="0" err="1">
+                <a:solidFill>
+                  <a:srgbClr val="000000"/>
+                </a:solidFill>
+                <a:latin typeface="Consolas" panose="020B0609020204030204" pitchFamily="49" charset="0"/>
+              </a:rPr>
+              <a:t>intelmpi</a:t>
+            </a:r>
+            <a:endParaRPr lang="en-GB" sz="1100" dirty="0">
+              <a:solidFill>
+                <a:srgbClr val="000000"/>
+              </a:solidFill>
+              <a:latin typeface="Consolas" panose="020B0609020204030204" pitchFamily="49" charset="0"/>
+            </a:endParaRPr>
+          </a:p>
+          <a:p>
+            <a:r>
+              <a:rPr lang="en-GB" sz="1100" dirty="0">
+                <a:solidFill>
+                  <a:srgbClr val="000000"/>
+                </a:solidFill>
+                <a:latin typeface="Consolas" panose="020B0609020204030204" pitchFamily="49" charset="0"/>
+              </a:rPr>
+              <a:t>module load intel</a:t>
+            </a:r>
+            <a:r>
+              <a:rPr lang="en-GB" sz="1100" b="1" dirty="0">
+                <a:solidFill>
+                  <a:srgbClr val="000000"/>
+                </a:solidFill>
+                <a:latin typeface="Consolas" panose="020B0609020204030204" pitchFamily="49" charset="0"/>
+              </a:rPr>
+              <a:t>/</a:t>
+            </a:r>
+            <a:r>
+              <a:rPr lang="en-GB" sz="1100" dirty="0">
+                <a:solidFill>
+                  <a:srgbClr val="000000"/>
+                </a:solidFill>
+                <a:latin typeface="Consolas" panose="020B0609020204030204" pitchFamily="49" charset="0"/>
+              </a:rPr>
+              <a:t>18.0.4 </a:t>
+            </a:r>
+            <a:r>
+              <a:rPr lang="en-GB" sz="1100" dirty="0" err="1">
+                <a:solidFill>
+                  <a:srgbClr val="000000"/>
+                </a:solidFill>
+                <a:latin typeface="Consolas" panose="020B0609020204030204" pitchFamily="49" charset="0"/>
+              </a:rPr>
+              <a:t>intelmpi</a:t>
+            </a:r>
+            <a:r>
+              <a:rPr lang="en-GB" sz="1100" b="1" dirty="0">
+                <a:solidFill>
+                  <a:srgbClr val="000000"/>
+                </a:solidFill>
+                <a:latin typeface="Consolas" panose="020B0609020204030204" pitchFamily="49" charset="0"/>
+              </a:rPr>
+              <a:t>/</a:t>
+            </a:r>
+            <a:r>
+              <a:rPr lang="en-GB" sz="1100" dirty="0">
+                <a:solidFill>
+                  <a:srgbClr val="000000"/>
+                </a:solidFill>
+                <a:latin typeface="Consolas" panose="020B0609020204030204" pitchFamily="49" charset="0"/>
+              </a:rPr>
+              <a:t>2018.5.288</a:t>
+            </a:r>
+          </a:p>
+          <a:p>
+            <a:r>
+              <a:rPr lang="en-GB" sz="1100" dirty="0">
+                <a:solidFill>
+                  <a:srgbClr val="000000"/>
+                </a:solidFill>
+                <a:latin typeface="Consolas" panose="020B0609020204030204" pitchFamily="49" charset="0"/>
+              </a:rPr>
+              <a:t>module load </a:t>
+            </a:r>
+            <a:r>
+              <a:rPr lang="en-GB" sz="1100" dirty="0" err="1">
+                <a:solidFill>
+                  <a:srgbClr val="000000"/>
+                </a:solidFill>
+                <a:latin typeface="Consolas" panose="020B0609020204030204" pitchFamily="49" charset="0"/>
+              </a:rPr>
+              <a:t>libtool</a:t>
+            </a:r>
+            <a:r>
+              <a:rPr lang="en-GB" sz="1100" b="1" dirty="0">
+                <a:solidFill>
+                  <a:srgbClr val="000000"/>
+                </a:solidFill>
+                <a:latin typeface="Consolas" panose="020B0609020204030204" pitchFamily="49" charset="0"/>
+              </a:rPr>
+              <a:t>/</a:t>
+            </a:r>
+            <a:r>
+              <a:rPr lang="en-GB" sz="1100" dirty="0">
+                <a:solidFill>
+                  <a:srgbClr val="000000"/>
+                </a:solidFill>
+                <a:latin typeface="Consolas" panose="020B0609020204030204" pitchFamily="49" charset="0"/>
+              </a:rPr>
+              <a:t>2.4.6</a:t>
+            </a:r>
+          </a:p>
+          <a:p>
+            <a:r>
+              <a:rPr lang="en-GB" sz="1100" dirty="0">
+                <a:solidFill>
+                  <a:srgbClr val="000000"/>
+                </a:solidFill>
+                <a:latin typeface="Consolas" panose="020B0609020204030204" pitchFamily="49" charset="0"/>
+              </a:rPr>
+              <a:t>module load </a:t>
+            </a:r>
+            <a:r>
+              <a:rPr lang="en-GB" sz="1100" dirty="0" err="1">
+                <a:solidFill>
+                  <a:srgbClr val="000000"/>
+                </a:solidFill>
+                <a:latin typeface="Consolas" panose="020B0609020204030204" pitchFamily="49" charset="0"/>
+              </a:rPr>
+              <a:t>automake</a:t>
+            </a:r>
+            <a:r>
+              <a:rPr lang="en-GB" sz="1100" b="1" dirty="0">
+                <a:solidFill>
+                  <a:srgbClr val="000000"/>
+                </a:solidFill>
+                <a:latin typeface="Consolas" panose="020B0609020204030204" pitchFamily="49" charset="0"/>
+              </a:rPr>
+              <a:t>/</a:t>
+            </a:r>
+            <a:r>
+              <a:rPr lang="en-GB" sz="1100" dirty="0">
+                <a:solidFill>
+                  <a:srgbClr val="000000"/>
+                </a:solidFill>
+                <a:latin typeface="Consolas" panose="020B0609020204030204" pitchFamily="49" charset="0"/>
+              </a:rPr>
+              <a:t>1.14.1</a:t>
+            </a:r>
+          </a:p>
+          <a:p>
+            <a:r>
+              <a:rPr lang="en-GB" sz="1100" dirty="0">
+                <a:solidFill>
+                  <a:srgbClr val="000000"/>
+                </a:solidFill>
+                <a:latin typeface="Consolas" panose="020B0609020204030204" pitchFamily="49" charset="0"/>
+              </a:rPr>
+              <a:t>module unload </a:t>
+            </a:r>
+            <a:r>
+              <a:rPr lang="en-GB" sz="1100" b="1" dirty="0" err="1">
+                <a:solidFill>
+                  <a:srgbClr val="B200AA"/>
+                </a:solidFill>
+                <a:latin typeface="Consolas" panose="020B0609020204030204" pitchFamily="49" charset="0"/>
+              </a:rPr>
+              <a:t>gcc</a:t>
+            </a:r>
+            <a:r>
+              <a:rPr lang="en-GB" sz="1100" dirty="0">
+                <a:solidFill>
+                  <a:srgbClr val="000000"/>
+                </a:solidFill>
+                <a:latin typeface="Consolas" panose="020B0609020204030204" pitchFamily="49" charset="0"/>
+              </a:rPr>
+              <a:t> </a:t>
+            </a:r>
+          </a:p>
+          <a:p>
+            <a:r>
+              <a:rPr lang="en-GB" sz="1100" dirty="0">
+                <a:solidFill>
+                  <a:srgbClr val="000000"/>
+                </a:solidFill>
+                <a:latin typeface="Consolas" panose="020B0609020204030204" pitchFamily="49" charset="0"/>
+              </a:rPr>
+              <a:t>module load </a:t>
+            </a:r>
+            <a:r>
+              <a:rPr lang="en-GB" sz="1100" dirty="0" err="1">
+                <a:solidFill>
+                  <a:srgbClr val="000000"/>
+                </a:solidFill>
+                <a:latin typeface="Consolas" panose="020B0609020204030204" pitchFamily="49" charset="0"/>
+              </a:rPr>
+              <a:t>gcc</a:t>
+            </a:r>
+            <a:r>
+              <a:rPr lang="en-GB" sz="1100" b="1" dirty="0">
+                <a:solidFill>
+                  <a:srgbClr val="000000"/>
+                </a:solidFill>
+                <a:latin typeface="Consolas" panose="020B0609020204030204" pitchFamily="49" charset="0"/>
+              </a:rPr>
+              <a:t>/</a:t>
+            </a:r>
+            <a:r>
+              <a:rPr lang="en-GB" sz="1100" dirty="0">
+                <a:solidFill>
+                  <a:srgbClr val="000000"/>
+                </a:solidFill>
+                <a:latin typeface="Consolas" panose="020B0609020204030204" pitchFamily="49" charset="0"/>
+              </a:rPr>
+              <a:t>4.8.2 </a:t>
+            </a:r>
+          </a:p>
+          <a:p>
+            <a:r>
+              <a:rPr lang="en-GB" sz="1100" b="1" dirty="0">
+                <a:solidFill>
+                  <a:srgbClr val="650061"/>
+                </a:solidFill>
+                <a:latin typeface="Consolas" panose="020B0609020204030204" pitchFamily="49" charset="0"/>
+              </a:rPr>
+              <a:t>export</a:t>
+            </a:r>
+            <a:r>
+              <a:rPr lang="en-GB" sz="1100" dirty="0">
+                <a:solidFill>
+                  <a:srgbClr val="000000"/>
+                </a:solidFill>
+                <a:latin typeface="Consolas" panose="020B0609020204030204" pitchFamily="49" charset="0"/>
+              </a:rPr>
+              <a:t> </a:t>
+            </a:r>
+            <a:r>
+              <a:rPr lang="en-GB" sz="1100" dirty="0">
+                <a:solidFill>
+                  <a:srgbClr val="0E6801"/>
+                </a:solidFill>
+                <a:latin typeface="Consolas" panose="020B0609020204030204" pitchFamily="49" charset="0"/>
+              </a:rPr>
+              <a:t>LC_ALL</a:t>
+            </a:r>
+            <a:r>
+              <a:rPr lang="en-GB" sz="1100" dirty="0">
+                <a:solidFill>
+                  <a:srgbClr val="000000"/>
+                </a:solidFill>
+                <a:latin typeface="Consolas" panose="020B0609020204030204" pitchFamily="49" charset="0"/>
+              </a:rPr>
+              <a:t>=en_US.UTF-8</a:t>
+            </a:r>
+          </a:p>
+          <a:p>
+            <a:r>
+              <a:rPr lang="en-GB" sz="1100" b="1" dirty="0">
+                <a:solidFill>
+                  <a:srgbClr val="650061"/>
+                </a:solidFill>
+                <a:latin typeface="Consolas" panose="020B0609020204030204" pitchFamily="49" charset="0"/>
+              </a:rPr>
+              <a:t>export</a:t>
+            </a:r>
+            <a:r>
+              <a:rPr lang="en-GB" sz="1100" dirty="0">
+                <a:solidFill>
+                  <a:srgbClr val="000000"/>
+                </a:solidFill>
+                <a:latin typeface="Consolas" panose="020B0609020204030204" pitchFamily="49" charset="0"/>
+              </a:rPr>
+              <a:t> </a:t>
+            </a:r>
+            <a:r>
+              <a:rPr lang="en-GB" sz="1100" dirty="0">
+                <a:solidFill>
+                  <a:srgbClr val="0E6801"/>
+                </a:solidFill>
+                <a:latin typeface="Consolas" panose="020B0609020204030204" pitchFamily="49" charset="0"/>
+              </a:rPr>
+              <a:t>FC</a:t>
+            </a:r>
+            <a:r>
+              <a:rPr lang="en-GB" sz="1100" dirty="0">
+                <a:solidFill>
+                  <a:srgbClr val="000000"/>
+                </a:solidFill>
+                <a:latin typeface="Consolas" panose="020B0609020204030204" pitchFamily="49" charset="0"/>
+              </a:rPr>
+              <a:t>=</a:t>
+            </a:r>
+            <a:r>
+              <a:rPr lang="en-GB" sz="1100" dirty="0" err="1">
+                <a:solidFill>
+                  <a:srgbClr val="000000"/>
+                </a:solidFill>
+                <a:latin typeface="Consolas" panose="020B0609020204030204" pitchFamily="49" charset="0"/>
+              </a:rPr>
+              <a:t>mpiifort</a:t>
+            </a:r>
+            <a:endParaRPr lang="en-GB" sz="1100" dirty="0">
+              <a:solidFill>
+                <a:srgbClr val="000000"/>
+              </a:solidFill>
+              <a:latin typeface="Consolas" panose="020B0609020204030204" pitchFamily="49" charset="0"/>
+            </a:endParaRPr>
+          </a:p>
+          <a:p>
+            <a:r>
+              <a:rPr lang="en-GB" sz="1100" b="1" dirty="0">
+                <a:solidFill>
+                  <a:srgbClr val="650061"/>
+                </a:solidFill>
+                <a:latin typeface="Consolas" panose="020B0609020204030204" pitchFamily="49" charset="0"/>
+              </a:rPr>
+              <a:t>export</a:t>
+            </a:r>
+            <a:r>
+              <a:rPr lang="en-GB" sz="1100" dirty="0">
+                <a:solidFill>
+                  <a:srgbClr val="000000"/>
+                </a:solidFill>
+                <a:latin typeface="Consolas" panose="020B0609020204030204" pitchFamily="49" charset="0"/>
+              </a:rPr>
+              <a:t> </a:t>
+            </a:r>
+            <a:r>
+              <a:rPr lang="en-GB" sz="1100" dirty="0">
+                <a:solidFill>
+                  <a:srgbClr val="0E6801"/>
+                </a:solidFill>
+                <a:latin typeface="Consolas" panose="020B0609020204030204" pitchFamily="49" charset="0"/>
+              </a:rPr>
+              <a:t>F77</a:t>
+            </a:r>
+            <a:r>
+              <a:rPr lang="en-GB" sz="1100" dirty="0">
+                <a:solidFill>
+                  <a:srgbClr val="000000"/>
+                </a:solidFill>
+                <a:latin typeface="Consolas" panose="020B0609020204030204" pitchFamily="49" charset="0"/>
+              </a:rPr>
+              <a:t>=</a:t>
+            </a:r>
+            <a:r>
+              <a:rPr lang="en-GB" sz="1100" dirty="0" err="1">
+                <a:solidFill>
+                  <a:srgbClr val="000000"/>
+                </a:solidFill>
+                <a:latin typeface="Consolas" panose="020B0609020204030204" pitchFamily="49" charset="0"/>
+              </a:rPr>
+              <a:t>mpiifort</a:t>
+            </a:r>
+            <a:endParaRPr lang="en-GB" sz="1100" dirty="0">
+              <a:solidFill>
+                <a:srgbClr val="000000"/>
+              </a:solidFill>
+              <a:latin typeface="Consolas" panose="020B0609020204030204" pitchFamily="49" charset="0"/>
+            </a:endParaRPr>
+          </a:p>
+          <a:p>
+            <a:r>
+              <a:rPr lang="en-GB" sz="1100" b="1" dirty="0">
+                <a:solidFill>
+                  <a:srgbClr val="650061"/>
+                </a:solidFill>
+                <a:latin typeface="Consolas" panose="020B0609020204030204" pitchFamily="49" charset="0"/>
+              </a:rPr>
+              <a:t>export</a:t>
+            </a:r>
+            <a:r>
+              <a:rPr lang="en-GB" sz="1100" dirty="0">
+                <a:solidFill>
+                  <a:srgbClr val="000000"/>
+                </a:solidFill>
+                <a:latin typeface="Consolas" panose="020B0609020204030204" pitchFamily="49" charset="0"/>
+              </a:rPr>
+              <a:t> </a:t>
+            </a:r>
+            <a:r>
+              <a:rPr lang="en-GB" sz="1100" dirty="0">
+                <a:solidFill>
+                  <a:srgbClr val="0E6801"/>
+                </a:solidFill>
+                <a:latin typeface="Consolas" panose="020B0609020204030204" pitchFamily="49" charset="0"/>
+              </a:rPr>
+              <a:t>MPIFC</a:t>
+            </a:r>
+            <a:r>
+              <a:rPr lang="en-GB" sz="1100" dirty="0">
+                <a:solidFill>
+                  <a:srgbClr val="000000"/>
+                </a:solidFill>
+                <a:latin typeface="Consolas" panose="020B0609020204030204" pitchFamily="49" charset="0"/>
+              </a:rPr>
+              <a:t>=</a:t>
+            </a:r>
+            <a:r>
+              <a:rPr lang="en-GB" sz="1100" dirty="0" err="1">
+                <a:solidFill>
+                  <a:srgbClr val="000000"/>
+                </a:solidFill>
+                <a:latin typeface="Consolas" panose="020B0609020204030204" pitchFamily="49" charset="0"/>
+              </a:rPr>
+              <a:t>mpiifort</a:t>
+            </a:r>
+            <a:endParaRPr lang="en-GB" sz="1100" dirty="0">
+              <a:solidFill>
+                <a:srgbClr val="000000"/>
+              </a:solidFill>
+              <a:latin typeface="Consolas" panose="020B0609020204030204" pitchFamily="49" charset="0"/>
+            </a:endParaRPr>
+          </a:p>
+          <a:p>
+            <a:r>
+              <a:rPr lang="en-GB" sz="1100" b="1" dirty="0">
+                <a:solidFill>
+                  <a:srgbClr val="650061"/>
+                </a:solidFill>
+                <a:latin typeface="Consolas" panose="020B0609020204030204" pitchFamily="49" charset="0"/>
+              </a:rPr>
+              <a:t>export</a:t>
+            </a:r>
+            <a:r>
+              <a:rPr lang="en-GB" sz="1100" dirty="0">
+                <a:solidFill>
+                  <a:srgbClr val="000000"/>
+                </a:solidFill>
+                <a:latin typeface="Consolas" panose="020B0609020204030204" pitchFamily="49" charset="0"/>
+              </a:rPr>
+              <a:t> </a:t>
+            </a:r>
+            <a:r>
+              <a:rPr lang="en-GB" sz="1100" dirty="0">
+                <a:solidFill>
+                  <a:srgbClr val="0E6801"/>
+                </a:solidFill>
+                <a:latin typeface="Consolas" panose="020B0609020204030204" pitchFamily="49" charset="0"/>
+              </a:rPr>
+              <a:t>CC</a:t>
+            </a:r>
+            <a:r>
+              <a:rPr lang="en-GB" sz="1100" dirty="0">
+                <a:solidFill>
+                  <a:srgbClr val="000000"/>
+                </a:solidFill>
+                <a:latin typeface="Consolas" panose="020B0609020204030204" pitchFamily="49" charset="0"/>
+              </a:rPr>
+              <a:t>=</a:t>
+            </a:r>
+            <a:r>
+              <a:rPr lang="en-GB" sz="1100" dirty="0" err="1">
+                <a:solidFill>
+                  <a:srgbClr val="000000"/>
+                </a:solidFill>
+                <a:latin typeface="Consolas" panose="020B0609020204030204" pitchFamily="49" charset="0"/>
+              </a:rPr>
+              <a:t>mpiicc</a:t>
+            </a:r>
+            <a:endParaRPr lang="en-GB" sz="1100" dirty="0">
+              <a:solidFill>
+                <a:srgbClr val="000000"/>
+              </a:solidFill>
+              <a:latin typeface="Consolas" panose="020B0609020204030204" pitchFamily="49" charset="0"/>
+            </a:endParaRPr>
+          </a:p>
+          <a:p>
+            <a:r>
+              <a:rPr lang="en-GB" sz="1100" b="1" dirty="0">
+                <a:solidFill>
+                  <a:srgbClr val="650061"/>
+                </a:solidFill>
+                <a:latin typeface="Consolas" panose="020B0609020204030204" pitchFamily="49" charset="0"/>
+              </a:rPr>
+              <a:t>export</a:t>
+            </a:r>
+            <a:r>
+              <a:rPr lang="en-GB" sz="1100" dirty="0">
+                <a:solidFill>
+                  <a:srgbClr val="000000"/>
+                </a:solidFill>
+                <a:latin typeface="Consolas" panose="020B0609020204030204" pitchFamily="49" charset="0"/>
+              </a:rPr>
+              <a:t> </a:t>
+            </a:r>
+            <a:r>
+              <a:rPr lang="en-GB" sz="1100" dirty="0">
+                <a:solidFill>
+                  <a:srgbClr val="0E6801"/>
+                </a:solidFill>
+                <a:latin typeface="Consolas" panose="020B0609020204030204" pitchFamily="49" charset="0"/>
+              </a:rPr>
+              <a:t>CXX</a:t>
+            </a:r>
+            <a:r>
+              <a:rPr lang="en-GB" sz="1100" dirty="0">
+                <a:solidFill>
+                  <a:srgbClr val="000000"/>
+                </a:solidFill>
+                <a:latin typeface="Consolas" panose="020B0609020204030204" pitchFamily="49" charset="0"/>
+              </a:rPr>
+              <a:t>=</a:t>
+            </a:r>
+            <a:r>
+              <a:rPr lang="en-GB" sz="1100" dirty="0" err="1">
+                <a:solidFill>
+                  <a:srgbClr val="000000"/>
+                </a:solidFill>
+                <a:latin typeface="Consolas" panose="020B0609020204030204" pitchFamily="49" charset="0"/>
+              </a:rPr>
+              <a:t>mpiicpc</a:t>
+            </a:r>
+            <a:endParaRPr lang="en-GB" sz="1100" dirty="0">
+              <a:solidFill>
+                <a:srgbClr val="000000"/>
+              </a:solidFill>
+              <a:latin typeface="Consolas" panose="020B0609020204030204" pitchFamily="49" charset="0"/>
+            </a:endParaRPr>
+          </a:p>
+          <a:p>
+            <a:r>
+              <a:rPr lang="en-GB" sz="1100" b="1" dirty="0">
+                <a:solidFill>
+                  <a:srgbClr val="650061"/>
+                </a:solidFill>
+                <a:latin typeface="Consolas" panose="020B0609020204030204" pitchFamily="49" charset="0"/>
+              </a:rPr>
+              <a:t>export</a:t>
+            </a:r>
+            <a:r>
+              <a:rPr lang="en-GB" sz="1100" dirty="0">
+                <a:solidFill>
+                  <a:srgbClr val="000000"/>
+                </a:solidFill>
+                <a:latin typeface="Consolas" panose="020B0609020204030204" pitchFamily="49" charset="0"/>
+              </a:rPr>
+              <a:t> </a:t>
+            </a:r>
+            <a:r>
+              <a:rPr lang="en-GB" sz="1100" dirty="0">
+                <a:solidFill>
+                  <a:srgbClr val="0E6801"/>
+                </a:solidFill>
+                <a:latin typeface="Consolas" panose="020B0609020204030204" pitchFamily="49" charset="0"/>
+              </a:rPr>
+              <a:t>MPIROOT</a:t>
+            </a:r>
+            <a:r>
+              <a:rPr lang="en-GB" sz="1100" dirty="0">
+                <a:solidFill>
+                  <a:srgbClr val="000000"/>
+                </a:solidFill>
+                <a:latin typeface="Consolas" panose="020B0609020204030204" pitchFamily="49" charset="0"/>
+              </a:rPr>
+              <a:t>=</a:t>
+            </a:r>
+            <a:r>
+              <a:rPr lang="en-GB" sz="1100" dirty="0">
+                <a:solidFill>
+                  <a:srgbClr val="FB0007"/>
+                </a:solidFill>
+                <a:latin typeface="Consolas" panose="020B0609020204030204" pitchFamily="49" charset="0"/>
+              </a:rPr>
+              <a:t>"</a:t>
+            </a:r>
+            <a:r>
+              <a:rPr lang="en-GB" sz="1100" dirty="0">
+                <a:solidFill>
+                  <a:srgbClr val="0E6801"/>
+                </a:solidFill>
+                <a:latin typeface="Consolas" panose="020B0609020204030204" pitchFamily="49" charset="0"/>
+              </a:rPr>
+              <a:t>$(</a:t>
+            </a:r>
+            <a:r>
+              <a:rPr lang="en-GB" sz="1100" dirty="0" err="1">
+                <a:solidFill>
+                  <a:srgbClr val="0E6801"/>
+                </a:solidFill>
+                <a:latin typeface="Consolas" panose="020B0609020204030204" pitchFamily="49" charset="0"/>
+              </a:rPr>
+              <a:t>mpiifort</a:t>
+            </a:r>
+            <a:r>
+              <a:rPr lang="en-GB" sz="1100" dirty="0">
+                <a:solidFill>
+                  <a:srgbClr val="0E6801"/>
+                </a:solidFill>
+                <a:latin typeface="Consolas" panose="020B0609020204030204" pitchFamily="49" charset="0"/>
+              </a:rPr>
+              <a:t> -show | </a:t>
+            </a:r>
+            <a:r>
+              <a:rPr lang="en-GB" sz="1100" dirty="0" err="1">
+                <a:solidFill>
+                  <a:srgbClr val="0E6801"/>
+                </a:solidFill>
+                <a:latin typeface="Consolas" panose="020B0609020204030204" pitchFamily="49" charset="0"/>
+              </a:rPr>
+              <a:t>perl</a:t>
+            </a:r>
+            <a:r>
+              <a:rPr lang="en-GB" sz="1100" dirty="0">
+                <a:solidFill>
+                  <a:srgbClr val="0E6801"/>
+                </a:solidFill>
+                <a:latin typeface="Consolas" panose="020B0609020204030204" pitchFamily="49" charset="0"/>
+              </a:rPr>
+              <a:t> -</a:t>
+            </a:r>
+            <a:r>
+              <a:rPr lang="en-GB" sz="1100" dirty="0" err="1">
+                <a:solidFill>
+                  <a:srgbClr val="0E6801"/>
+                </a:solidFill>
+                <a:latin typeface="Consolas" panose="020B0609020204030204" pitchFamily="49" charset="0"/>
+              </a:rPr>
+              <a:t>lne</a:t>
+            </a:r>
+            <a:r>
+              <a:rPr lang="en-GB" sz="1100" dirty="0">
+                <a:solidFill>
+                  <a:srgbClr val="0E6801"/>
+                </a:solidFill>
+                <a:latin typeface="Consolas" panose="020B0609020204030204" pitchFamily="49" charset="0"/>
+              </a:rPr>
+              <a:t> 'm{ -I(.*?)</a:t>
+            </a:r>
+            <a:r>
+              <a:rPr lang="en-GB" sz="1100" dirty="0">
+                <a:solidFill>
+                  <a:srgbClr val="FB0007"/>
+                </a:solidFill>
+                <a:latin typeface="Consolas" panose="020B0609020204030204" pitchFamily="49" charset="0"/>
+              </a:rPr>
+              <a:t>/include } and print $1’)”</a:t>
+            </a:r>
+          </a:p>
+          <a:p>
+            <a:r>
+              <a:rPr lang="en-GB" sz="1100" dirty="0">
+                <a:solidFill>
+                  <a:srgbClr val="000000"/>
+                </a:solidFill>
+                <a:latin typeface="Consolas" panose="020B0609020204030204" pitchFamily="49" charset="0"/>
+              </a:rPr>
+              <a:t>... </a:t>
+            </a:r>
+          </a:p>
+          <a:p>
+            <a:r>
+              <a:rPr lang="en-GB" sz="1100" b="1" dirty="0">
+                <a:solidFill>
+                  <a:srgbClr val="650061"/>
+                </a:solidFill>
+                <a:latin typeface="Consolas" panose="020B0609020204030204" pitchFamily="49" charset="0"/>
+              </a:rPr>
+              <a:t>cd</a:t>
+            </a:r>
+            <a:r>
+              <a:rPr lang="en-GB" sz="1100" dirty="0">
+                <a:solidFill>
+                  <a:srgbClr val="000000"/>
+                </a:solidFill>
+                <a:latin typeface="Consolas" panose="020B0609020204030204" pitchFamily="49" charset="0"/>
+              </a:rPr>
+              <a:t> fesom-2.1</a:t>
+            </a:r>
+          </a:p>
+          <a:p>
+            <a:r>
+              <a:rPr lang="en-GB" sz="1100" b="1" dirty="0" err="1">
+                <a:solidFill>
+                  <a:srgbClr val="B200AA"/>
+                </a:solidFill>
+                <a:latin typeface="Consolas" panose="020B0609020204030204" pitchFamily="49" charset="0"/>
+              </a:rPr>
+              <a:t>mkdir</a:t>
+            </a:r>
+            <a:r>
+              <a:rPr lang="en-GB" sz="1100" dirty="0">
+                <a:solidFill>
+                  <a:srgbClr val="000000"/>
+                </a:solidFill>
+                <a:latin typeface="Consolas" panose="020B0609020204030204" pitchFamily="49" charset="0"/>
+              </a:rPr>
+              <a:t> </a:t>
+            </a:r>
+            <a:r>
+              <a:rPr lang="en-GB" sz="1100" dirty="0">
+                <a:solidFill>
+                  <a:srgbClr val="520026"/>
+                </a:solidFill>
+                <a:latin typeface="Consolas" panose="020B0609020204030204" pitchFamily="49" charset="0"/>
+              </a:rPr>
+              <a:t>-p</a:t>
+            </a:r>
+            <a:r>
+              <a:rPr lang="en-GB" sz="1100" dirty="0">
+                <a:solidFill>
+                  <a:srgbClr val="000000"/>
+                </a:solidFill>
+                <a:latin typeface="Consolas" panose="020B0609020204030204" pitchFamily="49" charset="0"/>
+              </a:rPr>
+              <a:t> build; </a:t>
+            </a:r>
+            <a:r>
+              <a:rPr lang="en-GB" sz="1100" b="1" dirty="0">
+                <a:solidFill>
+                  <a:srgbClr val="650061"/>
+                </a:solidFill>
+                <a:latin typeface="Consolas" panose="020B0609020204030204" pitchFamily="49" charset="0"/>
+              </a:rPr>
+              <a:t>cd</a:t>
+            </a:r>
+            <a:r>
+              <a:rPr lang="en-GB" sz="1100" dirty="0">
+                <a:solidFill>
+                  <a:srgbClr val="000000"/>
+                </a:solidFill>
+                <a:latin typeface="Consolas" panose="020B0609020204030204" pitchFamily="49" charset="0"/>
+              </a:rPr>
+              <a:t> build; </a:t>
+            </a:r>
+            <a:r>
+              <a:rPr lang="en-GB" sz="1100" dirty="0" err="1">
+                <a:solidFill>
+                  <a:srgbClr val="000000"/>
+                </a:solidFill>
+                <a:latin typeface="Consolas" panose="020B0609020204030204" pitchFamily="49" charset="0"/>
+              </a:rPr>
+              <a:t>cmake</a:t>
+            </a:r>
+            <a:r>
+              <a:rPr lang="en-GB" sz="1100" dirty="0">
+                <a:solidFill>
+                  <a:srgbClr val="000000"/>
+                </a:solidFill>
+                <a:latin typeface="Consolas" panose="020B0609020204030204" pitchFamily="49" charset="0"/>
+              </a:rPr>
+              <a:t> -DFESOM_COUPLED=ON ..; </a:t>
+            </a:r>
+            <a:r>
+              <a:rPr lang="en-GB" sz="1100" b="1" dirty="0">
+                <a:solidFill>
+                  <a:srgbClr val="B200AA"/>
+                </a:solidFill>
+                <a:latin typeface="Consolas" panose="020B0609020204030204" pitchFamily="49" charset="0"/>
+              </a:rPr>
+              <a:t>make</a:t>
+            </a:r>
+            <a:r>
+              <a:rPr lang="en-GB" sz="1100" dirty="0">
+                <a:solidFill>
+                  <a:srgbClr val="000000"/>
+                </a:solidFill>
+                <a:latin typeface="Consolas" panose="020B0609020204030204" pitchFamily="49" charset="0"/>
+              </a:rPr>
+              <a:t> </a:t>
+            </a:r>
+            <a:r>
+              <a:rPr lang="en-GB" sz="1100" b="1" dirty="0">
+                <a:solidFill>
+                  <a:srgbClr val="B200AA"/>
+                </a:solidFill>
+                <a:latin typeface="Consolas" panose="020B0609020204030204" pitchFamily="49" charset="0"/>
+              </a:rPr>
+              <a:t>install</a:t>
+            </a:r>
+            <a:r>
+              <a:rPr lang="en-GB" sz="1100" dirty="0">
+                <a:solidFill>
+                  <a:srgbClr val="000000"/>
+                </a:solidFill>
+                <a:latin typeface="Consolas" panose="020B0609020204030204" pitchFamily="49" charset="0"/>
+              </a:rPr>
+              <a:t> </a:t>
+            </a:r>
+            <a:r>
+              <a:rPr lang="en-GB" sz="1100" dirty="0">
+                <a:solidFill>
+                  <a:srgbClr val="520026"/>
+                </a:solidFill>
+                <a:latin typeface="Consolas" panose="020B0609020204030204" pitchFamily="49" charset="0"/>
+              </a:rPr>
+              <a:t>-j</a:t>
+            </a:r>
+            <a:r>
+              <a:rPr lang="en-GB" sz="1100" dirty="0">
+                <a:solidFill>
+                  <a:srgbClr val="000000"/>
+                </a:solidFill>
+                <a:latin typeface="Consolas" panose="020B0609020204030204" pitchFamily="49" charset="0"/>
+              </a:rPr>
+              <a:t> </a:t>
+            </a:r>
+            <a:r>
+              <a:rPr lang="en-GB" sz="1100" b="1" dirty="0">
+                <a:solidFill>
+                  <a:srgbClr val="000000"/>
+                </a:solidFill>
+                <a:latin typeface="Consolas" panose="020B0609020204030204" pitchFamily="49" charset="0"/>
+              </a:rPr>
+              <a:t>`</a:t>
+            </a:r>
+            <a:r>
+              <a:rPr lang="en-GB" sz="1100" dirty="0" err="1">
+                <a:solidFill>
+                  <a:srgbClr val="000000"/>
+                </a:solidFill>
+                <a:latin typeface="Consolas" panose="020B0609020204030204" pitchFamily="49" charset="0"/>
+              </a:rPr>
+              <a:t>nproc</a:t>
+            </a:r>
+            <a:r>
+              <a:rPr lang="en-GB" sz="1100" dirty="0">
+                <a:solidFill>
+                  <a:srgbClr val="000000"/>
+                </a:solidFill>
+                <a:latin typeface="Consolas" panose="020B0609020204030204" pitchFamily="49" charset="0"/>
+              </a:rPr>
+              <a:t> --all</a:t>
+            </a:r>
+            <a:r>
+              <a:rPr lang="en-GB" sz="1100" b="1" dirty="0">
+                <a:solidFill>
+                  <a:srgbClr val="000000"/>
+                </a:solidFill>
+                <a:latin typeface="Consolas" panose="020B0609020204030204" pitchFamily="49" charset="0"/>
+              </a:rPr>
+              <a:t>`</a:t>
+            </a:r>
+            <a:endParaRPr lang="tr-TR" sz="1100" b="1" dirty="0">
+              <a:solidFill>
+                <a:srgbClr val="000000"/>
+              </a:solidFill>
+              <a:latin typeface="Consolas" panose="020B0609020204030204" pitchFamily="49" charset="0"/>
+            </a:endParaRPr>
+          </a:p>
+          <a:p>
+            <a:r>
+              <a:rPr lang="en-GB" sz="1100" b="1" dirty="0">
+                <a:solidFill>
+                  <a:srgbClr val="650061"/>
+                </a:solidFill>
+                <a:latin typeface="Consolas" panose="020B0609020204030204" pitchFamily="49" charset="0"/>
+              </a:rPr>
+              <a:t>cd</a:t>
+            </a:r>
+            <a:r>
+              <a:rPr lang="en-GB" sz="1100" dirty="0">
+                <a:solidFill>
+                  <a:srgbClr val="000000"/>
+                </a:solidFill>
+                <a:latin typeface="Consolas" panose="020B0609020204030204" pitchFamily="49" charset="0"/>
+              </a:rPr>
+              <a:t> </a:t>
+            </a:r>
+            <a:r>
+              <a:rPr lang="tr-TR" sz="1100" dirty="0">
+                <a:latin typeface="Consolas" panose="020B0609020204030204" pitchFamily="49" charset="0"/>
+              </a:rPr>
+              <a:t>..</a:t>
+            </a:r>
+            <a:endParaRPr lang="tr-TR" sz="1100" b="1" dirty="0">
+              <a:latin typeface="Consolas" panose="020B0609020204030204" pitchFamily="49" charset="0"/>
+            </a:endParaRPr>
+          </a:p>
+        </p:txBody>
+      </p:sp>
+      <p:sp>
+        <p:nvSpPr>
+          <p:cNvPr id="9" name="Slide Number Placeholder 4"/>
           <p:cNvSpPr>
             <a:spLocks noGrp="1"/>
           </p:cNvSpPr>
@@ -14399,1193 +16269,10 @@
       </p:sp>
       <p:sp>
         <p:nvSpPr>
-          <p:cNvPr id="10" name="TextBox 9">
+          <p:cNvPr id="10" name="Oval 9">
             <a:extLst>
               <a:ext uri="{FF2B5EF4-FFF2-40B4-BE49-F238E27FC236}">
-                <a16:creationId xmlns:a16="http://schemas.microsoft.com/office/drawing/2014/main" id="{5CBCD14A-9C9D-A534-E759-5FB1D1A3C9C9}"/>
-              </a:ext>
-            </a:extLst>
-          </p:cNvPr>
-          <p:cNvSpPr txBox="1"/>
-          <p:nvPr/>
-        </p:nvSpPr>
-        <p:spPr>
-          <a:xfrm>
-            <a:off x="799755" y="1467813"/>
-            <a:ext cx="4451267" cy="4616648"/>
-          </a:xfrm>
-          <a:prstGeom prst="rect">
-            <a:avLst/>
-          </a:prstGeom>
-          <a:noFill/>
-        </p:spPr>
-        <p:txBody>
-          <a:bodyPr wrap="square" rtlCol="0">
-            <a:spAutoFit/>
-          </a:bodyPr>
-          <a:lstStyle/>
-          <a:p>
-            <a:pPr algn="just"/>
-            <a:r>
-              <a:rPr lang="en-GB" dirty="0" err="1">
-                <a:solidFill>
-                  <a:srgbClr val="ED7D31"/>
-                </a:solidFill>
-              </a:rPr>
-              <a:t>esm_runscripts</a:t>
-            </a:r>
-            <a:r>
-              <a:rPr lang="en-GB" dirty="0"/>
-              <a:t> produces a </a:t>
-            </a:r>
-            <a:r>
-              <a:rPr lang="en-GB" b="1" dirty="0">
-                <a:solidFill>
-                  <a:srgbClr val="ED7D31"/>
-                </a:solidFill>
-              </a:rPr>
-              <a:t>*.run </a:t>
-            </a:r>
-            <a:r>
-              <a:rPr lang="en-GB" dirty="0"/>
-              <a:t>script with SBATCH headers that is then submitted to SBATCH. This script contains the combined environments specified</a:t>
-            </a:r>
-            <a:r>
-              <a:rPr lang="tr-TR" dirty="0"/>
-              <a:t> </a:t>
-            </a:r>
-            <a:r>
-              <a:rPr lang="en-GB" dirty="0"/>
-              <a:t>in the configuration file</a:t>
-            </a:r>
-            <a:r>
-              <a:rPr lang="tr-TR" dirty="0"/>
-              <a:t>s (</a:t>
-            </a:r>
-            <a:r>
-              <a:rPr lang="en-GB" dirty="0">
-                <a:solidFill>
-                  <a:schemeClr val="accent2"/>
-                </a:solidFill>
-              </a:rPr>
-              <a:t>machine</a:t>
-            </a:r>
-            <a:r>
-              <a:rPr lang="tr-TR" dirty="0">
-                <a:solidFill>
-                  <a:schemeClr val="accent2"/>
-                </a:solidFill>
-              </a:rPr>
-              <a:t> </a:t>
-            </a:r>
-            <a:r>
-              <a:rPr lang="en-GB" dirty="0"/>
-              <a:t>+ </a:t>
-            </a:r>
-            <a:r>
-              <a:rPr lang="en-GB" dirty="0">
-                <a:solidFill>
-                  <a:schemeClr val="accent2"/>
-                </a:solidFill>
-              </a:rPr>
-              <a:t>components</a:t>
-            </a:r>
-            <a:r>
-              <a:rPr lang="tr-TR" dirty="0"/>
-              <a:t> </a:t>
-            </a:r>
-            <a:r>
-              <a:rPr lang="en-GB" dirty="0"/>
-              <a:t>+ </a:t>
-            </a:r>
-            <a:r>
-              <a:rPr lang="en-GB" dirty="0">
-                <a:solidFill>
-                  <a:schemeClr val="accent2"/>
-                </a:solidFill>
-              </a:rPr>
-              <a:t>setups</a:t>
-            </a:r>
-            <a:r>
-              <a:rPr lang="en-GB" dirty="0"/>
-              <a:t>) files</a:t>
-            </a:r>
-            <a:r>
-              <a:rPr lang="tr-TR" dirty="0"/>
-              <a:t> </a:t>
-            </a:r>
-            <a:r>
-              <a:rPr lang="en-GB" dirty="0"/>
-              <a:t>involved</a:t>
-            </a:r>
-          </a:p>
-          <a:p>
-            <a:endParaRPr lang="en-GB" sz="2400" b="1" dirty="0">
-              <a:solidFill>
-                <a:srgbClr val="31ACE6"/>
-              </a:solidFill>
-            </a:endParaRPr>
-          </a:p>
-          <a:p>
-            <a:r>
-              <a:rPr lang="en-GB" dirty="0"/>
-              <a:t>This script can be found in </a:t>
-            </a:r>
-            <a:r>
-              <a:rPr lang="en-GB" sz="1400" dirty="0">
-                <a:solidFill>
-                  <a:srgbClr val="ED7D31"/>
-                </a:solidFill>
-                <a:latin typeface="Monaco" pitchFamily="2" charset="77"/>
-              </a:rPr>
-              <a:t>&lt;</a:t>
-            </a:r>
-            <a:r>
-              <a:rPr lang="en-GB" sz="1400" dirty="0" err="1">
-                <a:solidFill>
-                  <a:srgbClr val="ED7D31"/>
-                </a:solidFill>
-                <a:latin typeface="Monaco" pitchFamily="2" charset="77"/>
-              </a:rPr>
-              <a:t>experiment_dir</a:t>
-            </a:r>
-            <a:r>
-              <a:rPr lang="en-GB" sz="1400" dirty="0">
-                <a:solidFill>
-                  <a:srgbClr val="ED7D31"/>
-                </a:solidFill>
-                <a:latin typeface="Monaco" pitchFamily="2" charset="77"/>
-              </a:rPr>
-              <a:t>&gt;/</a:t>
-            </a:r>
-            <a:r>
-              <a:rPr lang="en-GB" sz="1400" dirty="0" err="1">
-                <a:solidFill>
-                  <a:srgbClr val="ED7D31"/>
-                </a:solidFill>
-                <a:latin typeface="Monaco" pitchFamily="2" charset="77"/>
-              </a:rPr>
-              <a:t>run_DATE</a:t>
-            </a:r>
-            <a:r>
-              <a:rPr lang="en-GB" sz="1400" dirty="0">
-                <a:solidFill>
-                  <a:srgbClr val="ED7D31"/>
-                </a:solidFill>
-                <a:latin typeface="Monaco" pitchFamily="2" charset="77"/>
-              </a:rPr>
-              <a:t>/scripts </a:t>
-            </a:r>
-            <a:r>
-              <a:rPr lang="en-GB" dirty="0"/>
-              <a:t>for runs that have not being submitted or are still running, or in the </a:t>
-            </a:r>
-            <a:r>
-              <a:rPr lang="en-GB" sz="1400" dirty="0">
-                <a:solidFill>
-                  <a:srgbClr val="ED7D31"/>
-                </a:solidFill>
-                <a:latin typeface="Monaco" pitchFamily="2" charset="77"/>
-              </a:rPr>
-              <a:t>&lt;</a:t>
-            </a:r>
-            <a:r>
-              <a:rPr lang="en-GB" sz="1400" dirty="0" err="1">
-                <a:solidFill>
-                  <a:srgbClr val="ED7D31"/>
-                </a:solidFill>
-                <a:latin typeface="Monaco" pitchFamily="2" charset="77"/>
-              </a:rPr>
-              <a:t>experiment_dir</a:t>
-            </a:r>
-            <a:r>
-              <a:rPr lang="en-GB" sz="1400" dirty="0">
-                <a:solidFill>
-                  <a:srgbClr val="ED7D31"/>
-                </a:solidFill>
-                <a:latin typeface="Monaco" pitchFamily="2" charset="77"/>
-              </a:rPr>
-              <a:t>/scripts&gt;</a:t>
-            </a:r>
-            <a:r>
-              <a:rPr lang="en-GB" sz="1400" dirty="0">
-                <a:latin typeface="Monaco" pitchFamily="2" charset="77"/>
-              </a:rPr>
-              <a:t> </a:t>
-            </a:r>
-            <a:r>
-              <a:rPr lang="en-GB" dirty="0"/>
-              <a:t>directory for runs that have already run</a:t>
-            </a:r>
-            <a:endParaRPr lang="en-GB" sz="2400" dirty="0"/>
-          </a:p>
-          <a:p>
-            <a:endParaRPr lang="en-GB" sz="2400" b="1" dirty="0">
-              <a:solidFill>
-                <a:srgbClr val="31ACE6"/>
-              </a:solidFill>
-            </a:endParaRPr>
-          </a:p>
-          <a:p>
-            <a:endParaRPr lang="en-GB" sz="2400" b="1" dirty="0"/>
-          </a:p>
-          <a:p>
-            <a:endParaRPr lang="en-GB" sz="2400" dirty="0"/>
-          </a:p>
-        </p:txBody>
-      </p:sp>
-      <p:sp>
-        <p:nvSpPr>
-          <p:cNvPr id="3" name="Rectangle 2">
-            <a:extLst>
-              <a:ext uri="{FF2B5EF4-FFF2-40B4-BE49-F238E27FC236}">
-                <a16:creationId xmlns:a16="http://schemas.microsoft.com/office/drawing/2014/main" id="{E0EBBE09-DCCE-5F63-0E08-5CF680EFA053}"/>
-              </a:ext>
-            </a:extLst>
-          </p:cNvPr>
-          <p:cNvSpPr/>
-          <p:nvPr/>
-        </p:nvSpPr>
-        <p:spPr>
-          <a:xfrm>
-            <a:off x="5296244" y="1474912"/>
-            <a:ext cx="6717415" cy="4493538"/>
-          </a:xfrm>
-          <a:prstGeom prst="rect">
-            <a:avLst/>
-          </a:prstGeom>
-          <a:solidFill>
-            <a:srgbClr val="F2F2F2"/>
-          </a:solidFill>
-        </p:spPr>
-        <p:txBody>
-          <a:bodyPr wrap="square">
-            <a:spAutoFit/>
-          </a:bodyPr>
-          <a:lstStyle/>
-          <a:p>
-            <a:r>
-              <a:rPr lang="en-GB" sz="1100" i="1" dirty="0">
-                <a:solidFill>
-                  <a:srgbClr val="535353"/>
-                </a:solidFill>
-                <a:latin typeface="Courier-Oblique" pitchFamily="2" charset="0"/>
-              </a:rPr>
-              <a:t>#SBATCH --partition=compute</a:t>
-            </a:r>
-          </a:p>
-          <a:p>
-            <a:r>
-              <a:rPr lang="en-GB" sz="1100" i="1" dirty="0">
-                <a:solidFill>
-                  <a:srgbClr val="535353"/>
-                </a:solidFill>
-                <a:latin typeface="Courier-Oblique" pitchFamily="2" charset="0"/>
-              </a:rPr>
-              <a:t>#SBATCH --time=01:45:00</a:t>
-            </a:r>
-          </a:p>
-          <a:p>
-            <a:r>
-              <a:rPr lang="en-GB" sz="1100" i="1" dirty="0">
-                <a:solidFill>
-                  <a:srgbClr val="535353"/>
-                </a:solidFill>
-                <a:latin typeface="Courier-Oblique" pitchFamily="2" charset="0"/>
-              </a:rPr>
-              <a:t>#SBATCH --</a:t>
-            </a:r>
-            <a:r>
-              <a:rPr lang="en-GB" sz="1100" i="1" dirty="0" err="1">
-                <a:solidFill>
-                  <a:srgbClr val="535353"/>
-                </a:solidFill>
-                <a:latin typeface="Courier-Oblique" pitchFamily="2" charset="0"/>
-              </a:rPr>
-              <a:t>ntasks</a:t>
-            </a:r>
-            <a:r>
-              <a:rPr lang="en-GB" sz="1100" i="1" dirty="0">
-                <a:solidFill>
-                  <a:srgbClr val="535353"/>
-                </a:solidFill>
-                <a:latin typeface="Courier-Oblique" pitchFamily="2" charset="0"/>
-              </a:rPr>
-              <a:t>=896</a:t>
-            </a:r>
-          </a:p>
-          <a:p>
-            <a:r>
-              <a:rPr lang="en-GB" sz="1100" dirty="0">
-                <a:solidFill>
-                  <a:srgbClr val="000000"/>
-                </a:solidFill>
-                <a:latin typeface="Courier" pitchFamily="2" charset="0"/>
-              </a:rPr>
-              <a:t>... </a:t>
-            </a:r>
-          </a:p>
-          <a:p>
-            <a:r>
-              <a:rPr lang="en-GB" sz="1100" dirty="0">
-                <a:solidFill>
-                  <a:srgbClr val="000000"/>
-                </a:solidFill>
-                <a:latin typeface="Courier" pitchFamily="2" charset="0"/>
-              </a:rPr>
-              <a:t>module purge</a:t>
-            </a:r>
-          </a:p>
-          <a:p>
-            <a:r>
-              <a:rPr lang="en-GB" sz="1100" dirty="0">
-                <a:solidFill>
-                  <a:srgbClr val="000000"/>
-                </a:solidFill>
-                <a:latin typeface="Courier" pitchFamily="2" charset="0"/>
-              </a:rPr>
-              <a:t>module unload </a:t>
-            </a:r>
-            <a:r>
-              <a:rPr lang="en-GB" sz="1100" dirty="0" err="1">
-                <a:solidFill>
-                  <a:srgbClr val="000000"/>
-                </a:solidFill>
-                <a:latin typeface="Courier" pitchFamily="2" charset="0"/>
-              </a:rPr>
-              <a:t>netcdf_c</a:t>
-            </a:r>
-            <a:endParaRPr lang="en-GB" sz="1100" dirty="0">
-              <a:solidFill>
-                <a:srgbClr val="000000"/>
-              </a:solidFill>
-              <a:latin typeface="Courier" pitchFamily="2" charset="0"/>
-            </a:endParaRPr>
-          </a:p>
-          <a:p>
-            <a:r>
-              <a:rPr lang="en-GB" sz="1100" dirty="0">
-                <a:solidFill>
-                  <a:srgbClr val="000000"/>
-                </a:solidFill>
-                <a:latin typeface="Courier" pitchFamily="2" charset="0"/>
-              </a:rPr>
-              <a:t>module unload intel </a:t>
-            </a:r>
-            <a:r>
-              <a:rPr lang="en-GB" sz="1100" dirty="0" err="1">
-                <a:solidFill>
-                  <a:srgbClr val="000000"/>
-                </a:solidFill>
-                <a:latin typeface="Courier" pitchFamily="2" charset="0"/>
-              </a:rPr>
-              <a:t>intelmpi</a:t>
-            </a:r>
-            <a:endParaRPr lang="en-GB" sz="1100" dirty="0">
-              <a:solidFill>
-                <a:srgbClr val="000000"/>
-              </a:solidFill>
-              <a:latin typeface="Courier" pitchFamily="2" charset="0"/>
-            </a:endParaRPr>
-          </a:p>
-          <a:p>
-            <a:r>
-              <a:rPr lang="en-GB" sz="1100" dirty="0">
-                <a:solidFill>
-                  <a:srgbClr val="000000"/>
-                </a:solidFill>
-                <a:latin typeface="Courier" pitchFamily="2" charset="0"/>
-              </a:rPr>
-              <a:t>... </a:t>
-            </a:r>
-          </a:p>
-          <a:p>
-            <a:r>
-              <a:rPr lang="en-GB" sz="1100" b="1" dirty="0">
-                <a:solidFill>
-                  <a:srgbClr val="650061"/>
-                </a:solidFill>
-                <a:latin typeface="Courier-Bold" pitchFamily="2" charset="0"/>
-              </a:rPr>
-              <a:t>export</a:t>
-            </a:r>
-            <a:r>
-              <a:rPr lang="en-GB" sz="1100" dirty="0">
-                <a:solidFill>
-                  <a:srgbClr val="000000"/>
-                </a:solidFill>
-                <a:latin typeface="Courier" pitchFamily="2" charset="0"/>
-              </a:rPr>
-              <a:t> </a:t>
-            </a:r>
-            <a:r>
-              <a:rPr lang="en-GB" sz="1100" dirty="0">
-                <a:solidFill>
-                  <a:srgbClr val="0E6801"/>
-                </a:solidFill>
-                <a:latin typeface="Courier" pitchFamily="2" charset="0"/>
-              </a:rPr>
-              <a:t>LC_ALL</a:t>
-            </a:r>
-            <a:r>
-              <a:rPr lang="en-GB" sz="1100" dirty="0">
-                <a:solidFill>
-                  <a:srgbClr val="000000"/>
-                </a:solidFill>
-                <a:latin typeface="Courier" pitchFamily="2" charset="0"/>
-              </a:rPr>
-              <a:t>=en_US.UTF-8</a:t>
-            </a:r>
-          </a:p>
-          <a:p>
-            <a:r>
-              <a:rPr lang="en-GB" sz="1100" b="1" dirty="0">
-                <a:solidFill>
-                  <a:srgbClr val="650061"/>
-                </a:solidFill>
-                <a:latin typeface="Courier-Bold" pitchFamily="2" charset="0"/>
-              </a:rPr>
-              <a:t>export</a:t>
-            </a:r>
-            <a:r>
-              <a:rPr lang="en-GB" sz="1100" dirty="0">
-                <a:solidFill>
-                  <a:srgbClr val="000000"/>
-                </a:solidFill>
-                <a:latin typeface="Courier" pitchFamily="2" charset="0"/>
-              </a:rPr>
-              <a:t> </a:t>
-            </a:r>
-            <a:r>
-              <a:rPr lang="en-GB" sz="1100" dirty="0">
-                <a:solidFill>
-                  <a:srgbClr val="0E6801"/>
-                </a:solidFill>
-                <a:latin typeface="Courier" pitchFamily="2" charset="0"/>
-              </a:rPr>
-              <a:t>FC</a:t>
-            </a:r>
-            <a:r>
-              <a:rPr lang="en-GB" sz="1100" dirty="0">
-                <a:solidFill>
-                  <a:srgbClr val="000000"/>
-                </a:solidFill>
-                <a:latin typeface="Courier" pitchFamily="2" charset="0"/>
-              </a:rPr>
-              <a:t>=mpif90</a:t>
-            </a:r>
-          </a:p>
-          <a:p>
-            <a:r>
-              <a:rPr lang="en-GB" sz="1100" b="1" dirty="0">
-                <a:solidFill>
-                  <a:srgbClr val="650061"/>
-                </a:solidFill>
-                <a:latin typeface="Courier-Bold" pitchFamily="2" charset="0"/>
-              </a:rPr>
-              <a:t>export</a:t>
-            </a:r>
-            <a:r>
-              <a:rPr lang="en-GB" sz="1100" dirty="0">
-                <a:solidFill>
-                  <a:srgbClr val="000000"/>
-                </a:solidFill>
-                <a:latin typeface="Courier" pitchFamily="2" charset="0"/>
-              </a:rPr>
-              <a:t> </a:t>
-            </a:r>
-            <a:r>
-              <a:rPr lang="en-GB" sz="1100" dirty="0">
-                <a:solidFill>
-                  <a:srgbClr val="0E6801"/>
-                </a:solidFill>
-                <a:latin typeface="Courier" pitchFamily="2" charset="0"/>
-              </a:rPr>
-              <a:t>F77</a:t>
-            </a:r>
-            <a:r>
-              <a:rPr lang="en-GB" sz="1100" dirty="0">
-                <a:solidFill>
-                  <a:srgbClr val="000000"/>
-                </a:solidFill>
-                <a:latin typeface="Courier" pitchFamily="2" charset="0"/>
-              </a:rPr>
-              <a:t>=mpif90</a:t>
-            </a:r>
-          </a:p>
-          <a:p>
-            <a:r>
-              <a:rPr lang="en-GB" sz="1100" dirty="0">
-                <a:solidFill>
-                  <a:srgbClr val="000000"/>
-                </a:solidFill>
-                <a:latin typeface="Courier" pitchFamily="2" charset="0"/>
-              </a:rPr>
-              <a:t>... </a:t>
-            </a:r>
-          </a:p>
-          <a:p>
-            <a:endParaRPr lang="en-GB" sz="1100" i="1" dirty="0">
-              <a:solidFill>
-                <a:srgbClr val="000000"/>
-              </a:solidFill>
-              <a:latin typeface="Courier" pitchFamily="2" charset="0"/>
-            </a:endParaRPr>
-          </a:p>
-          <a:p>
-            <a:r>
-              <a:rPr lang="en-GB" sz="1100" i="1" dirty="0">
-                <a:solidFill>
-                  <a:srgbClr val="535353"/>
-                </a:solidFill>
-                <a:latin typeface="Courier-Oblique" pitchFamily="2" charset="0"/>
-              </a:rPr>
-              <a:t># Set stack size to unlimited</a:t>
-            </a:r>
-          </a:p>
-          <a:p>
-            <a:r>
-              <a:rPr lang="en-GB" sz="1100" b="1" dirty="0" err="1">
-                <a:solidFill>
-                  <a:srgbClr val="650061"/>
-                </a:solidFill>
-                <a:latin typeface="Courier-Bold" pitchFamily="2" charset="0"/>
-              </a:rPr>
-              <a:t>ulimit</a:t>
-            </a:r>
-            <a:r>
-              <a:rPr lang="en-GB" sz="1100" dirty="0">
-                <a:solidFill>
-                  <a:srgbClr val="000000"/>
-                </a:solidFill>
-                <a:latin typeface="Courier" pitchFamily="2" charset="0"/>
-              </a:rPr>
-              <a:t> </a:t>
-            </a:r>
-            <a:r>
-              <a:rPr lang="en-GB" sz="1100" dirty="0">
-                <a:solidFill>
-                  <a:srgbClr val="520026"/>
-                </a:solidFill>
-                <a:latin typeface="Courier" pitchFamily="2" charset="0"/>
-              </a:rPr>
-              <a:t>-s</a:t>
-            </a:r>
-            <a:r>
-              <a:rPr lang="en-GB" sz="1100" dirty="0">
-                <a:solidFill>
-                  <a:srgbClr val="000000"/>
-                </a:solidFill>
-                <a:latin typeface="Courier" pitchFamily="2" charset="0"/>
-              </a:rPr>
-              <a:t> unlimited</a:t>
-            </a:r>
-          </a:p>
-          <a:p>
-            <a:endParaRPr lang="en-GB" sz="1100" i="1" dirty="0">
-              <a:solidFill>
-                <a:srgbClr val="000000"/>
-              </a:solidFill>
-              <a:latin typeface="Courier" pitchFamily="2" charset="0"/>
-            </a:endParaRPr>
-          </a:p>
-          <a:p>
-            <a:r>
-              <a:rPr lang="en-GB" sz="1100" i="1" dirty="0">
-                <a:solidFill>
-                  <a:srgbClr val="535353"/>
-                </a:solidFill>
-                <a:latin typeface="Courier-Oblique" pitchFamily="2" charset="0"/>
-              </a:rPr>
-              <a:t># 3...2...1...</a:t>
-            </a:r>
-            <a:r>
-              <a:rPr lang="en-GB" sz="1100" i="1" dirty="0" err="1">
-                <a:solidFill>
-                  <a:srgbClr val="535353"/>
-                </a:solidFill>
-                <a:latin typeface="Courier-Oblique" pitchFamily="2" charset="0"/>
-              </a:rPr>
-              <a:t>Liftoff</a:t>
-            </a:r>
-            <a:r>
-              <a:rPr lang="en-GB" sz="1100" i="1" dirty="0">
-                <a:solidFill>
-                  <a:srgbClr val="535353"/>
-                </a:solidFill>
-                <a:latin typeface="Courier-Oblique" pitchFamily="2" charset="0"/>
-              </a:rPr>
-              <a:t>!</a:t>
-            </a:r>
-            <a:r>
-              <a:rPr lang="en-GB" sz="1100" dirty="0">
-                <a:solidFill>
-                  <a:srgbClr val="000000"/>
-                </a:solidFill>
-                <a:latin typeface="Courier" pitchFamily="2" charset="0"/>
-              </a:rPr>
-              <a:t> </a:t>
-            </a:r>
-          </a:p>
-          <a:p>
-            <a:r>
-              <a:rPr lang="en-GB" sz="1100" b="1" dirty="0">
-                <a:solidFill>
-                  <a:srgbClr val="650061"/>
-                </a:solidFill>
-                <a:latin typeface="Courier-Bold" pitchFamily="2" charset="0"/>
-              </a:rPr>
-              <a:t>echo</a:t>
-            </a:r>
-            <a:r>
-              <a:rPr lang="en-GB" sz="1100" dirty="0">
-                <a:solidFill>
-                  <a:srgbClr val="000000"/>
-                </a:solidFill>
-                <a:latin typeface="Courier" pitchFamily="2" charset="0"/>
-              </a:rPr>
-              <a:t> $</a:t>
-            </a:r>
-            <a:r>
-              <a:rPr lang="en-GB" sz="1100" b="1" dirty="0">
-                <a:solidFill>
-                  <a:srgbClr val="650061"/>
-                </a:solidFill>
-                <a:latin typeface="Courier-Bold" pitchFamily="2" charset="0"/>
-              </a:rPr>
-              <a:t>(</a:t>
-            </a:r>
-            <a:r>
-              <a:rPr lang="en-GB" sz="1100" b="1" dirty="0">
-                <a:solidFill>
-                  <a:srgbClr val="B200AA"/>
-                </a:solidFill>
-                <a:latin typeface="Courier-Bold" pitchFamily="2" charset="0"/>
-              </a:rPr>
-              <a:t>date</a:t>
-            </a:r>
-            <a:r>
-              <a:rPr lang="en-GB" sz="1100" dirty="0">
-                <a:solidFill>
-                  <a:srgbClr val="000000"/>
-                </a:solidFill>
-                <a:latin typeface="Courier" pitchFamily="2" charset="0"/>
-              </a:rPr>
-              <a:t> +</a:t>
-            </a:r>
-            <a:r>
-              <a:rPr lang="en-GB" sz="1100" dirty="0">
-                <a:solidFill>
-                  <a:srgbClr val="FB0007"/>
-                </a:solidFill>
-                <a:latin typeface="Courier" pitchFamily="2" charset="0"/>
-              </a:rPr>
-              <a:t>"%a %b  %e %T %Y"</a:t>
-            </a:r>
-            <a:r>
-              <a:rPr lang="en-GB" sz="1100" b="1" dirty="0">
-                <a:solidFill>
-                  <a:srgbClr val="650061"/>
-                </a:solidFill>
-                <a:latin typeface="Courier-Bold" pitchFamily="2" charset="0"/>
-              </a:rPr>
-              <a:t>)</a:t>
-            </a:r>
-            <a:r>
-              <a:rPr lang="en-GB" sz="1100" dirty="0">
-                <a:solidFill>
-                  <a:srgbClr val="000000"/>
-                </a:solidFill>
-                <a:latin typeface="Courier" pitchFamily="2" charset="0"/>
-              </a:rPr>
-              <a:t> : compute 1 1850-01-01T00:00:00 1233 - start </a:t>
-            </a:r>
-            <a:r>
-              <a:rPr lang="en-GB" sz="1100" b="1" dirty="0">
-                <a:solidFill>
-                  <a:srgbClr val="000000"/>
-                </a:solidFill>
-                <a:latin typeface="Courier-Bold" pitchFamily="2" charset="0"/>
-              </a:rPr>
-              <a:t>&gt;&gt;</a:t>
-            </a:r>
-            <a:r>
-              <a:rPr lang="en-GB" sz="1100" dirty="0">
-                <a:solidFill>
-                  <a:srgbClr val="000000"/>
-                </a:solidFill>
-                <a:latin typeface="Courier" pitchFamily="2" charset="0"/>
-              </a:rPr>
-              <a:t> </a:t>
-            </a:r>
-            <a:r>
-              <a:rPr lang="en-GB" sz="1100" b="1" dirty="0">
-                <a:solidFill>
-                  <a:srgbClr val="000000"/>
-                </a:solidFill>
-                <a:latin typeface="Courier-Bold" pitchFamily="2" charset="0"/>
-              </a:rPr>
-              <a:t>/</a:t>
-            </a:r>
-            <a:r>
-              <a:rPr lang="en-GB" sz="1100" dirty="0">
-                <a:solidFill>
-                  <a:srgbClr val="000000"/>
-                </a:solidFill>
-                <a:latin typeface="Courier" pitchFamily="2" charset="0"/>
-              </a:rPr>
-              <a:t>work</a:t>
-            </a:r>
-            <a:r>
-              <a:rPr lang="en-GB" sz="1100" b="1" dirty="0">
-                <a:solidFill>
-                  <a:srgbClr val="000000"/>
-                </a:solidFill>
-                <a:latin typeface="Courier-Bold" pitchFamily="2" charset="0"/>
-              </a:rPr>
-              <a:t>/</a:t>
-            </a:r>
-            <a:r>
-              <a:rPr lang="en-GB" sz="1100" dirty="0">
-                <a:solidFill>
-                  <a:srgbClr val="000000"/>
-                </a:solidFill>
-                <a:latin typeface="Courier" pitchFamily="2" charset="0"/>
-              </a:rPr>
-              <a:t>ab0995</a:t>
-            </a:r>
-            <a:r>
-              <a:rPr lang="en-GB" sz="1100" b="1" dirty="0">
-                <a:solidFill>
-                  <a:srgbClr val="000000"/>
-                </a:solidFill>
-                <a:latin typeface="Courier-Bold" pitchFamily="2" charset="0"/>
-              </a:rPr>
-              <a:t>/</a:t>
-            </a:r>
-            <a:r>
-              <a:rPr lang="en-GB" sz="1100" dirty="0">
-                <a:solidFill>
-                  <a:srgbClr val="000000"/>
-                </a:solidFill>
-                <a:latin typeface="Courier" pitchFamily="2" charset="0"/>
-              </a:rPr>
-              <a:t>a270152</a:t>
-            </a:r>
-            <a:r>
-              <a:rPr lang="en-GB" sz="1100" b="1" dirty="0">
-                <a:solidFill>
-                  <a:srgbClr val="000000"/>
-                </a:solidFill>
-                <a:latin typeface="Courier-Bold" pitchFamily="2" charset="0"/>
-              </a:rPr>
-              <a:t>//</a:t>
-            </a:r>
-            <a:r>
-              <a:rPr lang="en-GB" sz="1100" dirty="0" err="1">
-                <a:solidFill>
-                  <a:srgbClr val="000000"/>
-                </a:solidFill>
-                <a:latin typeface="Courier" pitchFamily="2" charset="0"/>
-              </a:rPr>
-              <a:t>workshop_test</a:t>
-            </a:r>
-            <a:r>
-              <a:rPr lang="en-GB" sz="1100" b="1" dirty="0">
-                <a:solidFill>
-                  <a:srgbClr val="000000"/>
-                </a:solidFill>
-                <a:latin typeface="Courier-Bold" pitchFamily="2" charset="0"/>
-              </a:rPr>
-              <a:t>/</a:t>
-            </a:r>
-            <a:r>
-              <a:rPr lang="en-GB" sz="1100" dirty="0">
-                <a:solidFill>
-                  <a:srgbClr val="000000"/>
-                </a:solidFill>
-                <a:latin typeface="Courier" pitchFamily="2" charset="0"/>
-              </a:rPr>
-              <a:t>log</a:t>
-            </a:r>
-            <a:r>
-              <a:rPr lang="en-GB" sz="1100" b="1" dirty="0">
-                <a:solidFill>
-                  <a:srgbClr val="000000"/>
-                </a:solidFill>
-                <a:latin typeface="Courier-Bold" pitchFamily="2" charset="0"/>
-              </a:rPr>
-              <a:t>//</a:t>
-            </a:r>
-            <a:r>
-              <a:rPr lang="en-GB" sz="1100" dirty="0" err="1">
-                <a:solidFill>
-                  <a:srgbClr val="000000"/>
-                </a:solidFill>
-                <a:latin typeface="Courier" pitchFamily="2" charset="0"/>
-              </a:rPr>
-              <a:t>workshop_test_awiesm.log</a:t>
-            </a:r>
-            <a:r>
-              <a:rPr lang="en-GB" sz="1100" dirty="0">
-                <a:solidFill>
-                  <a:srgbClr val="000000"/>
-                </a:solidFill>
-                <a:latin typeface="Courier" pitchFamily="2" charset="0"/>
-              </a:rPr>
-              <a:t> </a:t>
-            </a:r>
-          </a:p>
-          <a:p>
-            <a:endParaRPr lang="en-GB" sz="1100" b="1" dirty="0">
-              <a:solidFill>
-                <a:srgbClr val="000000"/>
-              </a:solidFill>
-              <a:latin typeface="Courier" pitchFamily="2" charset="0"/>
-            </a:endParaRPr>
-          </a:p>
-          <a:p>
-            <a:r>
-              <a:rPr lang="en-GB" sz="1100" b="1" dirty="0">
-                <a:solidFill>
-                  <a:srgbClr val="650061"/>
-                </a:solidFill>
-                <a:latin typeface="Courier-Bold" pitchFamily="2" charset="0"/>
-              </a:rPr>
-              <a:t>cd</a:t>
-            </a:r>
-            <a:r>
-              <a:rPr lang="en-GB" sz="1100" dirty="0">
-                <a:solidFill>
-                  <a:srgbClr val="000000"/>
-                </a:solidFill>
-                <a:latin typeface="Courier" pitchFamily="2" charset="0"/>
-              </a:rPr>
-              <a:t> </a:t>
-            </a:r>
-            <a:r>
-              <a:rPr lang="en-GB" sz="1100" b="1" dirty="0">
-                <a:solidFill>
-                  <a:srgbClr val="000000"/>
-                </a:solidFill>
-                <a:latin typeface="Courier-Bold" pitchFamily="2" charset="0"/>
-              </a:rPr>
-              <a:t>/</a:t>
-            </a:r>
-            <a:r>
-              <a:rPr lang="en-GB" sz="1100" dirty="0">
-                <a:solidFill>
-                  <a:srgbClr val="000000"/>
-                </a:solidFill>
-                <a:latin typeface="Courier" pitchFamily="2" charset="0"/>
-              </a:rPr>
-              <a:t>work</a:t>
-            </a:r>
-            <a:r>
-              <a:rPr lang="en-GB" sz="1100" b="1" dirty="0">
-                <a:solidFill>
-                  <a:srgbClr val="000000"/>
-                </a:solidFill>
-                <a:latin typeface="Courier-Bold" pitchFamily="2" charset="0"/>
-              </a:rPr>
-              <a:t>/</a:t>
-            </a:r>
-            <a:r>
-              <a:rPr lang="en-GB" sz="1100" dirty="0">
-                <a:solidFill>
-                  <a:srgbClr val="000000"/>
-                </a:solidFill>
-                <a:latin typeface="Courier" pitchFamily="2" charset="0"/>
-              </a:rPr>
-              <a:t>ab0995</a:t>
-            </a:r>
-            <a:r>
-              <a:rPr lang="en-GB" sz="1100" b="1" dirty="0">
-                <a:solidFill>
-                  <a:srgbClr val="000000"/>
-                </a:solidFill>
-                <a:latin typeface="Courier-Bold" pitchFamily="2" charset="0"/>
-              </a:rPr>
-              <a:t>/</a:t>
-            </a:r>
-            <a:r>
-              <a:rPr lang="en-GB" sz="1100" dirty="0">
-                <a:solidFill>
-                  <a:srgbClr val="000000"/>
-                </a:solidFill>
-                <a:latin typeface="Courier" pitchFamily="2" charset="0"/>
-              </a:rPr>
-              <a:t>a270152</a:t>
-            </a:r>
-            <a:r>
-              <a:rPr lang="en-GB" sz="1100" b="1" dirty="0">
-                <a:solidFill>
-                  <a:srgbClr val="000000"/>
-                </a:solidFill>
-                <a:latin typeface="Courier-Bold" pitchFamily="2" charset="0"/>
-              </a:rPr>
-              <a:t>//</a:t>
-            </a:r>
-            <a:r>
-              <a:rPr lang="en-GB" sz="1100" dirty="0" err="1">
-                <a:solidFill>
-                  <a:srgbClr val="000000"/>
-                </a:solidFill>
-                <a:latin typeface="Courier" pitchFamily="2" charset="0"/>
-              </a:rPr>
-              <a:t>workshop_test</a:t>
-            </a:r>
-            <a:r>
-              <a:rPr lang="en-GB" sz="1100" b="1" dirty="0">
-                <a:solidFill>
-                  <a:srgbClr val="000000"/>
-                </a:solidFill>
-                <a:latin typeface="Courier-Bold" pitchFamily="2" charset="0"/>
-              </a:rPr>
-              <a:t>/</a:t>
-            </a:r>
-            <a:r>
-              <a:rPr lang="en-GB" sz="1100" dirty="0">
-                <a:solidFill>
-                  <a:srgbClr val="000000"/>
-                </a:solidFill>
-                <a:latin typeface="Courier" pitchFamily="2" charset="0"/>
-              </a:rPr>
-              <a:t>run_18500101-18501231</a:t>
-            </a:r>
-            <a:r>
-              <a:rPr lang="en-GB" sz="1100" b="1" dirty="0">
-                <a:solidFill>
-                  <a:srgbClr val="000000"/>
-                </a:solidFill>
-                <a:latin typeface="Courier-Bold" pitchFamily="2" charset="0"/>
-              </a:rPr>
-              <a:t>/</a:t>
-            </a:r>
-            <a:r>
-              <a:rPr lang="en-GB" sz="1100" dirty="0">
-                <a:solidFill>
-                  <a:srgbClr val="000000"/>
-                </a:solidFill>
-                <a:latin typeface="Courier" pitchFamily="2" charset="0"/>
-              </a:rPr>
-              <a:t>work</a:t>
-            </a:r>
-            <a:r>
-              <a:rPr lang="en-GB" sz="1100" b="1" dirty="0">
-                <a:solidFill>
-                  <a:srgbClr val="000000"/>
-                </a:solidFill>
-                <a:latin typeface="Courier-Bold" pitchFamily="2" charset="0"/>
-              </a:rPr>
-              <a:t>/</a:t>
-            </a:r>
-          </a:p>
-          <a:p>
-            <a:endParaRPr lang="en-GB" sz="1100" b="1" dirty="0">
-              <a:solidFill>
-                <a:srgbClr val="000000"/>
-              </a:solidFill>
-              <a:latin typeface="Courier-Bold" pitchFamily="2" charset="0"/>
-            </a:endParaRPr>
-          </a:p>
-          <a:p>
-            <a:r>
-              <a:rPr lang="en-GB" sz="1100" b="1" dirty="0">
-                <a:solidFill>
-                  <a:srgbClr val="000000"/>
-                </a:solidFill>
-                <a:latin typeface="Courier-Bold" pitchFamily="2" charset="0"/>
-              </a:rPr>
-              <a:t>time</a:t>
-            </a:r>
-            <a:r>
-              <a:rPr lang="en-GB" sz="1100" dirty="0">
-                <a:solidFill>
-                  <a:srgbClr val="000000"/>
-                </a:solidFill>
-                <a:latin typeface="Courier" pitchFamily="2" charset="0"/>
-              </a:rPr>
-              <a:t> </a:t>
-            </a:r>
-            <a:r>
-              <a:rPr lang="en-GB" sz="1100" dirty="0" err="1">
-                <a:solidFill>
-                  <a:srgbClr val="000000"/>
-                </a:solidFill>
-                <a:latin typeface="Courier" pitchFamily="2" charset="0"/>
-              </a:rPr>
-              <a:t>srun</a:t>
-            </a:r>
-            <a:r>
-              <a:rPr lang="en-GB" sz="1100" dirty="0">
-                <a:solidFill>
-                  <a:srgbClr val="000000"/>
-                </a:solidFill>
-                <a:latin typeface="Courier" pitchFamily="2" charset="0"/>
-              </a:rPr>
-              <a:t> </a:t>
-            </a:r>
-            <a:r>
-              <a:rPr lang="en-GB" sz="1100" dirty="0">
-                <a:solidFill>
-                  <a:srgbClr val="520026"/>
-                </a:solidFill>
-                <a:latin typeface="Courier" pitchFamily="2" charset="0"/>
-              </a:rPr>
-              <a:t>-l</a:t>
-            </a:r>
-            <a:r>
-              <a:rPr lang="en-GB" sz="1100" dirty="0">
-                <a:solidFill>
-                  <a:srgbClr val="000000"/>
-                </a:solidFill>
-                <a:latin typeface="Courier" pitchFamily="2" charset="0"/>
-              </a:rPr>
-              <a:t> </a:t>
-            </a:r>
-            <a:r>
-              <a:rPr lang="en-GB" sz="1100" dirty="0">
-                <a:solidFill>
-                  <a:srgbClr val="520026"/>
-                </a:solidFill>
-                <a:latin typeface="Courier" pitchFamily="2" charset="0"/>
-              </a:rPr>
-              <a:t>--kill-on-bad-exit</a:t>
-            </a:r>
-            <a:r>
-              <a:rPr lang="en-GB" sz="1100" dirty="0">
-                <a:solidFill>
-                  <a:srgbClr val="000000"/>
-                </a:solidFill>
-                <a:latin typeface="Courier" pitchFamily="2" charset="0"/>
-              </a:rPr>
-              <a:t>=1 --</a:t>
-            </a:r>
-            <a:r>
-              <a:rPr lang="en-GB" sz="1100" dirty="0" err="1">
-                <a:solidFill>
-                  <a:srgbClr val="000000"/>
-                </a:solidFill>
-                <a:latin typeface="Courier" pitchFamily="2" charset="0"/>
-              </a:rPr>
-              <a:t>cpu_bind</a:t>
-            </a:r>
-            <a:r>
-              <a:rPr lang="en-GB" sz="1100" dirty="0">
-                <a:solidFill>
-                  <a:srgbClr val="000000"/>
-                </a:solidFill>
-                <a:latin typeface="Courier" pitchFamily="2" charset="0"/>
-              </a:rPr>
-              <a:t>=cores </a:t>
-            </a:r>
-            <a:r>
-              <a:rPr lang="en-GB" sz="1100" dirty="0">
-                <a:solidFill>
-                  <a:srgbClr val="520026"/>
-                </a:solidFill>
-                <a:latin typeface="Courier" pitchFamily="2" charset="0"/>
-              </a:rPr>
-              <a:t>--multi-prog</a:t>
-            </a:r>
-            <a:r>
-              <a:rPr lang="en-GB" sz="1100" dirty="0">
-                <a:solidFill>
-                  <a:srgbClr val="000000"/>
-                </a:solidFill>
-                <a:latin typeface="Courier" pitchFamily="2" charset="0"/>
-              </a:rPr>
-              <a:t> </a:t>
-            </a:r>
-            <a:r>
-              <a:rPr lang="en-GB" sz="1100" dirty="0" err="1">
-                <a:solidFill>
-                  <a:srgbClr val="000000"/>
-                </a:solidFill>
-                <a:latin typeface="Courier" pitchFamily="2" charset="0"/>
-              </a:rPr>
-              <a:t>hostfile_srun</a:t>
-            </a:r>
-            <a:r>
-              <a:rPr lang="en-GB" sz="1100" dirty="0">
-                <a:solidFill>
-                  <a:srgbClr val="000000"/>
-                </a:solidFill>
-                <a:latin typeface="Courier" pitchFamily="2" charset="0"/>
-              </a:rPr>
-              <a:t> 2</a:t>
-            </a:r>
-            <a:r>
-              <a:rPr lang="en-GB" sz="1100" b="1" dirty="0">
-                <a:solidFill>
-                  <a:srgbClr val="000000"/>
-                </a:solidFill>
-                <a:latin typeface="Courier-Bold" pitchFamily="2" charset="0"/>
-              </a:rPr>
-              <a:t>&gt;&amp;</a:t>
-            </a:r>
-            <a:r>
-              <a:rPr lang="en-GB" sz="1100" dirty="0">
-                <a:solidFill>
-                  <a:srgbClr val="000000"/>
-                </a:solidFill>
-                <a:latin typeface="Courier" pitchFamily="2" charset="0"/>
-              </a:rPr>
-              <a:t>1 </a:t>
-            </a:r>
-            <a:r>
-              <a:rPr lang="en-GB" sz="1100" b="1" dirty="0">
-                <a:solidFill>
-                  <a:srgbClr val="000000"/>
-                </a:solidFill>
-                <a:latin typeface="Courier-Bold" pitchFamily="2" charset="0"/>
-              </a:rPr>
-              <a:t>&amp;</a:t>
-            </a:r>
-            <a:r>
-              <a:rPr lang="en-GB" sz="1100" dirty="0">
-                <a:solidFill>
-                  <a:srgbClr val="000000"/>
-                </a:solidFill>
-                <a:latin typeface="Courier" pitchFamily="2" charset="0"/>
-              </a:rPr>
-              <a:t> </a:t>
-            </a:r>
-          </a:p>
-          <a:p>
-            <a:endParaRPr lang="en-GB" sz="1100" i="1" dirty="0">
-              <a:solidFill>
-                <a:srgbClr val="000000"/>
-              </a:solidFill>
-              <a:latin typeface="Courier" pitchFamily="2" charset="0"/>
-            </a:endParaRPr>
-          </a:p>
-          <a:p>
-            <a:r>
-              <a:rPr lang="en-GB" sz="1100" dirty="0">
-                <a:solidFill>
-                  <a:srgbClr val="000000"/>
-                </a:solidFill>
-                <a:latin typeface="Courier" pitchFamily="2" charset="0"/>
-              </a:rPr>
-              <a:t>...</a:t>
-            </a:r>
-            <a:endParaRPr lang="en-GB" sz="1100" i="1" dirty="0">
-              <a:solidFill>
-                <a:srgbClr val="000000"/>
-              </a:solidFill>
-              <a:latin typeface="Courier" pitchFamily="2" charset="0"/>
-            </a:endParaRPr>
-          </a:p>
-        </p:txBody>
-      </p:sp>
-      <p:sp>
-        <p:nvSpPr>
-          <p:cNvPr id="11" name="Oval 10">
-            <a:extLst>
-              <a:ext uri="{FF2B5EF4-FFF2-40B4-BE49-F238E27FC236}">
-                <a16:creationId xmlns:a16="http://schemas.microsoft.com/office/drawing/2014/main" id="{D842B2F9-CE22-91D1-63AB-1C38BBD8A4F6}"/>
+                <a16:creationId xmlns:a16="http://schemas.microsoft.com/office/drawing/2014/main" id="{F665D3DF-5B57-74BD-31EE-C7CE4F9D2D57}"/>
               </a:ext>
             </a:extLst>
           </p:cNvPr>
@@ -15642,7 +16329,7 @@
     </p:spTree>
     <p:extLst>
       <p:ext uri="{BB962C8B-B14F-4D97-AF65-F5344CB8AC3E}">
-        <p14:creationId xmlns:p14="http://schemas.microsoft.com/office/powerpoint/2010/main" val="2381940551"/>
+        <p14:creationId xmlns:p14="http://schemas.microsoft.com/office/powerpoint/2010/main" val="2602471620"/>
       </p:ext>
     </p:extLst>
   </p:cSld>
@@ -15911,4 +16598,299 @@
     </a:ext>
   </a:extLst>
 </a:theme>
+</file>
+
+<file path=ppt/theme/theme2.xml><?xml version="1.0" encoding="utf-8"?>
+<a:theme xmlns:a="http://schemas.openxmlformats.org/drawingml/2006/main" name="Office Theme">
+  <a:themeElements>
+    <a:clrScheme name="Office">
+      <a:dk1>
+        <a:sysClr val="windowText" lastClr="000000"/>
+      </a:dk1>
+      <a:lt1>
+        <a:sysClr val="window" lastClr="FFFFFF"/>
+      </a:lt1>
+      <a:dk2>
+        <a:srgbClr val="44546A"/>
+      </a:dk2>
+      <a:lt2>
+        <a:srgbClr val="E7E6E6"/>
+      </a:lt2>
+      <a:accent1>
+        <a:srgbClr val="4472C4"/>
+      </a:accent1>
+      <a:accent2>
+        <a:srgbClr val="ED7D31"/>
+      </a:accent2>
+      <a:accent3>
+        <a:srgbClr val="A5A5A5"/>
+      </a:accent3>
+      <a:accent4>
+        <a:srgbClr val="FFC000"/>
+      </a:accent4>
+      <a:accent5>
+        <a:srgbClr val="5B9BD5"/>
+      </a:accent5>
+      <a:accent6>
+        <a:srgbClr val="70AD47"/>
+      </a:accent6>
+      <a:hlink>
+        <a:srgbClr val="0563C1"/>
+      </a:hlink>
+      <a:folHlink>
+        <a:srgbClr val="954F72"/>
+      </a:folHlink>
+    </a:clrScheme>
+    <a:fontScheme name="Office">
+      <a:majorFont>
+        <a:latin typeface="Calibri Light" panose="020F0302020204030204"/>
+        <a:ea typeface=""/>
+        <a:cs typeface=""/>
+        <a:font script="Jpan" typeface="游ゴシック Light"/>
+        <a:font script="Hang" typeface="맑은 고딕"/>
+        <a:font script="Hans" typeface="等线 Light"/>
+        <a:font script="Hant" typeface="新細明體"/>
+        <a:font script="Arab" typeface="Times New Roman"/>
+        <a:font script="Hebr" typeface="Times New Roman"/>
+        <a:font script="Thai" typeface="Angsana New"/>
+        <a:font script="Ethi" typeface="Nyala"/>
+        <a:font script="Beng" typeface="Vrinda"/>
+        <a:font script="Gujr" typeface="Shruti"/>
+        <a:font script="Khmr" typeface="MoolBoran"/>
+        <a:font script="Knda" typeface="Tunga"/>
+        <a:font script="Guru" typeface="Raavi"/>
+        <a:font script="Cans" typeface="Euphemia"/>
+        <a:font script="Cher" typeface="Plantagenet Cherokee"/>
+        <a:font script="Yiii" typeface="Microsoft Yi Baiti"/>
+        <a:font script="Tibt" typeface="Microsoft Himalaya"/>
+        <a:font script="Thaa" typeface="MV Boli"/>
+        <a:font script="Deva" typeface="Mangal"/>
+        <a:font script="Telu" typeface="Gautami"/>
+        <a:font script="Taml" typeface="Latha"/>
+        <a:font script="Syrc" typeface="Estrangelo Edessa"/>
+        <a:font script="Orya" typeface="Kalinga"/>
+        <a:font script="Mlym" typeface="Kartika"/>
+        <a:font script="Laoo" typeface="DokChampa"/>
+        <a:font script="Sinh" typeface="Iskoola Pota"/>
+        <a:font script="Mong" typeface="Mongolian Baiti"/>
+        <a:font script="Viet" typeface="Times New Roman"/>
+        <a:font script="Uigh" typeface="Microsoft Uighur"/>
+        <a:font script="Geor" typeface="Sylfaen"/>
+        <a:font script="Armn" typeface="Arial"/>
+        <a:font script="Bugi" typeface="Leelawadee UI"/>
+        <a:font script="Bopo" typeface="Microsoft JhengHei"/>
+        <a:font script="Java" typeface="Javanese Text"/>
+        <a:font script="Lisu" typeface="Segoe UI"/>
+        <a:font script="Mymr" typeface="Myanmar Text"/>
+        <a:font script="Nkoo" typeface="Ebrima"/>
+        <a:font script="Olck" typeface="Nirmala UI"/>
+        <a:font script="Osma" typeface="Ebrima"/>
+        <a:font script="Phag" typeface="Phagspa"/>
+        <a:font script="Syrn" typeface="Estrangelo Edessa"/>
+        <a:font script="Syrj" typeface="Estrangelo Edessa"/>
+        <a:font script="Syre" typeface="Estrangelo Edessa"/>
+        <a:font script="Sora" typeface="Nirmala UI"/>
+        <a:font script="Tale" typeface="Microsoft Tai Le"/>
+        <a:font script="Talu" typeface="Microsoft New Tai Lue"/>
+        <a:font script="Tfng" typeface="Ebrima"/>
+      </a:majorFont>
+      <a:minorFont>
+        <a:latin typeface="Calibri" panose="020F0502020204030204"/>
+        <a:ea typeface=""/>
+        <a:cs typeface=""/>
+        <a:font script="Jpan" typeface="游ゴシック"/>
+        <a:font script="Hang" typeface="맑은 고딕"/>
+        <a:font script="Hans" typeface="等线"/>
+        <a:font script="Hant" typeface="新細明體"/>
+        <a:font script="Arab" typeface="Arial"/>
+        <a:font script="Hebr" typeface="Arial"/>
+        <a:font script="Thai" typeface="Cordia New"/>
+        <a:font script="Ethi" typeface="Nyala"/>
+        <a:font script="Beng" typeface="Vrinda"/>
+        <a:font script="Gujr" typeface="Shruti"/>
+        <a:font script="Khmr" typeface="DaunPenh"/>
+        <a:font script="Knda" typeface="Tunga"/>
+        <a:font script="Guru" typeface="Raavi"/>
+        <a:font script="Cans" typeface="Euphemia"/>
+        <a:font script="Cher" typeface="Plantagenet Cherokee"/>
+        <a:font script="Yiii" typeface="Microsoft Yi Baiti"/>
+        <a:font script="Tibt" typeface="Microsoft Himalaya"/>
+        <a:font script="Thaa" typeface="MV Boli"/>
+        <a:font script="Deva" typeface="Mangal"/>
+        <a:font script="Telu" typeface="Gautami"/>
+        <a:font script="Taml" typeface="Latha"/>
+        <a:font script="Syrc" typeface="Estrangelo Edessa"/>
+        <a:font script="Orya" typeface="Kalinga"/>
+        <a:font script="Mlym" typeface="Kartika"/>
+        <a:font script="Laoo" typeface="DokChampa"/>
+        <a:font script="Sinh" typeface="Iskoola Pota"/>
+        <a:font script="Mong" typeface="Mongolian Baiti"/>
+        <a:font script="Viet" typeface="Arial"/>
+        <a:font script="Uigh" typeface="Microsoft Uighur"/>
+        <a:font script="Geor" typeface="Sylfaen"/>
+        <a:font script="Armn" typeface="Arial"/>
+        <a:font script="Bugi" typeface="Leelawadee UI"/>
+        <a:font script="Bopo" typeface="Microsoft JhengHei"/>
+        <a:font script="Java" typeface="Javanese Text"/>
+        <a:font script="Lisu" typeface="Segoe UI"/>
+        <a:font script="Mymr" typeface="Myanmar Text"/>
+        <a:font script="Nkoo" typeface="Ebrima"/>
+        <a:font script="Olck" typeface="Nirmala UI"/>
+        <a:font script="Osma" typeface="Ebrima"/>
+        <a:font script="Phag" typeface="Phagspa"/>
+        <a:font script="Syrn" typeface="Estrangelo Edessa"/>
+        <a:font script="Syrj" typeface="Estrangelo Edessa"/>
+        <a:font script="Syre" typeface="Estrangelo Edessa"/>
+        <a:font script="Sora" typeface="Nirmala UI"/>
+        <a:font script="Tale" typeface="Microsoft Tai Le"/>
+        <a:font script="Talu" typeface="Microsoft New Tai Lue"/>
+        <a:font script="Tfng" typeface="Ebrima"/>
+      </a:minorFont>
+    </a:fontScheme>
+    <a:fmtScheme name="Office">
+      <a:fillStyleLst>
+        <a:solidFill>
+          <a:schemeClr val="phClr"/>
+        </a:solidFill>
+        <a:gradFill rotWithShape="1">
+          <a:gsLst>
+            <a:gs pos="0">
+              <a:schemeClr val="phClr">
+                <a:lumMod val="110000"/>
+                <a:satMod val="105000"/>
+                <a:tint val="67000"/>
+              </a:schemeClr>
+            </a:gs>
+            <a:gs pos="50000">
+              <a:schemeClr val="phClr">
+                <a:lumMod val="105000"/>
+                <a:satMod val="103000"/>
+                <a:tint val="73000"/>
+              </a:schemeClr>
+            </a:gs>
+            <a:gs pos="100000">
+              <a:schemeClr val="phClr">
+                <a:lumMod val="105000"/>
+                <a:satMod val="109000"/>
+                <a:tint val="81000"/>
+              </a:schemeClr>
+            </a:gs>
+          </a:gsLst>
+          <a:lin ang="5400000" scaled="0"/>
+        </a:gradFill>
+        <a:gradFill rotWithShape="1">
+          <a:gsLst>
+            <a:gs pos="0">
+              <a:schemeClr val="phClr">
+                <a:satMod val="103000"/>
+                <a:lumMod val="102000"/>
+                <a:tint val="94000"/>
+              </a:schemeClr>
+            </a:gs>
+            <a:gs pos="50000">
+              <a:schemeClr val="phClr">
+                <a:satMod val="110000"/>
+                <a:lumMod val="100000"/>
+                <a:shade val="100000"/>
+              </a:schemeClr>
+            </a:gs>
+            <a:gs pos="100000">
+              <a:schemeClr val="phClr">
+                <a:lumMod val="99000"/>
+                <a:satMod val="120000"/>
+                <a:shade val="78000"/>
+              </a:schemeClr>
+            </a:gs>
+          </a:gsLst>
+          <a:lin ang="5400000" scaled="0"/>
+        </a:gradFill>
+      </a:fillStyleLst>
+      <a:lnStyleLst>
+        <a:ln w="6350" cap="flat" cmpd="sng" algn="ctr">
+          <a:solidFill>
+            <a:schemeClr val="phClr"/>
+          </a:solidFill>
+          <a:prstDash val="solid"/>
+          <a:miter lim="800000"/>
+        </a:ln>
+        <a:ln w="12700" cap="flat" cmpd="sng" algn="ctr">
+          <a:solidFill>
+            <a:schemeClr val="phClr"/>
+          </a:solidFill>
+          <a:prstDash val="solid"/>
+          <a:miter lim="800000"/>
+        </a:ln>
+        <a:ln w="19050" cap="flat" cmpd="sng" algn="ctr">
+          <a:solidFill>
+            <a:schemeClr val="phClr"/>
+          </a:solidFill>
+          <a:prstDash val="solid"/>
+          <a:miter lim="800000"/>
+        </a:ln>
+      </a:lnStyleLst>
+      <a:effectStyleLst>
+        <a:effectStyle>
+          <a:effectLst/>
+        </a:effectStyle>
+        <a:effectStyle>
+          <a:effectLst/>
+        </a:effectStyle>
+        <a:effectStyle>
+          <a:effectLst>
+            <a:outerShdw blurRad="57150" dist="19050" dir="5400000" algn="ctr" rotWithShape="0">
+              <a:srgbClr val="000000">
+                <a:alpha val="63000"/>
+              </a:srgbClr>
+            </a:outerShdw>
+          </a:effectLst>
+        </a:effectStyle>
+      </a:effectStyleLst>
+      <a:bgFillStyleLst>
+        <a:solidFill>
+          <a:schemeClr val="phClr"/>
+        </a:solidFill>
+        <a:solidFill>
+          <a:schemeClr val="phClr">
+            <a:tint val="95000"/>
+            <a:satMod val="170000"/>
+          </a:schemeClr>
+        </a:solidFill>
+        <a:gradFill rotWithShape="1">
+          <a:gsLst>
+            <a:gs pos="0">
+              <a:schemeClr val="phClr">
+                <a:tint val="93000"/>
+                <a:satMod val="150000"/>
+                <a:shade val="98000"/>
+                <a:lumMod val="102000"/>
+              </a:schemeClr>
+            </a:gs>
+            <a:gs pos="50000">
+              <a:schemeClr val="phClr">
+                <a:tint val="98000"/>
+                <a:satMod val="130000"/>
+                <a:shade val="90000"/>
+                <a:lumMod val="103000"/>
+              </a:schemeClr>
+            </a:gs>
+            <a:gs pos="100000">
+              <a:schemeClr val="phClr">
+                <a:shade val="63000"/>
+                <a:satMod val="120000"/>
+              </a:schemeClr>
+            </a:gs>
+          </a:gsLst>
+          <a:lin ang="5400000" scaled="0"/>
+        </a:gradFill>
+      </a:bgFillStyleLst>
+    </a:fmtScheme>
+  </a:themeElements>
+  <a:objectDefaults/>
+  <a:extraClrSchemeLst/>
+  <a:extLst>
+    <a:ext uri="{05A4C25C-085E-4340-85A3-A5531E510DB2}">
+      <thm15:themeFamily xmlns:thm15="http://schemas.microsoft.com/office/thememl/2012/main" name="Office Theme" id="{62F939B6-93AF-4DB8-9C6B-D6C7DFDC589F}" vid="{4A3C46E8-61CC-4603-A589-7422A47A8E4A}"/>
+    </a:ext>
+  </a:extLst>
+</a:theme>
 </file>